--- a/Slides/Day_7_2.pptx
+++ b/Slides/Day_7_2.pptx
@@ -8,20 +8,60 @@
     <p:sldId id="256" r:id="rId2"/>
     <p:sldId id="350" r:id="rId3"/>
     <p:sldId id="351" r:id="rId4"/>
-    <p:sldId id="352" r:id="rId5"/>
-    <p:sldId id="354" r:id="rId6"/>
-    <p:sldId id="353" r:id="rId7"/>
-    <p:sldId id="355" r:id="rId8"/>
-    <p:sldId id="356" r:id="rId9"/>
-    <p:sldId id="357" r:id="rId10"/>
-    <p:sldId id="358" r:id="rId11"/>
-    <p:sldId id="359" r:id="rId12"/>
-    <p:sldId id="360" r:id="rId13"/>
-    <p:sldId id="361" r:id="rId14"/>
-    <p:sldId id="362" r:id="rId15"/>
-    <p:sldId id="363" r:id="rId16"/>
-    <p:sldId id="364" r:id="rId17"/>
-    <p:sldId id="365" r:id="rId18"/>
+    <p:sldId id="367" r:id="rId5"/>
+    <p:sldId id="368" r:id="rId6"/>
+    <p:sldId id="352" r:id="rId7"/>
+    <p:sldId id="354" r:id="rId8"/>
+    <p:sldId id="353" r:id="rId9"/>
+    <p:sldId id="355" r:id="rId10"/>
+    <p:sldId id="356" r:id="rId11"/>
+    <p:sldId id="357" r:id="rId12"/>
+    <p:sldId id="358" r:id="rId13"/>
+    <p:sldId id="359" r:id="rId14"/>
+    <p:sldId id="360" r:id="rId15"/>
+    <p:sldId id="361" r:id="rId16"/>
+    <p:sldId id="362" r:id="rId17"/>
+    <p:sldId id="363" r:id="rId18"/>
+    <p:sldId id="364" r:id="rId19"/>
+    <p:sldId id="365" r:id="rId20"/>
+    <p:sldId id="366" r:id="rId21"/>
+    <p:sldId id="370" r:id="rId22"/>
+    <p:sldId id="404" r:id="rId23"/>
+    <p:sldId id="371" r:id="rId24"/>
+    <p:sldId id="372" r:id="rId25"/>
+    <p:sldId id="373" r:id="rId26"/>
+    <p:sldId id="375" r:id="rId27"/>
+    <p:sldId id="376" r:id="rId28"/>
+    <p:sldId id="377" r:id="rId29"/>
+    <p:sldId id="378" r:id="rId30"/>
+    <p:sldId id="379" r:id="rId31"/>
+    <p:sldId id="380" r:id="rId32"/>
+    <p:sldId id="381" r:id="rId33"/>
+    <p:sldId id="382" r:id="rId34"/>
+    <p:sldId id="383" r:id="rId35"/>
+    <p:sldId id="384" r:id="rId36"/>
+    <p:sldId id="385" r:id="rId37"/>
+    <p:sldId id="386" r:id="rId38"/>
+    <p:sldId id="387" r:id="rId39"/>
+    <p:sldId id="388" r:id="rId40"/>
+    <p:sldId id="391" r:id="rId41"/>
+    <p:sldId id="392" r:id="rId42"/>
+    <p:sldId id="393" r:id="rId43"/>
+    <p:sldId id="389" r:id="rId44"/>
+    <p:sldId id="390" r:id="rId45"/>
+    <p:sldId id="405" r:id="rId46"/>
+    <p:sldId id="406" r:id="rId47"/>
+    <p:sldId id="394" r:id="rId48"/>
+    <p:sldId id="395" r:id="rId49"/>
+    <p:sldId id="396" r:id="rId50"/>
+    <p:sldId id="397" r:id="rId51"/>
+    <p:sldId id="398" r:id="rId52"/>
+    <p:sldId id="399" r:id="rId53"/>
+    <p:sldId id="400" r:id="rId54"/>
+    <p:sldId id="401" r:id="rId55"/>
+    <p:sldId id="369" r:id="rId56"/>
+    <p:sldId id="402" r:id="rId57"/>
+    <p:sldId id="403" r:id="rId58"/>
   </p:sldIdLst>
   <p:sldSz cx="12192000" cy="6858000"/>
   <p:notesSz cx="6858000" cy="9144000"/>
@@ -314,7 +354,7 @@
           <a:p>
             <a:fld id="{EDA8BDCB-78B0-4602-A2A4-46193FA57CAD}" type="datetimeFigureOut">
               <a:rPr lang="en-US" smtClean="0"/>
-              <a:t>8/15/2024</a:t>
+              <a:t>8/17/2024</a:t>
             </a:fld>
             <a:endParaRPr lang="en-US"/>
           </a:p>
@@ -588,7 +628,7 @@
           <a:p>
             <a:fld id="{EDA8BDCB-78B0-4602-A2A4-46193FA57CAD}" type="datetimeFigureOut">
               <a:rPr lang="en-US" smtClean="0"/>
-              <a:t>8/15/2024</a:t>
+              <a:t>8/17/2024</a:t>
             </a:fld>
             <a:endParaRPr lang="en-US"/>
           </a:p>
@@ -782,7 +822,7 @@
           <a:p>
             <a:fld id="{EDA8BDCB-78B0-4602-A2A4-46193FA57CAD}" type="datetimeFigureOut">
               <a:rPr lang="en-US" smtClean="0"/>
-              <a:t>8/15/2024</a:t>
+              <a:t>8/17/2024</a:t>
             </a:fld>
             <a:endParaRPr lang="en-US"/>
           </a:p>
@@ -1055,7 +1095,7 @@
           <a:p>
             <a:fld id="{EDA8BDCB-78B0-4602-A2A4-46193FA57CAD}" type="datetimeFigureOut">
               <a:rPr lang="en-US" smtClean="0"/>
-              <a:t>8/15/2024</a:t>
+              <a:t>8/17/2024</a:t>
             </a:fld>
             <a:endParaRPr lang="en-US"/>
           </a:p>
@@ -1396,7 +1436,7 @@
           <a:p>
             <a:fld id="{EDA8BDCB-78B0-4602-A2A4-46193FA57CAD}" type="datetimeFigureOut">
               <a:rPr lang="en-US" smtClean="0"/>
-              <a:t>8/15/2024</a:t>
+              <a:t>8/17/2024</a:t>
             </a:fld>
             <a:endParaRPr lang="en-US"/>
           </a:p>
@@ -2019,7 +2059,7 @@
           <a:p>
             <a:fld id="{EDA8BDCB-78B0-4602-A2A4-46193FA57CAD}" type="datetimeFigureOut">
               <a:rPr lang="en-US" smtClean="0"/>
-              <a:t>8/15/2024</a:t>
+              <a:t>8/17/2024</a:t>
             </a:fld>
             <a:endParaRPr lang="en-US"/>
           </a:p>
@@ -2876,7 +2916,7 @@
           <a:p>
             <a:fld id="{EDA8BDCB-78B0-4602-A2A4-46193FA57CAD}" type="datetimeFigureOut">
               <a:rPr lang="en-US" smtClean="0"/>
-              <a:t>8/15/2024</a:t>
+              <a:t>8/17/2024</a:t>
             </a:fld>
             <a:endParaRPr lang="en-US"/>
           </a:p>
@@ -3046,7 +3086,7 @@
           <a:p>
             <a:fld id="{EDA8BDCB-78B0-4602-A2A4-46193FA57CAD}" type="datetimeFigureOut">
               <a:rPr lang="en-US" smtClean="0"/>
-              <a:t>8/15/2024</a:t>
+              <a:t>8/17/2024</a:t>
             </a:fld>
             <a:endParaRPr lang="en-US"/>
           </a:p>
@@ -3226,7 +3266,7 @@
           <a:p>
             <a:fld id="{EDA8BDCB-78B0-4602-A2A4-46193FA57CAD}" type="datetimeFigureOut">
               <a:rPr lang="en-US" smtClean="0"/>
-              <a:t>8/15/2024</a:t>
+              <a:t>8/17/2024</a:t>
             </a:fld>
             <a:endParaRPr lang="en-US"/>
           </a:p>
@@ -3396,7 +3436,7 @@
           <a:p>
             <a:fld id="{EDA8BDCB-78B0-4602-A2A4-46193FA57CAD}" type="datetimeFigureOut">
               <a:rPr lang="en-US" smtClean="0"/>
-              <a:t>8/15/2024</a:t>
+              <a:t>8/17/2024</a:t>
             </a:fld>
             <a:endParaRPr lang="en-US"/>
           </a:p>
@@ -3643,7 +3683,7 @@
           <a:p>
             <a:fld id="{EDA8BDCB-78B0-4602-A2A4-46193FA57CAD}" type="datetimeFigureOut">
               <a:rPr lang="en-US" smtClean="0"/>
-              <a:t>8/15/2024</a:t>
+              <a:t>8/17/2024</a:t>
             </a:fld>
             <a:endParaRPr lang="en-US"/>
           </a:p>
@@ -3935,7 +3975,7 @@
           <a:p>
             <a:fld id="{EDA8BDCB-78B0-4602-A2A4-46193FA57CAD}" type="datetimeFigureOut">
               <a:rPr lang="en-US" smtClean="0"/>
-              <a:t>8/15/2024</a:t>
+              <a:t>8/17/2024</a:t>
             </a:fld>
             <a:endParaRPr lang="en-US"/>
           </a:p>
@@ -4379,7 +4419,7 @@
           <a:p>
             <a:fld id="{EDA8BDCB-78B0-4602-A2A4-46193FA57CAD}" type="datetimeFigureOut">
               <a:rPr lang="en-US" smtClean="0"/>
-              <a:t>8/15/2024</a:t>
+              <a:t>8/17/2024</a:t>
             </a:fld>
             <a:endParaRPr lang="en-US"/>
           </a:p>
@@ -4497,7 +4537,7 @@
           <a:p>
             <a:fld id="{EDA8BDCB-78B0-4602-A2A4-46193FA57CAD}" type="datetimeFigureOut">
               <a:rPr lang="en-US" smtClean="0"/>
-              <a:t>8/15/2024</a:t>
+              <a:t>8/17/2024</a:t>
             </a:fld>
             <a:endParaRPr lang="en-US"/>
           </a:p>
@@ -4592,7 +4632,7 @@
           <a:p>
             <a:fld id="{EDA8BDCB-78B0-4602-A2A4-46193FA57CAD}" type="datetimeFigureOut">
               <a:rPr lang="en-US" smtClean="0"/>
-              <a:t>8/15/2024</a:t>
+              <a:t>8/17/2024</a:t>
             </a:fld>
             <a:endParaRPr lang="en-US"/>
           </a:p>
@@ -4871,7 +4911,7 @@
           <a:p>
             <a:fld id="{EDA8BDCB-78B0-4602-A2A4-46193FA57CAD}" type="datetimeFigureOut">
               <a:rPr lang="en-US" smtClean="0"/>
-              <a:t>8/15/2024</a:t>
+              <a:t>8/17/2024</a:t>
             </a:fld>
             <a:endParaRPr lang="en-US"/>
           </a:p>
@@ -5145,7 +5185,7 @@
           <a:p>
             <a:fld id="{EDA8BDCB-78B0-4602-A2A4-46193FA57CAD}" type="datetimeFigureOut">
               <a:rPr lang="en-US" smtClean="0"/>
-              <a:t>8/15/2024</a:t>
+              <a:t>8/17/2024</a:t>
             </a:fld>
             <a:endParaRPr lang="en-US"/>
           </a:p>
@@ -5574,7 +5614,7 @@
           <a:p>
             <a:fld id="{EDA8BDCB-78B0-4602-A2A4-46193FA57CAD}" type="datetimeFigureOut">
               <a:rPr lang="en-US" smtClean="0"/>
-              <a:t>8/15/2024</a:t>
+              <a:t>8/17/2024</a:t>
             </a:fld>
             <a:endParaRPr lang="en-US"/>
           </a:p>
@@ -6324,45 +6364,33 @@
                 <a:latin typeface="Arial" panose="020B0604020202020204" pitchFamily="34" charset="0"/>
                 <a:cs typeface="Arial" panose="020B0604020202020204" pitchFamily="34" charset="0"/>
               </a:rPr>
-              <a:t>Truy xuất tham số từ yêu cầu HTTP</a:t>
-            </a:r>
-          </a:p>
-        </p:txBody>
-      </p:sp>
-      <p:pic>
-        <p:nvPicPr>
-          <p:cNvPr id="5" name="Picture 4">
-            <a:extLst>
-              <a:ext uri="{FF2B5EF4-FFF2-40B4-BE49-F238E27FC236}">
-                <a16:creationId xmlns:a16="http://schemas.microsoft.com/office/drawing/2014/main" id="{B8DDC36A-D04B-4FD3-B1DD-17500E181DE3}"/>
-              </a:ext>
-            </a:extLst>
-          </p:cNvPr>
-          <p:cNvPicPr>
-            <a:picLocks noChangeAspect="1"/>
-          </p:cNvPicPr>
-          <p:nvPr/>
-        </p:nvPicPr>
-        <p:blipFill>
-          <a:blip r:embed="rId2"/>
-          <a:stretch>
-            <a:fillRect/>
-          </a:stretch>
-        </p:blipFill>
-        <p:spPr>
-          <a:xfrm>
-            <a:off x="1306415" y="2885476"/>
-            <a:ext cx="9579170" cy="3284505"/>
-          </a:xfrm>
-          <a:prstGeom prst="rect">
-            <a:avLst/>
-          </a:prstGeom>
-        </p:spPr>
-      </p:pic>
+              <a:t>Những đối tượng thuộc lớp HttpServletRequest là những đối tượng chứa thông tin của yêu cầu HTTP.</a:t>
+            </a:r>
+          </a:p>
+          <a:p>
+            <a:r>
+              <a:rPr lang="en-US">
+                <a:latin typeface="Arial" panose="020B0604020202020204" pitchFamily="34" charset="0"/>
+                <a:cs typeface="Arial" panose="020B0604020202020204" pitchFamily="34" charset="0"/>
+              </a:rPr>
+              <a:t>Những đối tượng thuộc lớp này thường được tạo ra bởi JavaEE Container và truyền vào làm đối số gọi phương thức doGet, doPost của các Servlet.</a:t>
+            </a:r>
+          </a:p>
+          <a:p>
+            <a:r>
+              <a:rPr lang="en-US">
+                <a:latin typeface="Arial" panose="020B0604020202020204" pitchFamily="34" charset="0"/>
+                <a:cs typeface="Arial" panose="020B0604020202020204" pitchFamily="34" charset="0"/>
+              </a:rPr>
+              <a:t>Những đối tượng thuộc lớp này được JavaEE Container tạo dựa trên những thông tin được cung cấp bởi yêu cầu HTTP được gửi từ phía trình duyệt web.</a:t>
+            </a:r>
+          </a:p>
+        </p:txBody>
+      </p:sp>
     </p:spTree>
     <p:extLst>
       <p:ext uri="{BB962C8B-B14F-4D97-AF65-F5344CB8AC3E}">
-        <p14:creationId xmlns:p14="http://schemas.microsoft.com/office/powerpoint/2010/main" val="3599826012"/>
+        <p14:creationId xmlns:p14="http://schemas.microsoft.com/office/powerpoint/2010/main" val="1871336901"/>
       </p:ext>
     </p:extLst>
   </p:cSld>
@@ -6451,45 +6479,55 @@
                 <a:latin typeface="Arial" panose="020B0604020202020204" pitchFamily="34" charset="0"/>
                 <a:cs typeface="Arial" panose="020B0604020202020204" pitchFamily="34" charset="0"/>
               </a:rPr>
-              <a:t>Chuyển tiếp yêu cầu HTTP</a:t>
-            </a:r>
-          </a:p>
-        </p:txBody>
-      </p:sp>
-      <p:pic>
-        <p:nvPicPr>
-          <p:cNvPr id="6" name="Picture 5">
-            <a:extLst>
-              <a:ext uri="{FF2B5EF4-FFF2-40B4-BE49-F238E27FC236}">
-                <a16:creationId xmlns:a16="http://schemas.microsoft.com/office/drawing/2014/main" id="{1869BC04-6027-4D54-82B3-D240C3F1DDF7}"/>
-              </a:ext>
-            </a:extLst>
-          </p:cNvPr>
-          <p:cNvPicPr>
-            <a:picLocks noChangeAspect="1"/>
-          </p:cNvPicPr>
-          <p:nvPr/>
-        </p:nvPicPr>
-        <p:blipFill>
-          <a:blip r:embed="rId2"/>
-          <a:stretch>
-            <a:fillRect/>
-          </a:stretch>
-        </p:blipFill>
-        <p:spPr>
-          <a:xfrm>
-            <a:off x="1287363" y="3629100"/>
-            <a:ext cx="9617273" cy="2103302"/>
-          </a:xfrm>
-          <a:prstGeom prst="rect">
-            <a:avLst/>
-          </a:prstGeom>
-        </p:spPr>
-      </p:pic>
+              <a:t>Những công việc chính mà các đối tượng thuộc lớp HttpServletRequest thường thực hiện:</a:t>
+            </a:r>
+          </a:p>
+          <a:p>
+            <a:pPr lvl="1"/>
+            <a:r>
+              <a:rPr lang="en-US">
+                <a:latin typeface="Arial" panose="020B0604020202020204" pitchFamily="34" charset="0"/>
+                <a:cs typeface="Arial" panose="020B0604020202020204" pitchFamily="34" charset="0"/>
+              </a:rPr>
+              <a:t>Chuyển tiếp yêu cầu: Chuyển tiếp yêu cầu từ HttpServlet này sang HttpServlet khác. (Ví dụ: từ /login đến /home)</a:t>
+            </a:r>
+          </a:p>
+          <a:p>
+            <a:pPr lvl="1"/>
+            <a:r>
+              <a:rPr lang="en-US">
+                <a:latin typeface="Arial" panose="020B0604020202020204" pitchFamily="34" charset="0"/>
+                <a:cs typeface="Arial" panose="020B0604020202020204" pitchFamily="34" charset="0"/>
+              </a:rPr>
+              <a:t>Truy xuất tham số từ yêu cầu HTTP: Khi HttpServlet xử lý yêu cầu HTTP, sẽ thường xuyên cần truy xuất tham số từ yêu cầu HTTP để xử lý gì đó.</a:t>
+            </a:r>
+          </a:p>
+          <a:p>
+            <a:pPr lvl="1"/>
+            <a:r>
+              <a:rPr lang="en-US">
+                <a:latin typeface="Arial" panose="020B0604020202020204" pitchFamily="34" charset="0"/>
+                <a:cs typeface="Arial" panose="020B0604020202020204" pitchFamily="34" charset="0"/>
+              </a:rPr>
+              <a:t>Tạo / truy xuất phiên làm việc (Session): Tạo phiên làm việc hoặc truy xuất phiên làm việc nếu đã có, để lưu trữ trạng thái của người dùng trong khoảng thời gian dài.</a:t>
+            </a:r>
+          </a:p>
+          <a:p>
+            <a:pPr lvl="1"/>
+            <a:r>
+              <a:rPr lang="en-US">
+                <a:latin typeface="Arial" panose="020B0604020202020204" pitchFamily="34" charset="0"/>
+                <a:cs typeface="Arial" panose="020B0604020202020204" pitchFamily="34" charset="0"/>
+              </a:rPr>
+              <a:t>Lưu trữ lớp đối tượng mô hình dữ liệu: Mang đến khả năng hiển thị dữ liệu hệ thống cho giao diện.</a:t>
+            </a:r>
+          </a:p>
+        </p:txBody>
+      </p:sp>
     </p:spTree>
     <p:extLst>
       <p:ext uri="{BB962C8B-B14F-4D97-AF65-F5344CB8AC3E}">
-        <p14:creationId xmlns:p14="http://schemas.microsoft.com/office/powerpoint/2010/main" val="3329802170"/>
+        <p14:creationId xmlns:p14="http://schemas.microsoft.com/office/powerpoint/2010/main" val="2934881679"/>
       </p:ext>
     </p:extLst>
   </p:cSld>
@@ -6578,17 +6616,17 @@
                 <a:latin typeface="Arial" panose="020B0604020202020204" pitchFamily="34" charset="0"/>
                 <a:cs typeface="Arial" panose="020B0604020202020204" pitchFamily="34" charset="0"/>
               </a:rPr>
-              <a:t>Tạo / truy xuất phiên làm việc</a:t>
+              <a:t>Truy xuất tham số từ yêu cầu HTTP</a:t>
             </a:r>
           </a:p>
         </p:txBody>
       </p:sp>
       <p:pic>
         <p:nvPicPr>
-          <p:cNvPr id="8" name="Picture 7">
-            <a:extLst>
-              <a:ext uri="{FF2B5EF4-FFF2-40B4-BE49-F238E27FC236}">
-                <a16:creationId xmlns:a16="http://schemas.microsoft.com/office/drawing/2014/main" id="{6522ED2F-580F-4BB7-899F-3533B55FF127}"/>
+          <p:cNvPr id="5" name="Picture 4">
+            <a:extLst>
+              <a:ext uri="{FF2B5EF4-FFF2-40B4-BE49-F238E27FC236}">
+                <a16:creationId xmlns:a16="http://schemas.microsoft.com/office/drawing/2014/main" id="{B8DDC36A-D04B-4FD3-B1DD-17500E181DE3}"/>
               </a:ext>
             </a:extLst>
           </p:cNvPr>
@@ -6605,8 +6643,8 @@
         </p:blipFill>
         <p:spPr>
           <a:xfrm>
-            <a:off x="1287363" y="3286445"/>
-            <a:ext cx="9617273" cy="2415749"/>
+            <a:off x="1306415" y="2885476"/>
+            <a:ext cx="9579170" cy="3284505"/>
           </a:xfrm>
           <a:prstGeom prst="rect">
             <a:avLst/>
@@ -6616,7 +6654,7 @@
     </p:spTree>
     <p:extLst>
       <p:ext uri="{BB962C8B-B14F-4D97-AF65-F5344CB8AC3E}">
-        <p14:creationId xmlns:p14="http://schemas.microsoft.com/office/powerpoint/2010/main" val="3099302406"/>
+        <p14:creationId xmlns:p14="http://schemas.microsoft.com/office/powerpoint/2010/main" val="3599826012"/>
       </p:ext>
     </p:extLst>
   </p:cSld>
@@ -6705,17 +6743,17 @@
                 <a:latin typeface="Arial" panose="020B0604020202020204" pitchFamily="34" charset="0"/>
                 <a:cs typeface="Arial" panose="020B0604020202020204" pitchFamily="34" charset="0"/>
               </a:rPr>
-              <a:t>Lưu trữ đối tượng mô hình dữ liệu</a:t>
+              <a:t>Chuyển tiếp yêu cầu HTTP</a:t>
             </a:r>
           </a:p>
         </p:txBody>
       </p:sp>
       <p:pic>
         <p:nvPicPr>
-          <p:cNvPr id="5" name="Picture 4">
-            <a:extLst>
-              <a:ext uri="{FF2B5EF4-FFF2-40B4-BE49-F238E27FC236}">
-                <a16:creationId xmlns:a16="http://schemas.microsoft.com/office/drawing/2014/main" id="{606A0520-751D-435C-8EDE-D7F0514F5CCF}"/>
+          <p:cNvPr id="6" name="Picture 5">
+            <a:extLst>
+              <a:ext uri="{FF2B5EF4-FFF2-40B4-BE49-F238E27FC236}">
+                <a16:creationId xmlns:a16="http://schemas.microsoft.com/office/drawing/2014/main" id="{1869BC04-6027-4D54-82B3-D240C3F1DDF7}"/>
               </a:ext>
             </a:extLst>
           </p:cNvPr>
@@ -6732,8 +6770,8 @@
         </p:blipFill>
         <p:spPr>
           <a:xfrm>
-            <a:off x="1517140" y="2975060"/>
-            <a:ext cx="9571549" cy="3322608"/>
+            <a:off x="1287363" y="3629100"/>
+            <a:ext cx="9617273" cy="2103302"/>
           </a:xfrm>
           <a:prstGeom prst="rect">
             <a:avLst/>
@@ -6743,7 +6781,7 @@
     </p:spTree>
     <p:extLst>
       <p:ext uri="{BB962C8B-B14F-4D97-AF65-F5344CB8AC3E}">
-        <p14:creationId xmlns:p14="http://schemas.microsoft.com/office/powerpoint/2010/main" val="4099757445"/>
+        <p14:creationId xmlns:p14="http://schemas.microsoft.com/office/powerpoint/2010/main" val="3329802170"/>
       </p:ext>
     </p:extLst>
   </p:cSld>
@@ -6796,7 +6834,7 @@
                 <a:latin typeface="Arial" panose="020B0604020202020204" pitchFamily="34" charset="0"/>
                 <a:cs typeface="Arial" panose="020B0604020202020204" pitchFamily="34" charset="0"/>
               </a:rPr>
-              <a:t>5.5. Lớp HttpServletResponse</a:t>
+              <a:t>5.4. Lớp HttpServletRequest</a:t>
             </a:r>
           </a:p>
         </p:txBody>
@@ -6832,44 +6870,45 @@
                 <a:latin typeface="Arial" panose="020B0604020202020204" pitchFamily="34" charset="0"/>
                 <a:cs typeface="Arial" panose="020B0604020202020204" pitchFamily="34" charset="0"/>
               </a:rPr>
-              <a:t>Những đối tượng thuộc lớp là những đối tượng đại diện cho nội dung phản hồi sẽ trả về cho JavaEE Container để JavaEE Container tạo phản hồi HTTP phản hồi về phía trình duyệt web.</a:t>
-            </a:r>
-          </a:p>
-          <a:p>
-            <a:r>
-              <a:rPr lang="en-US">
-                <a:latin typeface="Arial" panose="020B0604020202020204" pitchFamily="34" charset="0"/>
-                <a:cs typeface="Arial" panose="020B0604020202020204" pitchFamily="34" charset="0"/>
-              </a:rPr>
-              <a:t>Những công việc chính của HttpServletResponse:</a:t>
-            </a:r>
-          </a:p>
-          <a:p>
-            <a:pPr lvl="1"/>
-            <a:r>
-              <a:rPr lang="en-US">
-                <a:latin typeface="Arial" panose="020B0604020202020204" pitchFamily="34" charset="0"/>
-                <a:cs typeface="Arial" panose="020B0604020202020204" pitchFamily="34" charset="0"/>
-              </a:rPr>
-              <a:t>Chuyển hướng yêu cầu HTTP: Chuyển hướng xử lý yêu cầu HTTP về một địa chỉ khác. (Ví dụ: Chuyển hướng từ /login =&gt; /home)</a:t>
-            </a:r>
-          </a:p>
-          <a:p>
-            <a:pPr lvl="1"/>
-            <a:r>
-              <a:rPr lang="en-US">
-                <a:latin typeface="Arial" panose="020B0604020202020204" pitchFamily="34" charset="0"/>
-                <a:cs typeface="Arial" panose="020B0604020202020204" pitchFamily="34" charset="0"/>
-              </a:rPr>
-              <a:t>Tạo nội dung phản hồi: Tạo nội dung phản hồi để JavaEE Container tạo phản hồi HTTP và phản hồi về phía trình duyệt web.</a:t>
-            </a:r>
-          </a:p>
-        </p:txBody>
-      </p:sp>
+              <a:t>Tạo / truy xuất phiên làm việc</a:t>
+            </a:r>
+          </a:p>
+        </p:txBody>
+      </p:sp>
+      <p:pic>
+        <p:nvPicPr>
+          <p:cNvPr id="8" name="Picture 7">
+            <a:extLst>
+              <a:ext uri="{FF2B5EF4-FFF2-40B4-BE49-F238E27FC236}">
+                <a16:creationId xmlns:a16="http://schemas.microsoft.com/office/drawing/2014/main" id="{6522ED2F-580F-4BB7-899F-3533B55FF127}"/>
+              </a:ext>
+            </a:extLst>
+          </p:cNvPr>
+          <p:cNvPicPr>
+            <a:picLocks noChangeAspect="1"/>
+          </p:cNvPicPr>
+          <p:nvPr/>
+        </p:nvPicPr>
+        <p:blipFill>
+          <a:blip r:embed="rId2"/>
+          <a:stretch>
+            <a:fillRect/>
+          </a:stretch>
+        </p:blipFill>
+        <p:spPr>
+          <a:xfrm>
+            <a:off x="1287363" y="3286445"/>
+            <a:ext cx="9617273" cy="2415749"/>
+          </a:xfrm>
+          <a:prstGeom prst="rect">
+            <a:avLst/>
+          </a:prstGeom>
+        </p:spPr>
+      </p:pic>
     </p:spTree>
     <p:extLst>
       <p:ext uri="{BB962C8B-B14F-4D97-AF65-F5344CB8AC3E}">
-        <p14:creationId xmlns:p14="http://schemas.microsoft.com/office/powerpoint/2010/main" val="2173641689"/>
+        <p14:creationId xmlns:p14="http://schemas.microsoft.com/office/powerpoint/2010/main" val="3099302406"/>
       </p:ext>
     </p:extLst>
   </p:cSld>
@@ -6922,7 +6961,7 @@
                 <a:latin typeface="Arial" panose="020B0604020202020204" pitchFamily="34" charset="0"/>
                 <a:cs typeface="Arial" panose="020B0604020202020204" pitchFamily="34" charset="0"/>
               </a:rPr>
-              <a:t>5.5. Lớp HttpServletResponse</a:t>
+              <a:t>5.4. Lớp HttpServletRequest</a:t>
             </a:r>
           </a:p>
         </p:txBody>
@@ -6958,7 +6997,7 @@
                 <a:latin typeface="Arial" panose="020B0604020202020204" pitchFamily="34" charset="0"/>
                 <a:cs typeface="Arial" panose="020B0604020202020204" pitchFamily="34" charset="0"/>
               </a:rPr>
-              <a:t>Chuyển hướng yêu cầu HTTP</a:t>
+              <a:t>Lưu trữ đối tượng mô hình dữ liệu</a:t>
             </a:r>
           </a:p>
         </p:txBody>
@@ -6968,7 +7007,7 @@
           <p:cNvPr id="5" name="Picture 4">
             <a:extLst>
               <a:ext uri="{FF2B5EF4-FFF2-40B4-BE49-F238E27FC236}">
-                <a16:creationId xmlns:a16="http://schemas.microsoft.com/office/drawing/2014/main" id="{9FA1DBE4-68C1-4AEC-8CCC-D4A980CC55A1}"/>
+                <a16:creationId xmlns:a16="http://schemas.microsoft.com/office/drawing/2014/main" id="{606A0520-751D-435C-8EDE-D7F0514F5CCF}"/>
               </a:ext>
             </a:extLst>
           </p:cNvPr>
@@ -6985,8 +7024,8 @@
         </p:blipFill>
         <p:spPr>
           <a:xfrm>
-            <a:off x="1256880" y="3678753"/>
-            <a:ext cx="9678239" cy="1844200"/>
+            <a:off x="1517140" y="2975060"/>
+            <a:ext cx="9571549" cy="3322608"/>
           </a:xfrm>
           <a:prstGeom prst="rect">
             <a:avLst/>
@@ -6996,7 +7035,7 @@
     </p:spTree>
     <p:extLst>
       <p:ext uri="{BB962C8B-B14F-4D97-AF65-F5344CB8AC3E}">
-        <p14:creationId xmlns:p14="http://schemas.microsoft.com/office/powerpoint/2010/main" val="2742208739"/>
+        <p14:creationId xmlns:p14="http://schemas.microsoft.com/office/powerpoint/2010/main" val="4099757445"/>
       </p:ext>
     </p:extLst>
   </p:cSld>
@@ -7085,6 +7124,259 @@
                 <a:latin typeface="Arial" panose="020B0604020202020204" pitchFamily="34" charset="0"/>
                 <a:cs typeface="Arial" panose="020B0604020202020204" pitchFamily="34" charset="0"/>
               </a:rPr>
+              <a:t>Những đối tượng thuộc lớp là những đối tượng đại diện cho nội dung phản hồi sẽ trả về cho JavaEE Container để JavaEE Container tạo phản hồi HTTP phản hồi về phía trình duyệt web.</a:t>
+            </a:r>
+          </a:p>
+          <a:p>
+            <a:r>
+              <a:rPr lang="en-US">
+                <a:latin typeface="Arial" panose="020B0604020202020204" pitchFamily="34" charset="0"/>
+                <a:cs typeface="Arial" panose="020B0604020202020204" pitchFamily="34" charset="0"/>
+              </a:rPr>
+              <a:t>Những công việc chính của HttpServletResponse:</a:t>
+            </a:r>
+          </a:p>
+          <a:p>
+            <a:pPr lvl="1"/>
+            <a:r>
+              <a:rPr lang="en-US">
+                <a:latin typeface="Arial" panose="020B0604020202020204" pitchFamily="34" charset="0"/>
+                <a:cs typeface="Arial" panose="020B0604020202020204" pitchFamily="34" charset="0"/>
+              </a:rPr>
+              <a:t>Chuyển hướng yêu cầu HTTP: Chuyển hướng xử lý yêu cầu HTTP về một địa chỉ khác. (Ví dụ: Chuyển hướng từ /login =&gt; /home)</a:t>
+            </a:r>
+          </a:p>
+          <a:p>
+            <a:pPr lvl="1"/>
+            <a:r>
+              <a:rPr lang="en-US">
+                <a:latin typeface="Arial" panose="020B0604020202020204" pitchFamily="34" charset="0"/>
+                <a:cs typeface="Arial" panose="020B0604020202020204" pitchFamily="34" charset="0"/>
+              </a:rPr>
+              <a:t>Tạo nội dung phản hồi: Tạo nội dung phản hồi để JavaEE Container tạo phản hồi HTTP và phản hồi về phía trình duyệt web.</a:t>
+            </a:r>
+          </a:p>
+        </p:txBody>
+      </p:sp>
+    </p:spTree>
+    <p:extLst>
+      <p:ext uri="{BB962C8B-B14F-4D97-AF65-F5344CB8AC3E}">
+        <p14:creationId xmlns:p14="http://schemas.microsoft.com/office/powerpoint/2010/main" val="2173641689"/>
+      </p:ext>
+    </p:extLst>
+  </p:cSld>
+  <p:clrMapOvr>
+    <a:masterClrMapping/>
+  </p:clrMapOvr>
+</p:sld>
+</file>
+
+<file path=ppt/slides/slide17.xml><?xml version="1.0" encoding="utf-8"?>
+<p:sld xmlns:a="http://schemas.openxmlformats.org/drawingml/2006/main" xmlns:r="http://schemas.openxmlformats.org/officeDocument/2006/relationships" xmlns:p="http://schemas.openxmlformats.org/presentationml/2006/main">
+  <p:cSld>
+    <p:spTree>
+      <p:nvGrpSpPr>
+        <p:cNvPr id="1" name=""/>
+        <p:cNvGrpSpPr/>
+        <p:nvPr/>
+      </p:nvGrpSpPr>
+      <p:grpSpPr>
+        <a:xfrm>
+          <a:off x="0" y="0"/>
+          <a:ext cx="0" cy="0"/>
+          <a:chOff x="0" y="0"/>
+          <a:chExt cx="0" cy="0"/>
+        </a:xfrm>
+      </p:grpSpPr>
+      <p:sp>
+        <p:nvSpPr>
+          <p:cNvPr id="2" name="Title 1">
+            <a:extLst>
+              <a:ext uri="{FF2B5EF4-FFF2-40B4-BE49-F238E27FC236}">
+                <a16:creationId xmlns:a16="http://schemas.microsoft.com/office/drawing/2014/main" id="{14D7F595-0D8F-4FE6-A3EC-4557A1A457EB}"/>
+              </a:ext>
+            </a:extLst>
+          </p:cNvPr>
+          <p:cNvSpPr>
+            <a:spLocks noGrp="1"/>
+          </p:cNvSpPr>
+          <p:nvPr>
+            <p:ph type="title"/>
+          </p:nvPr>
+        </p:nvSpPr>
+        <p:spPr/>
+        <p:txBody>
+          <a:bodyPr/>
+          <a:lstStyle/>
+          <a:p>
+            <a:r>
+              <a:rPr lang="en-US">
+                <a:latin typeface="Arial" panose="020B0604020202020204" pitchFamily="34" charset="0"/>
+                <a:cs typeface="Arial" panose="020B0604020202020204" pitchFamily="34" charset="0"/>
+              </a:rPr>
+              <a:t>5.5. Lớp HttpServletResponse</a:t>
+            </a:r>
+          </a:p>
+        </p:txBody>
+      </p:sp>
+      <p:sp>
+        <p:nvSpPr>
+          <p:cNvPr id="3" name="Content Placeholder 2">
+            <a:extLst>
+              <a:ext uri="{FF2B5EF4-FFF2-40B4-BE49-F238E27FC236}">
+                <a16:creationId xmlns:a16="http://schemas.microsoft.com/office/drawing/2014/main" id="{6337998B-3737-4D43-973D-24B118D723A2}"/>
+              </a:ext>
+            </a:extLst>
+          </p:cNvPr>
+          <p:cNvSpPr>
+            <a:spLocks noGrp="1"/>
+          </p:cNvSpPr>
+          <p:nvPr>
+            <p:ph idx="1"/>
+          </p:nvPr>
+        </p:nvSpPr>
+        <p:spPr>
+          <a:xfrm>
+            <a:off x="1103311" y="2183907"/>
+            <a:ext cx="9034987" cy="3986074"/>
+          </a:xfrm>
+        </p:spPr>
+        <p:txBody>
+          <a:bodyPr/>
+          <a:lstStyle/>
+          <a:p>
+            <a:r>
+              <a:rPr lang="en-US">
+                <a:latin typeface="Arial" panose="020B0604020202020204" pitchFamily="34" charset="0"/>
+                <a:cs typeface="Arial" panose="020B0604020202020204" pitchFamily="34" charset="0"/>
+              </a:rPr>
+              <a:t>Chuyển hướng yêu cầu HTTP</a:t>
+            </a:r>
+          </a:p>
+        </p:txBody>
+      </p:sp>
+      <p:pic>
+        <p:nvPicPr>
+          <p:cNvPr id="5" name="Picture 4">
+            <a:extLst>
+              <a:ext uri="{FF2B5EF4-FFF2-40B4-BE49-F238E27FC236}">
+                <a16:creationId xmlns:a16="http://schemas.microsoft.com/office/drawing/2014/main" id="{9FA1DBE4-68C1-4AEC-8CCC-D4A980CC55A1}"/>
+              </a:ext>
+            </a:extLst>
+          </p:cNvPr>
+          <p:cNvPicPr>
+            <a:picLocks noChangeAspect="1"/>
+          </p:cNvPicPr>
+          <p:nvPr/>
+        </p:nvPicPr>
+        <p:blipFill>
+          <a:blip r:embed="rId2"/>
+          <a:stretch>
+            <a:fillRect/>
+          </a:stretch>
+        </p:blipFill>
+        <p:spPr>
+          <a:xfrm>
+            <a:off x="1256880" y="3678753"/>
+            <a:ext cx="9678239" cy="1844200"/>
+          </a:xfrm>
+          <a:prstGeom prst="rect">
+            <a:avLst/>
+          </a:prstGeom>
+        </p:spPr>
+      </p:pic>
+    </p:spTree>
+    <p:extLst>
+      <p:ext uri="{BB962C8B-B14F-4D97-AF65-F5344CB8AC3E}">
+        <p14:creationId xmlns:p14="http://schemas.microsoft.com/office/powerpoint/2010/main" val="2742208739"/>
+      </p:ext>
+    </p:extLst>
+  </p:cSld>
+  <p:clrMapOvr>
+    <a:masterClrMapping/>
+  </p:clrMapOvr>
+</p:sld>
+</file>
+
+<file path=ppt/slides/slide18.xml><?xml version="1.0" encoding="utf-8"?>
+<p:sld xmlns:a="http://schemas.openxmlformats.org/drawingml/2006/main" xmlns:r="http://schemas.openxmlformats.org/officeDocument/2006/relationships" xmlns:p="http://schemas.openxmlformats.org/presentationml/2006/main">
+  <p:cSld>
+    <p:spTree>
+      <p:nvGrpSpPr>
+        <p:cNvPr id="1" name=""/>
+        <p:cNvGrpSpPr/>
+        <p:nvPr/>
+      </p:nvGrpSpPr>
+      <p:grpSpPr>
+        <a:xfrm>
+          <a:off x="0" y="0"/>
+          <a:ext cx="0" cy="0"/>
+          <a:chOff x="0" y="0"/>
+          <a:chExt cx="0" cy="0"/>
+        </a:xfrm>
+      </p:grpSpPr>
+      <p:sp>
+        <p:nvSpPr>
+          <p:cNvPr id="2" name="Title 1">
+            <a:extLst>
+              <a:ext uri="{FF2B5EF4-FFF2-40B4-BE49-F238E27FC236}">
+                <a16:creationId xmlns:a16="http://schemas.microsoft.com/office/drawing/2014/main" id="{14D7F595-0D8F-4FE6-A3EC-4557A1A457EB}"/>
+              </a:ext>
+            </a:extLst>
+          </p:cNvPr>
+          <p:cNvSpPr>
+            <a:spLocks noGrp="1"/>
+          </p:cNvSpPr>
+          <p:nvPr>
+            <p:ph type="title"/>
+          </p:nvPr>
+        </p:nvSpPr>
+        <p:spPr/>
+        <p:txBody>
+          <a:bodyPr/>
+          <a:lstStyle/>
+          <a:p>
+            <a:r>
+              <a:rPr lang="en-US">
+                <a:latin typeface="Arial" panose="020B0604020202020204" pitchFamily="34" charset="0"/>
+                <a:cs typeface="Arial" panose="020B0604020202020204" pitchFamily="34" charset="0"/>
+              </a:rPr>
+              <a:t>5.5. Lớp HttpServletResponse</a:t>
+            </a:r>
+          </a:p>
+        </p:txBody>
+      </p:sp>
+      <p:sp>
+        <p:nvSpPr>
+          <p:cNvPr id="3" name="Content Placeholder 2">
+            <a:extLst>
+              <a:ext uri="{FF2B5EF4-FFF2-40B4-BE49-F238E27FC236}">
+                <a16:creationId xmlns:a16="http://schemas.microsoft.com/office/drawing/2014/main" id="{6337998B-3737-4D43-973D-24B118D723A2}"/>
+              </a:ext>
+            </a:extLst>
+          </p:cNvPr>
+          <p:cNvSpPr>
+            <a:spLocks noGrp="1"/>
+          </p:cNvSpPr>
+          <p:nvPr>
+            <p:ph idx="1"/>
+          </p:nvPr>
+        </p:nvSpPr>
+        <p:spPr>
+          <a:xfrm>
+            <a:off x="1103311" y="2183907"/>
+            <a:ext cx="9034987" cy="3986074"/>
+          </a:xfrm>
+        </p:spPr>
+        <p:txBody>
+          <a:bodyPr/>
+          <a:lstStyle/>
+          <a:p>
+            <a:r>
+              <a:rPr lang="en-US">
+                <a:latin typeface="Arial" panose="020B0604020202020204" pitchFamily="34" charset="0"/>
+                <a:cs typeface="Arial" panose="020B0604020202020204" pitchFamily="34" charset="0"/>
+              </a:rPr>
               <a:t>Tạo nội dung phản hồi</a:t>
             </a:r>
           </a:p>
@@ -7133,7 +7425,7 @@
 </p:sld>
 </file>
 
-<file path=ppt/slides/slide17.xml><?xml version="1.0" encoding="utf-8"?>
+<file path=ppt/slides/slide19.xml><?xml version="1.0" encoding="utf-8"?>
 <p:sld xmlns:a="http://schemas.openxmlformats.org/drawingml/2006/main" xmlns:r="http://schemas.openxmlformats.org/officeDocument/2006/relationships" xmlns:p="http://schemas.openxmlformats.org/presentationml/2006/main">
   <p:cSld>
     <p:spTree>
@@ -7393,6 +7685,1363 @@
 </p:sld>
 </file>
 
+<file path=ppt/slides/slide20.xml><?xml version="1.0" encoding="utf-8"?>
+<p:sld xmlns:a="http://schemas.openxmlformats.org/drawingml/2006/main" xmlns:r="http://schemas.openxmlformats.org/officeDocument/2006/relationships" xmlns:p="http://schemas.openxmlformats.org/presentationml/2006/main">
+  <p:cSld>
+    <p:spTree>
+      <p:nvGrpSpPr>
+        <p:cNvPr id="1" name=""/>
+        <p:cNvGrpSpPr/>
+        <p:nvPr/>
+      </p:nvGrpSpPr>
+      <p:grpSpPr>
+        <a:xfrm>
+          <a:off x="0" y="0"/>
+          <a:ext cx="0" cy="0"/>
+          <a:chOff x="0" y="0"/>
+          <a:chExt cx="0" cy="0"/>
+        </a:xfrm>
+      </p:grpSpPr>
+      <p:sp>
+        <p:nvSpPr>
+          <p:cNvPr id="2" name="Title 1">
+            <a:extLst>
+              <a:ext uri="{FF2B5EF4-FFF2-40B4-BE49-F238E27FC236}">
+                <a16:creationId xmlns:a16="http://schemas.microsoft.com/office/drawing/2014/main" id="{14D7F595-0D8F-4FE6-A3EC-4557A1A457EB}"/>
+              </a:ext>
+            </a:extLst>
+          </p:cNvPr>
+          <p:cNvSpPr>
+            <a:spLocks noGrp="1"/>
+          </p:cNvSpPr>
+          <p:nvPr>
+            <p:ph type="title"/>
+          </p:nvPr>
+        </p:nvSpPr>
+        <p:spPr/>
+        <p:txBody>
+          <a:bodyPr/>
+          <a:lstStyle/>
+          <a:p>
+            <a:r>
+              <a:rPr lang="en-US">
+                <a:latin typeface="Arial" panose="020B0604020202020204" pitchFamily="34" charset="0"/>
+                <a:cs typeface="Arial" panose="020B0604020202020204" pitchFamily="34" charset="0"/>
+              </a:rPr>
+              <a:t>6. Tìm hiểu về JSP</a:t>
+            </a:r>
+          </a:p>
+        </p:txBody>
+      </p:sp>
+      <p:sp>
+        <p:nvSpPr>
+          <p:cNvPr id="3" name="Content Placeholder 2">
+            <a:extLst>
+              <a:ext uri="{FF2B5EF4-FFF2-40B4-BE49-F238E27FC236}">
+                <a16:creationId xmlns:a16="http://schemas.microsoft.com/office/drawing/2014/main" id="{6337998B-3737-4D43-973D-24B118D723A2}"/>
+              </a:ext>
+            </a:extLst>
+          </p:cNvPr>
+          <p:cNvSpPr>
+            <a:spLocks noGrp="1"/>
+          </p:cNvSpPr>
+          <p:nvPr>
+            <p:ph idx="1"/>
+          </p:nvPr>
+        </p:nvSpPr>
+        <p:spPr>
+          <a:xfrm>
+            <a:off x="1103312" y="2183907"/>
+            <a:ext cx="9549892" cy="3986074"/>
+          </a:xfrm>
+        </p:spPr>
+        <p:txBody>
+          <a:bodyPr/>
+          <a:lstStyle/>
+          <a:p>
+            <a:r>
+              <a:rPr lang="en-US">
+                <a:latin typeface="Arial" panose="020B0604020202020204" pitchFamily="34" charset="0"/>
+                <a:cs typeface="Arial" panose="020B0604020202020204" pitchFamily="34" charset="0"/>
+              </a:rPr>
+              <a:t>6.1. Giới thiệu về JSP</a:t>
+            </a:r>
+          </a:p>
+          <a:p>
+            <a:r>
+              <a:rPr lang="en-US">
+                <a:latin typeface="Arial" panose="020B0604020202020204" pitchFamily="34" charset="0"/>
+                <a:cs typeface="Arial" panose="020B0604020202020204" pitchFamily="34" charset="0"/>
+              </a:rPr>
+              <a:t>6.2. Cú pháp của JSP</a:t>
+            </a:r>
+          </a:p>
+          <a:p>
+            <a:r>
+              <a:rPr lang="en-US">
+                <a:latin typeface="Arial" panose="020B0604020202020204" pitchFamily="34" charset="0"/>
+                <a:cs typeface="Arial" panose="020B0604020202020204" pitchFamily="34" charset="0"/>
+              </a:rPr>
+              <a:t>6.3. Comments</a:t>
+            </a:r>
+          </a:p>
+          <a:p>
+            <a:r>
+              <a:rPr lang="en-US">
+                <a:latin typeface="Arial" panose="020B0604020202020204" pitchFamily="34" charset="0"/>
+                <a:cs typeface="Arial" panose="020B0604020202020204" pitchFamily="34" charset="0"/>
+              </a:rPr>
+              <a:t>6.4. Directives</a:t>
+            </a:r>
+          </a:p>
+          <a:p>
+            <a:r>
+              <a:rPr lang="en-US">
+                <a:latin typeface="Arial" panose="020B0604020202020204" pitchFamily="34" charset="0"/>
+                <a:cs typeface="Arial" panose="020B0604020202020204" pitchFamily="34" charset="0"/>
+              </a:rPr>
+              <a:t>6.5. Actions</a:t>
+            </a:r>
+          </a:p>
+          <a:p>
+            <a:r>
+              <a:rPr lang="en-US">
+                <a:latin typeface="Arial" panose="020B0604020202020204" pitchFamily="34" charset="0"/>
+                <a:cs typeface="Arial" panose="020B0604020202020204" pitchFamily="34" charset="0"/>
+              </a:rPr>
+              <a:t>6.6. EL</a:t>
+            </a:r>
+          </a:p>
+          <a:p>
+            <a:r>
+              <a:rPr lang="en-US">
+                <a:latin typeface="Arial" panose="020B0604020202020204" pitchFamily="34" charset="0"/>
+                <a:cs typeface="Arial" panose="020B0604020202020204" pitchFamily="34" charset="0"/>
+              </a:rPr>
+              <a:t>6.7. JSTL</a:t>
+            </a:r>
+          </a:p>
+        </p:txBody>
+      </p:sp>
+    </p:spTree>
+    <p:extLst>
+      <p:ext uri="{BB962C8B-B14F-4D97-AF65-F5344CB8AC3E}">
+        <p14:creationId xmlns:p14="http://schemas.microsoft.com/office/powerpoint/2010/main" val="1640397421"/>
+      </p:ext>
+    </p:extLst>
+  </p:cSld>
+  <p:clrMapOvr>
+    <a:masterClrMapping/>
+  </p:clrMapOvr>
+</p:sld>
+</file>
+
+<file path=ppt/slides/slide21.xml><?xml version="1.0" encoding="utf-8"?>
+<p:sld xmlns:a="http://schemas.openxmlformats.org/drawingml/2006/main" xmlns:r="http://schemas.openxmlformats.org/officeDocument/2006/relationships" xmlns:p="http://schemas.openxmlformats.org/presentationml/2006/main">
+  <p:cSld>
+    <p:spTree>
+      <p:nvGrpSpPr>
+        <p:cNvPr id="1" name=""/>
+        <p:cNvGrpSpPr/>
+        <p:nvPr/>
+      </p:nvGrpSpPr>
+      <p:grpSpPr>
+        <a:xfrm>
+          <a:off x="0" y="0"/>
+          <a:ext cx="0" cy="0"/>
+          <a:chOff x="0" y="0"/>
+          <a:chExt cx="0" cy="0"/>
+        </a:xfrm>
+      </p:grpSpPr>
+      <p:sp>
+        <p:nvSpPr>
+          <p:cNvPr id="2" name="Title 1">
+            <a:extLst>
+              <a:ext uri="{FF2B5EF4-FFF2-40B4-BE49-F238E27FC236}">
+                <a16:creationId xmlns:a16="http://schemas.microsoft.com/office/drawing/2014/main" id="{14D7F595-0D8F-4FE6-A3EC-4557A1A457EB}"/>
+              </a:ext>
+            </a:extLst>
+          </p:cNvPr>
+          <p:cNvSpPr>
+            <a:spLocks noGrp="1"/>
+          </p:cNvSpPr>
+          <p:nvPr>
+            <p:ph type="title"/>
+          </p:nvPr>
+        </p:nvSpPr>
+        <p:spPr/>
+        <p:txBody>
+          <a:bodyPr/>
+          <a:lstStyle/>
+          <a:p>
+            <a:r>
+              <a:rPr lang="en-US">
+                <a:latin typeface="Arial" panose="020B0604020202020204" pitchFamily="34" charset="0"/>
+                <a:cs typeface="Arial" panose="020B0604020202020204" pitchFamily="34" charset="0"/>
+              </a:rPr>
+              <a:t>6.1. Giới thiệu về JSP</a:t>
+            </a:r>
+          </a:p>
+        </p:txBody>
+      </p:sp>
+      <p:sp>
+        <p:nvSpPr>
+          <p:cNvPr id="3" name="Content Placeholder 2">
+            <a:extLst>
+              <a:ext uri="{FF2B5EF4-FFF2-40B4-BE49-F238E27FC236}">
+                <a16:creationId xmlns:a16="http://schemas.microsoft.com/office/drawing/2014/main" id="{6337998B-3737-4D43-973D-24B118D723A2}"/>
+              </a:ext>
+            </a:extLst>
+          </p:cNvPr>
+          <p:cNvSpPr>
+            <a:spLocks noGrp="1"/>
+          </p:cNvSpPr>
+          <p:nvPr>
+            <p:ph idx="1"/>
+          </p:nvPr>
+        </p:nvSpPr>
+        <p:spPr>
+          <a:xfrm>
+            <a:off x="1103312" y="2183907"/>
+            <a:ext cx="9549892" cy="3986074"/>
+          </a:xfrm>
+        </p:spPr>
+        <p:txBody>
+          <a:bodyPr/>
+          <a:lstStyle/>
+          <a:p>
+            <a:r>
+              <a:rPr lang="en-US">
+                <a:latin typeface="Arial" panose="020B0604020202020204" pitchFamily="34" charset="0"/>
+                <a:cs typeface="Arial" panose="020B0604020202020204" pitchFamily="34" charset="0"/>
+              </a:rPr>
+              <a:t>JSP (Java Server Pages) là một loại Servlet, được sử dụng chuyên cho việc tạo nội dung phản hồi HTML.</a:t>
+            </a:r>
+          </a:p>
+          <a:p>
+            <a:r>
+              <a:rPr lang="en-US">
+                <a:latin typeface="Arial" panose="020B0604020202020204" pitchFamily="34" charset="0"/>
+                <a:cs typeface="Arial" panose="020B0604020202020204" pitchFamily="34" charset="0"/>
+              </a:rPr>
+              <a:t>Nói cách khác JSP là một loại Servlet được sử dụng chuyên cho viết giao diện trang web.</a:t>
+            </a:r>
+          </a:p>
+          <a:p>
+            <a:r>
+              <a:rPr lang="en-US">
+                <a:latin typeface="Arial" panose="020B0604020202020204" pitchFamily="34" charset="0"/>
+                <a:cs typeface="Arial" panose="020B0604020202020204" pitchFamily="34" charset="0"/>
+              </a:rPr>
+              <a:t>Các tệp JSP được viết theo cú pháp của HTML, giúp lập trình viên dễ dàng xây dựng giao diện web.</a:t>
+            </a:r>
+          </a:p>
+          <a:p>
+            <a:r>
+              <a:rPr lang="en-US">
+                <a:latin typeface="Arial" panose="020B0604020202020204" pitchFamily="34" charset="0"/>
+                <a:cs typeface="Arial" panose="020B0604020202020204" pitchFamily="34" charset="0"/>
+              </a:rPr>
+              <a:t>Ngoài ra, JSP còn được hỗ trợ bởi các thẻ đặc biệt của JSP giúp tạo nội dung HTML động, tạo nội dung một cách có tính toán.</a:t>
+            </a:r>
+          </a:p>
+        </p:txBody>
+      </p:sp>
+    </p:spTree>
+    <p:extLst>
+      <p:ext uri="{BB962C8B-B14F-4D97-AF65-F5344CB8AC3E}">
+        <p14:creationId xmlns:p14="http://schemas.microsoft.com/office/powerpoint/2010/main" val="930662458"/>
+      </p:ext>
+    </p:extLst>
+  </p:cSld>
+  <p:clrMapOvr>
+    <a:masterClrMapping/>
+  </p:clrMapOvr>
+</p:sld>
+</file>
+
+<file path=ppt/slides/slide22.xml><?xml version="1.0" encoding="utf-8"?>
+<p:sld xmlns:a="http://schemas.openxmlformats.org/drawingml/2006/main" xmlns:r="http://schemas.openxmlformats.org/officeDocument/2006/relationships" xmlns:p="http://schemas.openxmlformats.org/presentationml/2006/main">
+  <p:cSld>
+    <p:spTree>
+      <p:nvGrpSpPr>
+        <p:cNvPr id="1" name=""/>
+        <p:cNvGrpSpPr/>
+        <p:nvPr/>
+      </p:nvGrpSpPr>
+      <p:grpSpPr>
+        <a:xfrm>
+          <a:off x="0" y="0"/>
+          <a:ext cx="0" cy="0"/>
+          <a:chOff x="0" y="0"/>
+          <a:chExt cx="0" cy="0"/>
+        </a:xfrm>
+      </p:grpSpPr>
+      <p:sp>
+        <p:nvSpPr>
+          <p:cNvPr id="2" name="Title 1">
+            <a:extLst>
+              <a:ext uri="{FF2B5EF4-FFF2-40B4-BE49-F238E27FC236}">
+                <a16:creationId xmlns:a16="http://schemas.microsoft.com/office/drawing/2014/main" id="{14D7F595-0D8F-4FE6-A3EC-4557A1A457EB}"/>
+              </a:ext>
+            </a:extLst>
+          </p:cNvPr>
+          <p:cNvSpPr>
+            <a:spLocks noGrp="1"/>
+          </p:cNvSpPr>
+          <p:nvPr>
+            <p:ph type="title"/>
+          </p:nvPr>
+        </p:nvSpPr>
+        <p:spPr/>
+        <p:txBody>
+          <a:bodyPr/>
+          <a:lstStyle/>
+          <a:p>
+            <a:r>
+              <a:rPr lang="en-US">
+                <a:latin typeface="Arial" panose="020B0604020202020204" pitchFamily="34" charset="0"/>
+                <a:cs typeface="Arial" panose="020B0604020202020204" pitchFamily="34" charset="0"/>
+              </a:rPr>
+              <a:t>6.1. Giới thiệu về JSP</a:t>
+            </a:r>
+          </a:p>
+        </p:txBody>
+      </p:sp>
+      <p:sp>
+        <p:nvSpPr>
+          <p:cNvPr id="3" name="Content Placeholder 2">
+            <a:extLst>
+              <a:ext uri="{FF2B5EF4-FFF2-40B4-BE49-F238E27FC236}">
+                <a16:creationId xmlns:a16="http://schemas.microsoft.com/office/drawing/2014/main" id="{6337998B-3737-4D43-973D-24B118D723A2}"/>
+              </a:ext>
+            </a:extLst>
+          </p:cNvPr>
+          <p:cNvSpPr>
+            <a:spLocks noGrp="1"/>
+          </p:cNvSpPr>
+          <p:nvPr>
+            <p:ph idx="1"/>
+          </p:nvPr>
+        </p:nvSpPr>
+        <p:spPr>
+          <a:xfrm>
+            <a:off x="1103312" y="1739796"/>
+            <a:ext cx="9549892" cy="4430185"/>
+          </a:xfrm>
+        </p:spPr>
+        <p:txBody>
+          <a:bodyPr/>
+          <a:lstStyle/>
+          <a:p>
+            <a:r>
+              <a:rPr lang="en-US">
+                <a:latin typeface="Arial" panose="020B0604020202020204" pitchFamily="34" charset="0"/>
+                <a:cs typeface="Arial" panose="020B0604020202020204" pitchFamily="34" charset="0"/>
+              </a:rPr>
+              <a:t>Cơ chế hoạt động của JSP:</a:t>
+            </a:r>
+          </a:p>
+        </p:txBody>
+      </p:sp>
+      <p:pic>
+        <p:nvPicPr>
+          <p:cNvPr id="5" name="Picture 4">
+            <a:extLst>
+              <a:ext uri="{FF2B5EF4-FFF2-40B4-BE49-F238E27FC236}">
+                <a16:creationId xmlns:a16="http://schemas.microsoft.com/office/drawing/2014/main" id="{2CC61C66-6063-4053-B61A-5113ADB78D8F}"/>
+              </a:ext>
+            </a:extLst>
+          </p:cNvPr>
+          <p:cNvPicPr>
+            <a:picLocks noChangeAspect="1"/>
+          </p:cNvPicPr>
+          <p:nvPr/>
+        </p:nvPicPr>
+        <p:blipFill>
+          <a:blip r:embed="rId2"/>
+          <a:stretch>
+            <a:fillRect/>
+          </a:stretch>
+        </p:blipFill>
+        <p:spPr>
+          <a:xfrm>
+            <a:off x="2498214" y="2356794"/>
+            <a:ext cx="7195572" cy="4132783"/>
+          </a:xfrm>
+          <a:prstGeom prst="rect">
+            <a:avLst/>
+          </a:prstGeom>
+        </p:spPr>
+      </p:pic>
+    </p:spTree>
+    <p:extLst>
+      <p:ext uri="{BB962C8B-B14F-4D97-AF65-F5344CB8AC3E}">
+        <p14:creationId xmlns:p14="http://schemas.microsoft.com/office/powerpoint/2010/main" val="2715059981"/>
+      </p:ext>
+    </p:extLst>
+  </p:cSld>
+  <p:clrMapOvr>
+    <a:masterClrMapping/>
+  </p:clrMapOvr>
+</p:sld>
+</file>
+
+<file path=ppt/slides/slide23.xml><?xml version="1.0" encoding="utf-8"?>
+<p:sld xmlns:a="http://schemas.openxmlformats.org/drawingml/2006/main" xmlns:r="http://schemas.openxmlformats.org/officeDocument/2006/relationships" xmlns:p="http://schemas.openxmlformats.org/presentationml/2006/main">
+  <p:cSld>
+    <p:spTree>
+      <p:nvGrpSpPr>
+        <p:cNvPr id="1" name=""/>
+        <p:cNvGrpSpPr/>
+        <p:nvPr/>
+      </p:nvGrpSpPr>
+      <p:grpSpPr>
+        <a:xfrm>
+          <a:off x="0" y="0"/>
+          <a:ext cx="0" cy="0"/>
+          <a:chOff x="0" y="0"/>
+          <a:chExt cx="0" cy="0"/>
+        </a:xfrm>
+      </p:grpSpPr>
+      <p:sp>
+        <p:nvSpPr>
+          <p:cNvPr id="2" name="Title 1">
+            <a:extLst>
+              <a:ext uri="{FF2B5EF4-FFF2-40B4-BE49-F238E27FC236}">
+                <a16:creationId xmlns:a16="http://schemas.microsoft.com/office/drawing/2014/main" id="{14D7F595-0D8F-4FE6-A3EC-4557A1A457EB}"/>
+              </a:ext>
+            </a:extLst>
+          </p:cNvPr>
+          <p:cNvSpPr>
+            <a:spLocks noGrp="1"/>
+          </p:cNvSpPr>
+          <p:nvPr>
+            <p:ph type="title"/>
+          </p:nvPr>
+        </p:nvSpPr>
+        <p:spPr/>
+        <p:txBody>
+          <a:bodyPr/>
+          <a:lstStyle/>
+          <a:p>
+            <a:r>
+              <a:rPr lang="en-US">
+                <a:latin typeface="Arial" panose="020B0604020202020204" pitchFamily="34" charset="0"/>
+                <a:cs typeface="Arial" panose="020B0604020202020204" pitchFamily="34" charset="0"/>
+              </a:rPr>
+              <a:t>6.2. Cú pháp của JSP</a:t>
+            </a:r>
+          </a:p>
+        </p:txBody>
+      </p:sp>
+      <p:sp>
+        <p:nvSpPr>
+          <p:cNvPr id="3" name="Content Placeholder 2">
+            <a:extLst>
+              <a:ext uri="{FF2B5EF4-FFF2-40B4-BE49-F238E27FC236}">
+                <a16:creationId xmlns:a16="http://schemas.microsoft.com/office/drawing/2014/main" id="{6337998B-3737-4D43-973D-24B118D723A2}"/>
+              </a:ext>
+            </a:extLst>
+          </p:cNvPr>
+          <p:cNvSpPr>
+            <a:spLocks noGrp="1"/>
+          </p:cNvSpPr>
+          <p:nvPr>
+            <p:ph idx="1"/>
+          </p:nvPr>
+        </p:nvSpPr>
+        <p:spPr>
+          <a:xfrm>
+            <a:off x="1103312" y="2183907"/>
+            <a:ext cx="9549892" cy="3986074"/>
+          </a:xfrm>
+        </p:spPr>
+        <p:txBody>
+          <a:bodyPr/>
+          <a:lstStyle/>
+          <a:p>
+            <a:r>
+              <a:rPr lang="en-US">
+                <a:latin typeface="Arial" panose="020B0604020202020204" pitchFamily="34" charset="0"/>
+                <a:cs typeface="Arial" panose="020B0604020202020204" pitchFamily="34" charset="0"/>
+              </a:rPr>
+              <a:t>Một tệp JSP bao giờ cũng bắt đầu với ít nhất một thẻ Directives để cấu hình những thông tin cần thiết cho trang và theo sau đó là những nội dung HTML.</a:t>
+            </a:r>
+          </a:p>
+        </p:txBody>
+      </p:sp>
+      <p:pic>
+        <p:nvPicPr>
+          <p:cNvPr id="5" name="Picture 4">
+            <a:extLst>
+              <a:ext uri="{FF2B5EF4-FFF2-40B4-BE49-F238E27FC236}">
+                <a16:creationId xmlns:a16="http://schemas.microsoft.com/office/drawing/2014/main" id="{F9C50395-33C8-42F2-BB7D-C1B9F1B174D0}"/>
+              </a:ext>
+            </a:extLst>
+          </p:cNvPr>
+          <p:cNvPicPr>
+            <a:picLocks noChangeAspect="1"/>
+          </p:cNvPicPr>
+          <p:nvPr/>
+        </p:nvPicPr>
+        <p:blipFill>
+          <a:blip r:embed="rId2"/>
+          <a:stretch>
+            <a:fillRect/>
+          </a:stretch>
+        </p:blipFill>
+        <p:spPr>
+          <a:xfrm>
+            <a:off x="1996288" y="3190782"/>
+            <a:ext cx="8199423" cy="3309858"/>
+          </a:xfrm>
+          <a:prstGeom prst="rect">
+            <a:avLst/>
+          </a:prstGeom>
+        </p:spPr>
+      </p:pic>
+    </p:spTree>
+    <p:extLst>
+      <p:ext uri="{BB962C8B-B14F-4D97-AF65-F5344CB8AC3E}">
+        <p14:creationId xmlns:p14="http://schemas.microsoft.com/office/powerpoint/2010/main" val="2710706638"/>
+      </p:ext>
+    </p:extLst>
+  </p:cSld>
+  <p:clrMapOvr>
+    <a:masterClrMapping/>
+  </p:clrMapOvr>
+</p:sld>
+</file>
+
+<file path=ppt/slides/slide24.xml><?xml version="1.0" encoding="utf-8"?>
+<p:sld xmlns:a="http://schemas.openxmlformats.org/drawingml/2006/main" xmlns:r="http://schemas.openxmlformats.org/officeDocument/2006/relationships" xmlns:p="http://schemas.openxmlformats.org/presentationml/2006/main">
+  <p:cSld>
+    <p:spTree>
+      <p:nvGrpSpPr>
+        <p:cNvPr id="1" name=""/>
+        <p:cNvGrpSpPr/>
+        <p:nvPr/>
+      </p:nvGrpSpPr>
+      <p:grpSpPr>
+        <a:xfrm>
+          <a:off x="0" y="0"/>
+          <a:ext cx="0" cy="0"/>
+          <a:chOff x="0" y="0"/>
+          <a:chExt cx="0" cy="0"/>
+        </a:xfrm>
+      </p:grpSpPr>
+      <p:sp>
+        <p:nvSpPr>
+          <p:cNvPr id="2" name="Title 1">
+            <a:extLst>
+              <a:ext uri="{FF2B5EF4-FFF2-40B4-BE49-F238E27FC236}">
+                <a16:creationId xmlns:a16="http://schemas.microsoft.com/office/drawing/2014/main" id="{14D7F595-0D8F-4FE6-A3EC-4557A1A457EB}"/>
+              </a:ext>
+            </a:extLst>
+          </p:cNvPr>
+          <p:cNvSpPr>
+            <a:spLocks noGrp="1"/>
+          </p:cNvSpPr>
+          <p:nvPr>
+            <p:ph type="title"/>
+          </p:nvPr>
+        </p:nvSpPr>
+        <p:spPr/>
+        <p:txBody>
+          <a:bodyPr/>
+          <a:lstStyle/>
+          <a:p>
+            <a:r>
+              <a:rPr lang="en-US">
+                <a:latin typeface="Arial" panose="020B0604020202020204" pitchFamily="34" charset="0"/>
+                <a:cs typeface="Arial" panose="020B0604020202020204" pitchFamily="34" charset="0"/>
+              </a:rPr>
+              <a:t>6.3. Comments</a:t>
+            </a:r>
+          </a:p>
+        </p:txBody>
+      </p:sp>
+      <p:sp>
+        <p:nvSpPr>
+          <p:cNvPr id="3" name="Content Placeholder 2">
+            <a:extLst>
+              <a:ext uri="{FF2B5EF4-FFF2-40B4-BE49-F238E27FC236}">
+                <a16:creationId xmlns:a16="http://schemas.microsoft.com/office/drawing/2014/main" id="{6337998B-3737-4D43-973D-24B118D723A2}"/>
+              </a:ext>
+            </a:extLst>
+          </p:cNvPr>
+          <p:cNvSpPr>
+            <a:spLocks noGrp="1"/>
+          </p:cNvSpPr>
+          <p:nvPr>
+            <p:ph idx="1"/>
+          </p:nvPr>
+        </p:nvSpPr>
+        <p:spPr>
+          <a:xfrm>
+            <a:off x="1103312" y="2183907"/>
+            <a:ext cx="5901170" cy="3986074"/>
+          </a:xfrm>
+        </p:spPr>
+        <p:txBody>
+          <a:bodyPr/>
+          <a:lstStyle/>
+          <a:p>
+            <a:r>
+              <a:rPr lang="en-US">
+                <a:latin typeface="Arial" panose="020B0604020202020204" pitchFamily="34" charset="0"/>
+                <a:cs typeface="Arial" panose="020B0604020202020204" pitchFamily="34" charset="0"/>
+              </a:rPr>
+              <a:t>Comments (hay chú thích) là những nội dung được đặt trong cặp dấu &lt;%-- và --%&gt;.</a:t>
+            </a:r>
+          </a:p>
+          <a:p>
+            <a:r>
+              <a:rPr lang="en-US">
+                <a:latin typeface="Arial" panose="020B0604020202020204" pitchFamily="34" charset="0"/>
+                <a:cs typeface="Arial" panose="020B0604020202020204" pitchFamily="34" charset="0"/>
+              </a:rPr>
+              <a:t>Những nội dung comments được trình biên dịch bỏ qua trong lúc dịch tệp JSP.</a:t>
+            </a:r>
+          </a:p>
+          <a:p>
+            <a:r>
+              <a:rPr lang="en-US">
+                <a:latin typeface="Arial" panose="020B0604020202020204" pitchFamily="34" charset="0"/>
+                <a:cs typeface="Arial" panose="020B0604020202020204" pitchFamily="34" charset="0"/>
+              </a:rPr>
+              <a:t>Comments thường là những nội dung con người đọc được, dùng để mô tả một đoạn code nào đó.</a:t>
+            </a:r>
+          </a:p>
+        </p:txBody>
+      </p:sp>
+      <p:pic>
+        <p:nvPicPr>
+          <p:cNvPr id="6" name="Picture 5">
+            <a:extLst>
+              <a:ext uri="{FF2B5EF4-FFF2-40B4-BE49-F238E27FC236}">
+                <a16:creationId xmlns:a16="http://schemas.microsoft.com/office/drawing/2014/main" id="{221744CB-8566-4B91-955E-A5D34A7E6EA8}"/>
+              </a:ext>
+            </a:extLst>
+          </p:cNvPr>
+          <p:cNvPicPr>
+            <a:picLocks noChangeAspect="1"/>
+          </p:cNvPicPr>
+          <p:nvPr/>
+        </p:nvPicPr>
+        <p:blipFill>
+          <a:blip r:embed="rId2"/>
+          <a:stretch>
+            <a:fillRect/>
+          </a:stretch>
+        </p:blipFill>
+        <p:spPr>
+          <a:xfrm>
+            <a:off x="7377039" y="2435956"/>
+            <a:ext cx="4412370" cy="3085953"/>
+          </a:xfrm>
+          <a:prstGeom prst="rect">
+            <a:avLst/>
+          </a:prstGeom>
+        </p:spPr>
+      </p:pic>
+    </p:spTree>
+    <p:extLst>
+      <p:ext uri="{BB962C8B-B14F-4D97-AF65-F5344CB8AC3E}">
+        <p14:creationId xmlns:p14="http://schemas.microsoft.com/office/powerpoint/2010/main" val="4059729226"/>
+      </p:ext>
+    </p:extLst>
+  </p:cSld>
+  <p:clrMapOvr>
+    <a:masterClrMapping/>
+  </p:clrMapOvr>
+</p:sld>
+</file>
+
+<file path=ppt/slides/slide25.xml><?xml version="1.0" encoding="utf-8"?>
+<p:sld xmlns:a="http://schemas.openxmlformats.org/drawingml/2006/main" xmlns:r="http://schemas.openxmlformats.org/officeDocument/2006/relationships" xmlns:p="http://schemas.openxmlformats.org/presentationml/2006/main">
+  <p:cSld>
+    <p:spTree>
+      <p:nvGrpSpPr>
+        <p:cNvPr id="1" name=""/>
+        <p:cNvGrpSpPr/>
+        <p:nvPr/>
+      </p:nvGrpSpPr>
+      <p:grpSpPr>
+        <a:xfrm>
+          <a:off x="0" y="0"/>
+          <a:ext cx="0" cy="0"/>
+          <a:chOff x="0" y="0"/>
+          <a:chExt cx="0" cy="0"/>
+        </a:xfrm>
+      </p:grpSpPr>
+      <p:sp>
+        <p:nvSpPr>
+          <p:cNvPr id="2" name="Title 1">
+            <a:extLst>
+              <a:ext uri="{FF2B5EF4-FFF2-40B4-BE49-F238E27FC236}">
+                <a16:creationId xmlns:a16="http://schemas.microsoft.com/office/drawing/2014/main" id="{14D7F595-0D8F-4FE6-A3EC-4557A1A457EB}"/>
+              </a:ext>
+            </a:extLst>
+          </p:cNvPr>
+          <p:cNvSpPr>
+            <a:spLocks noGrp="1"/>
+          </p:cNvSpPr>
+          <p:nvPr>
+            <p:ph type="title"/>
+          </p:nvPr>
+        </p:nvSpPr>
+        <p:spPr/>
+        <p:txBody>
+          <a:bodyPr/>
+          <a:lstStyle/>
+          <a:p>
+            <a:r>
+              <a:rPr lang="en-US">
+                <a:latin typeface="Arial" panose="020B0604020202020204" pitchFamily="34" charset="0"/>
+                <a:cs typeface="Arial" panose="020B0604020202020204" pitchFamily="34" charset="0"/>
+              </a:rPr>
+              <a:t>6.4. Directives</a:t>
+            </a:r>
+          </a:p>
+        </p:txBody>
+      </p:sp>
+      <p:sp>
+        <p:nvSpPr>
+          <p:cNvPr id="3" name="Content Placeholder 2">
+            <a:extLst>
+              <a:ext uri="{FF2B5EF4-FFF2-40B4-BE49-F238E27FC236}">
+                <a16:creationId xmlns:a16="http://schemas.microsoft.com/office/drawing/2014/main" id="{6337998B-3737-4D43-973D-24B118D723A2}"/>
+              </a:ext>
+            </a:extLst>
+          </p:cNvPr>
+          <p:cNvSpPr>
+            <a:spLocks noGrp="1"/>
+          </p:cNvSpPr>
+          <p:nvPr>
+            <p:ph idx="1"/>
+          </p:nvPr>
+        </p:nvSpPr>
+        <p:spPr>
+          <a:xfrm>
+            <a:off x="1103312" y="2183907"/>
+            <a:ext cx="9549892" cy="3986074"/>
+          </a:xfrm>
+        </p:spPr>
+        <p:txBody>
+          <a:bodyPr/>
+          <a:lstStyle/>
+          <a:p>
+            <a:r>
+              <a:rPr lang="en-US">
+                <a:latin typeface="Arial" panose="020B0604020202020204" pitchFamily="34" charset="0"/>
+                <a:cs typeface="Arial" panose="020B0604020202020204" pitchFamily="34" charset="0"/>
+              </a:rPr>
+              <a:t>Directives là những thẻ đặc biệt trong JSP được sử dụng để thiết lập các thông tin cấu hình cho các trang JSP. Cấu hình có thể là: Ngôn ngữ lập trình, ngôn ngữ được sử dụng trong trang, kích hoạt EL, ...</a:t>
+            </a:r>
+          </a:p>
+          <a:p>
+            <a:r>
+              <a:rPr lang="en-US">
+                <a:latin typeface="Arial" panose="020B0604020202020204" pitchFamily="34" charset="0"/>
+                <a:cs typeface="Arial" panose="020B0604020202020204" pitchFamily="34" charset="0"/>
+              </a:rPr>
+              <a:t>Một thẻ Directives có cú pháp như sau:</a:t>
+            </a:r>
+          </a:p>
+          <a:p>
+            <a:pPr lvl="1"/>
+            <a:r>
+              <a:rPr lang="en-US">
+                <a:latin typeface="Arial" panose="020B0604020202020204" pitchFamily="34" charset="0"/>
+                <a:cs typeface="Arial" panose="020B0604020202020204" pitchFamily="34" charset="0"/>
+              </a:rPr>
+              <a:t>&lt;%@ [Loại directives] [tên thuộc tính]=[giá trị thuộc tính], ... %&gt;</a:t>
+            </a:r>
+          </a:p>
+          <a:p>
+            <a:r>
+              <a:rPr lang="en-US">
+                <a:latin typeface="Arial" panose="020B0604020202020204" pitchFamily="34" charset="0"/>
+                <a:cs typeface="Arial" panose="020B0604020202020204" pitchFamily="34" charset="0"/>
+              </a:rPr>
+              <a:t>Có 3 loại Directives:</a:t>
+            </a:r>
+          </a:p>
+          <a:p>
+            <a:pPr lvl="1"/>
+            <a:r>
+              <a:rPr lang="en-US">
+                <a:latin typeface="Arial" panose="020B0604020202020204" pitchFamily="34" charset="0"/>
+                <a:cs typeface="Arial" panose="020B0604020202020204" pitchFamily="34" charset="0"/>
+              </a:rPr>
+              <a:t>page (thường dùng): Cung cấp thông tin cấu hình của trang</a:t>
+            </a:r>
+          </a:p>
+          <a:p>
+            <a:pPr lvl="1"/>
+            <a:r>
+              <a:rPr lang="en-US">
+                <a:latin typeface="Arial" panose="020B0604020202020204" pitchFamily="34" charset="0"/>
+                <a:cs typeface="Arial" panose="020B0604020202020204" pitchFamily="34" charset="0"/>
+              </a:rPr>
+              <a:t>include: Chèn nội dung một tệp khác vào trang</a:t>
+            </a:r>
+          </a:p>
+          <a:p>
+            <a:pPr lvl="1"/>
+            <a:r>
+              <a:rPr lang="en-US">
+                <a:latin typeface="Arial" panose="020B0604020202020204" pitchFamily="34" charset="0"/>
+                <a:cs typeface="Arial" panose="020B0604020202020204" pitchFamily="34" charset="0"/>
+              </a:rPr>
+              <a:t>taglib: Nhập thư viện thẻ cho JSP</a:t>
+            </a:r>
+          </a:p>
+        </p:txBody>
+      </p:sp>
+    </p:spTree>
+    <p:extLst>
+      <p:ext uri="{BB962C8B-B14F-4D97-AF65-F5344CB8AC3E}">
+        <p14:creationId xmlns:p14="http://schemas.microsoft.com/office/powerpoint/2010/main" val="12487112"/>
+      </p:ext>
+    </p:extLst>
+  </p:cSld>
+  <p:clrMapOvr>
+    <a:masterClrMapping/>
+  </p:clrMapOvr>
+</p:sld>
+</file>
+
+<file path=ppt/slides/slide26.xml><?xml version="1.0" encoding="utf-8"?>
+<p:sld xmlns:a="http://schemas.openxmlformats.org/drawingml/2006/main" xmlns:r="http://schemas.openxmlformats.org/officeDocument/2006/relationships" xmlns:p="http://schemas.openxmlformats.org/presentationml/2006/main">
+  <p:cSld>
+    <p:spTree>
+      <p:nvGrpSpPr>
+        <p:cNvPr id="1" name=""/>
+        <p:cNvGrpSpPr/>
+        <p:nvPr/>
+      </p:nvGrpSpPr>
+      <p:grpSpPr>
+        <a:xfrm>
+          <a:off x="0" y="0"/>
+          <a:ext cx="0" cy="0"/>
+          <a:chOff x="0" y="0"/>
+          <a:chExt cx="0" cy="0"/>
+        </a:xfrm>
+      </p:grpSpPr>
+      <p:sp>
+        <p:nvSpPr>
+          <p:cNvPr id="2" name="Title 1">
+            <a:extLst>
+              <a:ext uri="{FF2B5EF4-FFF2-40B4-BE49-F238E27FC236}">
+                <a16:creationId xmlns:a16="http://schemas.microsoft.com/office/drawing/2014/main" id="{14D7F595-0D8F-4FE6-A3EC-4557A1A457EB}"/>
+              </a:ext>
+            </a:extLst>
+          </p:cNvPr>
+          <p:cNvSpPr>
+            <a:spLocks noGrp="1"/>
+          </p:cNvSpPr>
+          <p:nvPr>
+            <p:ph type="title"/>
+          </p:nvPr>
+        </p:nvSpPr>
+        <p:spPr/>
+        <p:txBody>
+          <a:bodyPr/>
+          <a:lstStyle/>
+          <a:p>
+            <a:r>
+              <a:rPr lang="en-US">
+                <a:latin typeface="Arial" panose="020B0604020202020204" pitchFamily="34" charset="0"/>
+                <a:cs typeface="Arial" panose="020B0604020202020204" pitchFamily="34" charset="0"/>
+              </a:rPr>
+              <a:t>6.4. Directives</a:t>
+            </a:r>
+          </a:p>
+        </p:txBody>
+      </p:sp>
+      <p:sp>
+        <p:nvSpPr>
+          <p:cNvPr id="3" name="Content Placeholder 2">
+            <a:extLst>
+              <a:ext uri="{FF2B5EF4-FFF2-40B4-BE49-F238E27FC236}">
+                <a16:creationId xmlns:a16="http://schemas.microsoft.com/office/drawing/2014/main" id="{6337998B-3737-4D43-973D-24B118D723A2}"/>
+              </a:ext>
+            </a:extLst>
+          </p:cNvPr>
+          <p:cNvSpPr>
+            <a:spLocks noGrp="1"/>
+          </p:cNvSpPr>
+          <p:nvPr>
+            <p:ph idx="1"/>
+          </p:nvPr>
+        </p:nvSpPr>
+        <p:spPr>
+          <a:xfrm>
+            <a:off x="1103312" y="2183907"/>
+            <a:ext cx="9549892" cy="3986074"/>
+          </a:xfrm>
+        </p:spPr>
+        <p:txBody>
+          <a:bodyPr/>
+          <a:lstStyle/>
+          <a:p>
+            <a:r>
+              <a:rPr lang="en-US">
+                <a:latin typeface="Arial" panose="020B0604020202020204" pitchFamily="34" charset="0"/>
+                <a:cs typeface="Arial" panose="020B0604020202020204" pitchFamily="34" charset="0"/>
+              </a:rPr>
+              <a:t>Directives page</a:t>
+            </a:r>
+          </a:p>
+        </p:txBody>
+      </p:sp>
+      <p:pic>
+        <p:nvPicPr>
+          <p:cNvPr id="5" name="Picture 4">
+            <a:extLst>
+              <a:ext uri="{FF2B5EF4-FFF2-40B4-BE49-F238E27FC236}">
+                <a16:creationId xmlns:a16="http://schemas.microsoft.com/office/drawing/2014/main" id="{DD601A50-D83B-4CC8-907A-8139001E4F64}"/>
+              </a:ext>
+            </a:extLst>
+          </p:cNvPr>
+          <p:cNvPicPr>
+            <a:picLocks noChangeAspect="1"/>
+          </p:cNvPicPr>
+          <p:nvPr/>
+        </p:nvPicPr>
+        <p:blipFill>
+          <a:blip r:embed="rId2"/>
+          <a:stretch>
+            <a:fillRect/>
+          </a:stretch>
+        </p:blipFill>
+        <p:spPr>
+          <a:xfrm>
+            <a:off x="943562" y="3542367"/>
+            <a:ext cx="9869392" cy="1411374"/>
+          </a:xfrm>
+          <a:prstGeom prst="rect">
+            <a:avLst/>
+          </a:prstGeom>
+        </p:spPr>
+      </p:pic>
+    </p:spTree>
+    <p:extLst>
+      <p:ext uri="{BB962C8B-B14F-4D97-AF65-F5344CB8AC3E}">
+        <p14:creationId xmlns:p14="http://schemas.microsoft.com/office/powerpoint/2010/main" val="706301221"/>
+      </p:ext>
+    </p:extLst>
+  </p:cSld>
+  <p:clrMapOvr>
+    <a:masterClrMapping/>
+  </p:clrMapOvr>
+</p:sld>
+</file>
+
+<file path=ppt/slides/slide27.xml><?xml version="1.0" encoding="utf-8"?>
+<p:sld xmlns:a="http://schemas.openxmlformats.org/drawingml/2006/main" xmlns:r="http://schemas.openxmlformats.org/officeDocument/2006/relationships" xmlns:p="http://schemas.openxmlformats.org/presentationml/2006/main">
+  <p:cSld>
+    <p:spTree>
+      <p:nvGrpSpPr>
+        <p:cNvPr id="1" name=""/>
+        <p:cNvGrpSpPr/>
+        <p:nvPr/>
+      </p:nvGrpSpPr>
+      <p:grpSpPr>
+        <a:xfrm>
+          <a:off x="0" y="0"/>
+          <a:ext cx="0" cy="0"/>
+          <a:chOff x="0" y="0"/>
+          <a:chExt cx="0" cy="0"/>
+        </a:xfrm>
+      </p:grpSpPr>
+      <p:sp>
+        <p:nvSpPr>
+          <p:cNvPr id="2" name="Title 1">
+            <a:extLst>
+              <a:ext uri="{FF2B5EF4-FFF2-40B4-BE49-F238E27FC236}">
+                <a16:creationId xmlns:a16="http://schemas.microsoft.com/office/drawing/2014/main" id="{14D7F595-0D8F-4FE6-A3EC-4557A1A457EB}"/>
+              </a:ext>
+            </a:extLst>
+          </p:cNvPr>
+          <p:cNvSpPr>
+            <a:spLocks noGrp="1"/>
+          </p:cNvSpPr>
+          <p:nvPr>
+            <p:ph type="title"/>
+          </p:nvPr>
+        </p:nvSpPr>
+        <p:spPr/>
+        <p:txBody>
+          <a:bodyPr/>
+          <a:lstStyle/>
+          <a:p>
+            <a:r>
+              <a:rPr lang="en-US">
+                <a:latin typeface="Arial" panose="020B0604020202020204" pitchFamily="34" charset="0"/>
+                <a:cs typeface="Arial" panose="020B0604020202020204" pitchFamily="34" charset="0"/>
+              </a:rPr>
+              <a:t>6.4. Directives</a:t>
+            </a:r>
+          </a:p>
+        </p:txBody>
+      </p:sp>
+      <p:sp>
+        <p:nvSpPr>
+          <p:cNvPr id="3" name="Content Placeholder 2">
+            <a:extLst>
+              <a:ext uri="{FF2B5EF4-FFF2-40B4-BE49-F238E27FC236}">
+                <a16:creationId xmlns:a16="http://schemas.microsoft.com/office/drawing/2014/main" id="{6337998B-3737-4D43-973D-24B118D723A2}"/>
+              </a:ext>
+            </a:extLst>
+          </p:cNvPr>
+          <p:cNvSpPr>
+            <a:spLocks noGrp="1"/>
+          </p:cNvSpPr>
+          <p:nvPr>
+            <p:ph idx="1"/>
+          </p:nvPr>
+        </p:nvSpPr>
+        <p:spPr>
+          <a:xfrm>
+            <a:off x="1103312" y="2183907"/>
+            <a:ext cx="9549892" cy="3986074"/>
+          </a:xfrm>
+        </p:spPr>
+        <p:txBody>
+          <a:bodyPr/>
+          <a:lstStyle/>
+          <a:p>
+            <a:r>
+              <a:rPr lang="en-US">
+                <a:latin typeface="Arial" panose="020B0604020202020204" pitchFamily="34" charset="0"/>
+                <a:cs typeface="Arial" panose="020B0604020202020204" pitchFamily="34" charset="0"/>
+              </a:rPr>
+              <a:t>Directives taglib</a:t>
+            </a:r>
+          </a:p>
+        </p:txBody>
+      </p:sp>
+      <p:pic>
+        <p:nvPicPr>
+          <p:cNvPr id="6" name="Picture 5">
+            <a:extLst>
+              <a:ext uri="{FF2B5EF4-FFF2-40B4-BE49-F238E27FC236}">
+                <a16:creationId xmlns:a16="http://schemas.microsoft.com/office/drawing/2014/main" id="{BA42B8C2-332B-487F-BDAA-3A3D8DA90976}"/>
+              </a:ext>
+            </a:extLst>
+          </p:cNvPr>
+          <p:cNvPicPr>
+            <a:picLocks noChangeAspect="1"/>
+          </p:cNvPicPr>
+          <p:nvPr/>
+        </p:nvPicPr>
+        <p:blipFill>
+          <a:blip r:embed="rId2"/>
+          <a:stretch>
+            <a:fillRect/>
+          </a:stretch>
+        </p:blipFill>
+        <p:spPr>
+          <a:xfrm>
+            <a:off x="1538796" y="3429000"/>
+            <a:ext cx="9083775" cy="1147282"/>
+          </a:xfrm>
+          <a:prstGeom prst="rect">
+            <a:avLst/>
+          </a:prstGeom>
+        </p:spPr>
+      </p:pic>
+    </p:spTree>
+    <p:extLst>
+      <p:ext uri="{BB962C8B-B14F-4D97-AF65-F5344CB8AC3E}">
+        <p14:creationId xmlns:p14="http://schemas.microsoft.com/office/powerpoint/2010/main" val="868382530"/>
+      </p:ext>
+    </p:extLst>
+  </p:cSld>
+  <p:clrMapOvr>
+    <a:masterClrMapping/>
+  </p:clrMapOvr>
+</p:sld>
+</file>
+
+<file path=ppt/slides/slide28.xml><?xml version="1.0" encoding="utf-8"?>
+<p:sld xmlns:a="http://schemas.openxmlformats.org/drawingml/2006/main" xmlns:r="http://schemas.openxmlformats.org/officeDocument/2006/relationships" xmlns:p="http://schemas.openxmlformats.org/presentationml/2006/main">
+  <p:cSld>
+    <p:spTree>
+      <p:nvGrpSpPr>
+        <p:cNvPr id="1" name=""/>
+        <p:cNvGrpSpPr/>
+        <p:nvPr/>
+      </p:nvGrpSpPr>
+      <p:grpSpPr>
+        <a:xfrm>
+          <a:off x="0" y="0"/>
+          <a:ext cx="0" cy="0"/>
+          <a:chOff x="0" y="0"/>
+          <a:chExt cx="0" cy="0"/>
+        </a:xfrm>
+      </p:grpSpPr>
+      <p:sp>
+        <p:nvSpPr>
+          <p:cNvPr id="2" name="Title 1">
+            <a:extLst>
+              <a:ext uri="{FF2B5EF4-FFF2-40B4-BE49-F238E27FC236}">
+                <a16:creationId xmlns:a16="http://schemas.microsoft.com/office/drawing/2014/main" id="{14D7F595-0D8F-4FE6-A3EC-4557A1A457EB}"/>
+              </a:ext>
+            </a:extLst>
+          </p:cNvPr>
+          <p:cNvSpPr>
+            <a:spLocks noGrp="1"/>
+          </p:cNvSpPr>
+          <p:nvPr>
+            <p:ph type="title"/>
+          </p:nvPr>
+        </p:nvSpPr>
+        <p:spPr/>
+        <p:txBody>
+          <a:bodyPr/>
+          <a:lstStyle/>
+          <a:p>
+            <a:r>
+              <a:rPr lang="en-US">
+                <a:latin typeface="Arial" panose="020B0604020202020204" pitchFamily="34" charset="0"/>
+                <a:cs typeface="Arial" panose="020B0604020202020204" pitchFamily="34" charset="0"/>
+              </a:rPr>
+              <a:t>6.4. Directives</a:t>
+            </a:r>
+          </a:p>
+        </p:txBody>
+      </p:sp>
+      <p:sp>
+        <p:nvSpPr>
+          <p:cNvPr id="3" name="Content Placeholder 2">
+            <a:extLst>
+              <a:ext uri="{FF2B5EF4-FFF2-40B4-BE49-F238E27FC236}">
+                <a16:creationId xmlns:a16="http://schemas.microsoft.com/office/drawing/2014/main" id="{6337998B-3737-4D43-973D-24B118D723A2}"/>
+              </a:ext>
+            </a:extLst>
+          </p:cNvPr>
+          <p:cNvSpPr>
+            <a:spLocks noGrp="1"/>
+          </p:cNvSpPr>
+          <p:nvPr>
+            <p:ph idx="1"/>
+          </p:nvPr>
+        </p:nvSpPr>
+        <p:spPr>
+          <a:xfrm>
+            <a:off x="1103312" y="2183907"/>
+            <a:ext cx="9549892" cy="3986074"/>
+          </a:xfrm>
+        </p:spPr>
+        <p:txBody>
+          <a:bodyPr/>
+          <a:lstStyle/>
+          <a:p>
+            <a:r>
+              <a:rPr lang="en-US">
+                <a:latin typeface="Arial" panose="020B0604020202020204" pitchFamily="34" charset="0"/>
+                <a:cs typeface="Arial" panose="020B0604020202020204" pitchFamily="34" charset="0"/>
+              </a:rPr>
+              <a:t>Directives import</a:t>
+            </a:r>
+          </a:p>
+          <a:p>
+            <a:pPr lvl="1"/>
+            <a:r>
+              <a:rPr lang="en-US">
+                <a:latin typeface="Arial" panose="020B0604020202020204" pitchFamily="34" charset="0"/>
+                <a:cs typeface="Arial" panose="020B0604020202020204" pitchFamily="34" charset="0"/>
+              </a:rPr>
+              <a:t>Tệp test.xml</a:t>
+            </a:r>
+          </a:p>
+        </p:txBody>
+      </p:sp>
+      <p:pic>
+        <p:nvPicPr>
+          <p:cNvPr id="8" name="Picture 7">
+            <a:extLst>
+              <a:ext uri="{FF2B5EF4-FFF2-40B4-BE49-F238E27FC236}">
+                <a16:creationId xmlns:a16="http://schemas.microsoft.com/office/drawing/2014/main" id="{A7F7FFE6-5212-427B-BA57-19115A804867}"/>
+              </a:ext>
+            </a:extLst>
+          </p:cNvPr>
+          <p:cNvPicPr>
+            <a:picLocks noChangeAspect="1"/>
+          </p:cNvPicPr>
+          <p:nvPr/>
+        </p:nvPicPr>
+        <p:blipFill>
+          <a:blip r:embed="rId2"/>
+          <a:stretch>
+            <a:fillRect/>
+          </a:stretch>
+        </p:blipFill>
+        <p:spPr>
+          <a:xfrm>
+            <a:off x="2398376" y="3126609"/>
+            <a:ext cx="7395248" cy="3209613"/>
+          </a:xfrm>
+          <a:prstGeom prst="rect">
+            <a:avLst/>
+          </a:prstGeom>
+        </p:spPr>
+      </p:pic>
+    </p:spTree>
+    <p:extLst>
+      <p:ext uri="{BB962C8B-B14F-4D97-AF65-F5344CB8AC3E}">
+        <p14:creationId xmlns:p14="http://schemas.microsoft.com/office/powerpoint/2010/main" val="38506548"/>
+      </p:ext>
+    </p:extLst>
+  </p:cSld>
+  <p:clrMapOvr>
+    <a:masterClrMapping/>
+  </p:clrMapOvr>
+</p:sld>
+</file>
+
+<file path=ppt/slides/slide29.xml><?xml version="1.0" encoding="utf-8"?>
+<p:sld xmlns:a="http://schemas.openxmlformats.org/drawingml/2006/main" xmlns:r="http://schemas.openxmlformats.org/officeDocument/2006/relationships" xmlns:p="http://schemas.openxmlformats.org/presentationml/2006/main">
+  <p:cSld>
+    <p:spTree>
+      <p:nvGrpSpPr>
+        <p:cNvPr id="1" name=""/>
+        <p:cNvGrpSpPr/>
+        <p:nvPr/>
+      </p:nvGrpSpPr>
+      <p:grpSpPr>
+        <a:xfrm>
+          <a:off x="0" y="0"/>
+          <a:ext cx="0" cy="0"/>
+          <a:chOff x="0" y="0"/>
+          <a:chExt cx="0" cy="0"/>
+        </a:xfrm>
+      </p:grpSpPr>
+      <p:sp>
+        <p:nvSpPr>
+          <p:cNvPr id="2" name="Title 1">
+            <a:extLst>
+              <a:ext uri="{FF2B5EF4-FFF2-40B4-BE49-F238E27FC236}">
+                <a16:creationId xmlns:a16="http://schemas.microsoft.com/office/drawing/2014/main" id="{14D7F595-0D8F-4FE6-A3EC-4557A1A457EB}"/>
+              </a:ext>
+            </a:extLst>
+          </p:cNvPr>
+          <p:cNvSpPr>
+            <a:spLocks noGrp="1"/>
+          </p:cNvSpPr>
+          <p:nvPr>
+            <p:ph type="title"/>
+          </p:nvPr>
+        </p:nvSpPr>
+        <p:spPr/>
+        <p:txBody>
+          <a:bodyPr/>
+          <a:lstStyle/>
+          <a:p>
+            <a:r>
+              <a:rPr lang="en-US">
+                <a:latin typeface="Arial" panose="020B0604020202020204" pitchFamily="34" charset="0"/>
+                <a:cs typeface="Arial" panose="020B0604020202020204" pitchFamily="34" charset="0"/>
+              </a:rPr>
+              <a:t>6.4. Directives</a:t>
+            </a:r>
+          </a:p>
+        </p:txBody>
+      </p:sp>
+      <p:sp>
+        <p:nvSpPr>
+          <p:cNvPr id="3" name="Content Placeholder 2">
+            <a:extLst>
+              <a:ext uri="{FF2B5EF4-FFF2-40B4-BE49-F238E27FC236}">
+                <a16:creationId xmlns:a16="http://schemas.microsoft.com/office/drawing/2014/main" id="{6337998B-3737-4D43-973D-24B118D723A2}"/>
+              </a:ext>
+            </a:extLst>
+          </p:cNvPr>
+          <p:cNvSpPr>
+            <a:spLocks noGrp="1"/>
+          </p:cNvSpPr>
+          <p:nvPr>
+            <p:ph idx="1"/>
+          </p:nvPr>
+        </p:nvSpPr>
+        <p:spPr>
+          <a:xfrm>
+            <a:off x="1103312" y="2183907"/>
+            <a:ext cx="9549892" cy="3986074"/>
+          </a:xfrm>
+        </p:spPr>
+        <p:txBody>
+          <a:bodyPr/>
+          <a:lstStyle/>
+          <a:p>
+            <a:r>
+              <a:rPr lang="en-US">
+                <a:latin typeface="Arial" panose="020B0604020202020204" pitchFamily="34" charset="0"/>
+                <a:cs typeface="Arial" panose="020B0604020202020204" pitchFamily="34" charset="0"/>
+              </a:rPr>
+              <a:t>Directives import</a:t>
+            </a:r>
+          </a:p>
+          <a:p>
+            <a:pPr lvl="1"/>
+            <a:r>
+              <a:rPr lang="en-US">
+                <a:latin typeface="Arial" panose="020B0604020202020204" pitchFamily="34" charset="0"/>
+                <a:cs typeface="Arial" panose="020B0604020202020204" pitchFamily="34" charset="0"/>
+              </a:rPr>
+              <a:t>Tệp index.jsp</a:t>
+            </a:r>
+          </a:p>
+        </p:txBody>
+      </p:sp>
+      <p:pic>
+        <p:nvPicPr>
+          <p:cNvPr id="10" name="Picture 9">
+            <a:extLst>
+              <a:ext uri="{FF2B5EF4-FFF2-40B4-BE49-F238E27FC236}">
+                <a16:creationId xmlns:a16="http://schemas.microsoft.com/office/drawing/2014/main" id="{6D9A83D9-2D33-418F-98A7-8AF7A778D463}"/>
+              </a:ext>
+            </a:extLst>
+          </p:cNvPr>
+          <p:cNvPicPr>
+            <a:picLocks noChangeAspect="1"/>
+          </p:cNvPicPr>
+          <p:nvPr/>
+        </p:nvPicPr>
+        <p:blipFill>
+          <a:blip r:embed="rId2"/>
+          <a:stretch>
+            <a:fillRect/>
+          </a:stretch>
+        </p:blipFill>
+        <p:spPr>
+          <a:xfrm>
+            <a:off x="2689461" y="3095212"/>
+            <a:ext cx="6813078" cy="3476449"/>
+          </a:xfrm>
+          <a:prstGeom prst="rect">
+            <a:avLst/>
+          </a:prstGeom>
+        </p:spPr>
+      </p:pic>
+    </p:spTree>
+    <p:extLst>
+      <p:ext uri="{BB962C8B-B14F-4D97-AF65-F5344CB8AC3E}">
+        <p14:creationId xmlns:p14="http://schemas.microsoft.com/office/powerpoint/2010/main" val="3952508311"/>
+      </p:ext>
+    </p:extLst>
+  </p:cSld>
+  <p:clrMapOvr>
+    <a:masterClrMapping/>
+  </p:clrMapOvr>
+</p:sld>
+</file>
+
 <file path=ppt/slides/slide3.xml><?xml version="1.0" encoding="utf-8"?>
 <p:sld xmlns:a="http://schemas.openxmlformats.org/drawingml/2006/main" xmlns:r="http://schemas.openxmlformats.org/officeDocument/2006/relationships" xmlns:p="http://schemas.openxmlformats.org/presentationml/2006/main">
   <p:cSld>
@@ -7505,6 +9154,1420 @@
     <p:extLst>
       <p:ext uri="{BB962C8B-B14F-4D97-AF65-F5344CB8AC3E}">
         <p14:creationId xmlns:p14="http://schemas.microsoft.com/office/powerpoint/2010/main" val="967425950"/>
+      </p:ext>
+    </p:extLst>
+  </p:cSld>
+  <p:clrMapOvr>
+    <a:masterClrMapping/>
+  </p:clrMapOvr>
+</p:sld>
+</file>
+
+<file path=ppt/slides/slide30.xml><?xml version="1.0" encoding="utf-8"?>
+<p:sld xmlns:a="http://schemas.openxmlformats.org/drawingml/2006/main" xmlns:r="http://schemas.openxmlformats.org/officeDocument/2006/relationships" xmlns:p="http://schemas.openxmlformats.org/presentationml/2006/main">
+  <p:cSld>
+    <p:spTree>
+      <p:nvGrpSpPr>
+        <p:cNvPr id="1" name=""/>
+        <p:cNvGrpSpPr/>
+        <p:nvPr/>
+      </p:nvGrpSpPr>
+      <p:grpSpPr>
+        <a:xfrm>
+          <a:off x="0" y="0"/>
+          <a:ext cx="0" cy="0"/>
+          <a:chOff x="0" y="0"/>
+          <a:chExt cx="0" cy="0"/>
+        </a:xfrm>
+      </p:grpSpPr>
+      <p:sp>
+        <p:nvSpPr>
+          <p:cNvPr id="2" name="Title 1">
+            <a:extLst>
+              <a:ext uri="{FF2B5EF4-FFF2-40B4-BE49-F238E27FC236}">
+                <a16:creationId xmlns:a16="http://schemas.microsoft.com/office/drawing/2014/main" id="{14D7F595-0D8F-4FE6-A3EC-4557A1A457EB}"/>
+              </a:ext>
+            </a:extLst>
+          </p:cNvPr>
+          <p:cNvSpPr>
+            <a:spLocks noGrp="1"/>
+          </p:cNvSpPr>
+          <p:nvPr>
+            <p:ph type="title"/>
+          </p:nvPr>
+        </p:nvSpPr>
+        <p:spPr/>
+        <p:txBody>
+          <a:bodyPr/>
+          <a:lstStyle/>
+          <a:p>
+            <a:r>
+              <a:rPr lang="en-US">
+                <a:latin typeface="Arial" panose="020B0604020202020204" pitchFamily="34" charset="0"/>
+                <a:cs typeface="Arial" panose="020B0604020202020204" pitchFamily="34" charset="0"/>
+              </a:rPr>
+              <a:t>6.4. Directives</a:t>
+            </a:r>
+          </a:p>
+        </p:txBody>
+      </p:sp>
+      <p:sp>
+        <p:nvSpPr>
+          <p:cNvPr id="3" name="Content Placeholder 2">
+            <a:extLst>
+              <a:ext uri="{FF2B5EF4-FFF2-40B4-BE49-F238E27FC236}">
+                <a16:creationId xmlns:a16="http://schemas.microsoft.com/office/drawing/2014/main" id="{6337998B-3737-4D43-973D-24B118D723A2}"/>
+              </a:ext>
+            </a:extLst>
+          </p:cNvPr>
+          <p:cNvSpPr>
+            <a:spLocks noGrp="1"/>
+          </p:cNvSpPr>
+          <p:nvPr>
+            <p:ph idx="1"/>
+          </p:nvPr>
+        </p:nvSpPr>
+        <p:spPr>
+          <a:xfrm>
+            <a:off x="1103312" y="2183907"/>
+            <a:ext cx="3832672" cy="3986074"/>
+          </a:xfrm>
+        </p:spPr>
+        <p:txBody>
+          <a:bodyPr/>
+          <a:lstStyle/>
+          <a:p>
+            <a:r>
+              <a:rPr lang="en-US">
+                <a:latin typeface="Arial" panose="020B0604020202020204" pitchFamily="34" charset="0"/>
+                <a:cs typeface="Arial" panose="020B0604020202020204" pitchFamily="34" charset="0"/>
+              </a:rPr>
+              <a:t>Directives import</a:t>
+            </a:r>
+          </a:p>
+          <a:p>
+            <a:pPr lvl="1"/>
+            <a:r>
+              <a:rPr lang="en-US">
+                <a:latin typeface="Arial" panose="020B0604020202020204" pitchFamily="34" charset="0"/>
+                <a:cs typeface="Arial" panose="020B0604020202020204" pitchFamily="34" charset="0"/>
+              </a:rPr>
+              <a:t>Kết quả khi truy cập vào trang index.jsp</a:t>
+            </a:r>
+          </a:p>
+        </p:txBody>
+      </p:sp>
+      <p:pic>
+        <p:nvPicPr>
+          <p:cNvPr id="5" name="Picture 4">
+            <a:extLst>
+              <a:ext uri="{FF2B5EF4-FFF2-40B4-BE49-F238E27FC236}">
+                <a16:creationId xmlns:a16="http://schemas.microsoft.com/office/drawing/2014/main" id="{845D51CE-7E66-4134-88F5-203DFA37C415}"/>
+              </a:ext>
+            </a:extLst>
+          </p:cNvPr>
+          <p:cNvPicPr>
+            <a:picLocks noChangeAspect="1"/>
+          </p:cNvPicPr>
+          <p:nvPr/>
+        </p:nvPicPr>
+        <p:blipFill>
+          <a:blip r:embed="rId2"/>
+          <a:stretch>
+            <a:fillRect/>
+          </a:stretch>
+        </p:blipFill>
+        <p:spPr>
+          <a:xfrm>
+            <a:off x="5149049" y="2787234"/>
+            <a:ext cx="6551721" cy="3511558"/>
+          </a:xfrm>
+          <a:prstGeom prst="rect">
+            <a:avLst/>
+          </a:prstGeom>
+        </p:spPr>
+      </p:pic>
+    </p:spTree>
+    <p:extLst>
+      <p:ext uri="{BB962C8B-B14F-4D97-AF65-F5344CB8AC3E}">
+        <p14:creationId xmlns:p14="http://schemas.microsoft.com/office/powerpoint/2010/main" val="4089649836"/>
+      </p:ext>
+    </p:extLst>
+  </p:cSld>
+  <p:clrMapOvr>
+    <a:masterClrMapping/>
+  </p:clrMapOvr>
+</p:sld>
+</file>
+
+<file path=ppt/slides/slide31.xml><?xml version="1.0" encoding="utf-8"?>
+<p:sld xmlns:a="http://schemas.openxmlformats.org/drawingml/2006/main" xmlns:r="http://schemas.openxmlformats.org/officeDocument/2006/relationships" xmlns:p="http://schemas.openxmlformats.org/presentationml/2006/main">
+  <p:cSld>
+    <p:spTree>
+      <p:nvGrpSpPr>
+        <p:cNvPr id="1" name=""/>
+        <p:cNvGrpSpPr/>
+        <p:nvPr/>
+      </p:nvGrpSpPr>
+      <p:grpSpPr>
+        <a:xfrm>
+          <a:off x="0" y="0"/>
+          <a:ext cx="0" cy="0"/>
+          <a:chOff x="0" y="0"/>
+          <a:chExt cx="0" cy="0"/>
+        </a:xfrm>
+      </p:grpSpPr>
+      <p:sp>
+        <p:nvSpPr>
+          <p:cNvPr id="2" name="Title 1">
+            <a:extLst>
+              <a:ext uri="{FF2B5EF4-FFF2-40B4-BE49-F238E27FC236}">
+                <a16:creationId xmlns:a16="http://schemas.microsoft.com/office/drawing/2014/main" id="{14D7F595-0D8F-4FE6-A3EC-4557A1A457EB}"/>
+              </a:ext>
+            </a:extLst>
+          </p:cNvPr>
+          <p:cNvSpPr>
+            <a:spLocks noGrp="1"/>
+          </p:cNvSpPr>
+          <p:nvPr>
+            <p:ph type="title"/>
+          </p:nvPr>
+        </p:nvSpPr>
+        <p:spPr/>
+        <p:txBody>
+          <a:bodyPr/>
+          <a:lstStyle/>
+          <a:p>
+            <a:r>
+              <a:rPr lang="en-US">
+                <a:latin typeface="Arial" panose="020B0604020202020204" pitchFamily="34" charset="0"/>
+                <a:cs typeface="Arial" panose="020B0604020202020204" pitchFamily="34" charset="0"/>
+              </a:rPr>
+              <a:t>6.5. Actions</a:t>
+            </a:r>
+          </a:p>
+        </p:txBody>
+      </p:sp>
+      <p:sp>
+        <p:nvSpPr>
+          <p:cNvPr id="3" name="Content Placeholder 2">
+            <a:extLst>
+              <a:ext uri="{FF2B5EF4-FFF2-40B4-BE49-F238E27FC236}">
+                <a16:creationId xmlns:a16="http://schemas.microsoft.com/office/drawing/2014/main" id="{6337998B-3737-4D43-973D-24B118D723A2}"/>
+              </a:ext>
+            </a:extLst>
+          </p:cNvPr>
+          <p:cNvSpPr>
+            <a:spLocks noGrp="1"/>
+          </p:cNvSpPr>
+          <p:nvPr>
+            <p:ph idx="1"/>
+          </p:nvPr>
+        </p:nvSpPr>
+        <p:spPr>
+          <a:xfrm>
+            <a:off x="1103312" y="2183907"/>
+            <a:ext cx="9549892" cy="3986074"/>
+          </a:xfrm>
+        </p:spPr>
+        <p:txBody>
+          <a:bodyPr/>
+          <a:lstStyle/>
+          <a:p>
+            <a:r>
+              <a:rPr lang="en-US">
+                <a:latin typeface="Arial" panose="020B0604020202020204" pitchFamily="34" charset="0"/>
+                <a:cs typeface="Arial" panose="020B0604020202020204" pitchFamily="34" charset="0"/>
+              </a:rPr>
+              <a:t>Actions là những thẻ JSP giúp hỗ trợ tạo nội dung trang động (dynamic) hoặc thực hiện một hành động nào đó như: Chuyển tiếp yêu cầu HTTP, tương tác với các đối tượng Java, ...</a:t>
+            </a:r>
+          </a:p>
+          <a:p>
+            <a:r>
+              <a:rPr lang="en-US">
+                <a:latin typeface="Arial" panose="020B0604020202020204" pitchFamily="34" charset="0"/>
+                <a:cs typeface="Arial" panose="020B0604020202020204" pitchFamily="34" charset="0"/>
+              </a:rPr>
+              <a:t>Các thẻ Actions thường có cú pháp như sau:</a:t>
+            </a:r>
+          </a:p>
+          <a:p>
+            <a:pPr lvl="1"/>
+            <a:r>
+              <a:rPr lang="en-US">
+                <a:latin typeface="Arial" panose="020B0604020202020204" pitchFamily="34" charset="0"/>
+                <a:cs typeface="Arial" panose="020B0604020202020204" pitchFamily="34" charset="0"/>
+              </a:rPr>
+              <a:t>&lt;jsp:[action] [thuộc tính]=[giá trị]&gt;</a:t>
+            </a:r>
+          </a:p>
+          <a:p>
+            <a:pPr lvl="1"/>
+            <a:r>
+              <a:rPr lang="en-US">
+                <a:latin typeface="Arial" panose="020B0604020202020204" pitchFamily="34" charset="0"/>
+                <a:cs typeface="Arial" panose="020B0604020202020204" pitchFamily="34" charset="0"/>
+              </a:rPr>
+              <a:t>&lt;jsp:[action] [thuộc tính]=[giá trị] /&gt;</a:t>
+            </a:r>
+          </a:p>
+          <a:p>
+            <a:r>
+              <a:rPr lang="en-US">
+                <a:latin typeface="Arial" panose="020B0604020202020204" pitchFamily="34" charset="0"/>
+                <a:cs typeface="Arial" panose="020B0604020202020204" pitchFamily="34" charset="0"/>
+              </a:rPr>
+              <a:t>Các thẻ actions thường dùng:</a:t>
+            </a:r>
+          </a:p>
+          <a:p>
+            <a:pPr lvl="1"/>
+            <a:r>
+              <a:rPr lang="en-US">
+                <a:latin typeface="Arial" panose="020B0604020202020204" pitchFamily="34" charset="0"/>
+                <a:cs typeface="Arial" panose="020B0604020202020204" pitchFamily="34" charset="0"/>
+              </a:rPr>
+              <a:t>&lt;jsp:include&gt;: Chèn nội dung một tệp JSP khác</a:t>
+            </a:r>
+          </a:p>
+          <a:p>
+            <a:pPr lvl="1"/>
+            <a:r>
+              <a:rPr lang="en-US">
+                <a:latin typeface="Arial" panose="020B0604020202020204" pitchFamily="34" charset="0"/>
+                <a:cs typeface="Arial" panose="020B0604020202020204" pitchFamily="34" charset="0"/>
+              </a:rPr>
+              <a:t>&lt;jsp:forward&gt;: Chuyển tiếp yêu cầu HTTP của trang này đến một địa chỉ Servlet khác.</a:t>
+            </a:r>
+          </a:p>
+        </p:txBody>
+      </p:sp>
+    </p:spTree>
+    <p:extLst>
+      <p:ext uri="{BB962C8B-B14F-4D97-AF65-F5344CB8AC3E}">
+        <p14:creationId xmlns:p14="http://schemas.microsoft.com/office/powerpoint/2010/main" val="2892187217"/>
+      </p:ext>
+    </p:extLst>
+  </p:cSld>
+  <p:clrMapOvr>
+    <a:masterClrMapping/>
+  </p:clrMapOvr>
+</p:sld>
+</file>
+
+<file path=ppt/slides/slide32.xml><?xml version="1.0" encoding="utf-8"?>
+<p:sld xmlns:a="http://schemas.openxmlformats.org/drawingml/2006/main" xmlns:r="http://schemas.openxmlformats.org/officeDocument/2006/relationships" xmlns:p="http://schemas.openxmlformats.org/presentationml/2006/main">
+  <p:cSld>
+    <p:spTree>
+      <p:nvGrpSpPr>
+        <p:cNvPr id="1" name=""/>
+        <p:cNvGrpSpPr/>
+        <p:nvPr/>
+      </p:nvGrpSpPr>
+      <p:grpSpPr>
+        <a:xfrm>
+          <a:off x="0" y="0"/>
+          <a:ext cx="0" cy="0"/>
+          <a:chOff x="0" y="0"/>
+          <a:chExt cx="0" cy="0"/>
+        </a:xfrm>
+      </p:grpSpPr>
+      <p:sp>
+        <p:nvSpPr>
+          <p:cNvPr id="2" name="Title 1">
+            <a:extLst>
+              <a:ext uri="{FF2B5EF4-FFF2-40B4-BE49-F238E27FC236}">
+                <a16:creationId xmlns:a16="http://schemas.microsoft.com/office/drawing/2014/main" id="{14D7F595-0D8F-4FE6-A3EC-4557A1A457EB}"/>
+              </a:ext>
+            </a:extLst>
+          </p:cNvPr>
+          <p:cNvSpPr>
+            <a:spLocks noGrp="1"/>
+          </p:cNvSpPr>
+          <p:nvPr>
+            <p:ph type="title"/>
+          </p:nvPr>
+        </p:nvSpPr>
+        <p:spPr/>
+        <p:txBody>
+          <a:bodyPr/>
+          <a:lstStyle/>
+          <a:p>
+            <a:r>
+              <a:rPr lang="en-US">
+                <a:latin typeface="Arial" panose="020B0604020202020204" pitchFamily="34" charset="0"/>
+                <a:cs typeface="Arial" panose="020B0604020202020204" pitchFamily="34" charset="0"/>
+              </a:rPr>
+              <a:t>6.5. Actions</a:t>
+            </a:r>
+          </a:p>
+        </p:txBody>
+      </p:sp>
+      <p:sp>
+        <p:nvSpPr>
+          <p:cNvPr id="3" name="Content Placeholder 2">
+            <a:extLst>
+              <a:ext uri="{FF2B5EF4-FFF2-40B4-BE49-F238E27FC236}">
+                <a16:creationId xmlns:a16="http://schemas.microsoft.com/office/drawing/2014/main" id="{6337998B-3737-4D43-973D-24B118D723A2}"/>
+              </a:ext>
+            </a:extLst>
+          </p:cNvPr>
+          <p:cNvSpPr>
+            <a:spLocks noGrp="1"/>
+          </p:cNvSpPr>
+          <p:nvPr>
+            <p:ph idx="1"/>
+          </p:nvPr>
+        </p:nvSpPr>
+        <p:spPr>
+          <a:xfrm>
+            <a:off x="1103312" y="2183907"/>
+            <a:ext cx="9549892" cy="3986074"/>
+          </a:xfrm>
+        </p:spPr>
+        <p:txBody>
+          <a:bodyPr/>
+          <a:lstStyle/>
+          <a:p>
+            <a:r>
+              <a:rPr lang="en-US">
+                <a:latin typeface="Arial" panose="020B0604020202020204" pitchFamily="34" charset="0"/>
+                <a:cs typeface="Arial" panose="020B0604020202020204" pitchFamily="34" charset="0"/>
+              </a:rPr>
+              <a:t>Ví dụ về &lt;jsp:include&gt;</a:t>
+            </a:r>
+          </a:p>
+          <a:p>
+            <a:pPr lvl="1"/>
+            <a:r>
+              <a:rPr lang="en-US">
+                <a:latin typeface="Arial" panose="020B0604020202020204" pitchFamily="34" charset="0"/>
+                <a:cs typeface="Arial" panose="020B0604020202020204" pitchFamily="34" charset="0"/>
+              </a:rPr>
+              <a:t>header.jsp</a:t>
+            </a:r>
+          </a:p>
+        </p:txBody>
+      </p:sp>
+      <p:pic>
+        <p:nvPicPr>
+          <p:cNvPr id="5" name="Picture 4">
+            <a:extLst>
+              <a:ext uri="{FF2B5EF4-FFF2-40B4-BE49-F238E27FC236}">
+                <a16:creationId xmlns:a16="http://schemas.microsoft.com/office/drawing/2014/main" id="{8365BCEE-928B-4FE0-8FF8-555C9FEF694F}"/>
+              </a:ext>
+            </a:extLst>
+          </p:cNvPr>
+          <p:cNvPicPr>
+            <a:picLocks noChangeAspect="1"/>
+          </p:cNvPicPr>
+          <p:nvPr/>
+        </p:nvPicPr>
+        <p:blipFill>
+          <a:blip r:embed="rId2"/>
+          <a:stretch>
+            <a:fillRect/>
+          </a:stretch>
+        </p:blipFill>
+        <p:spPr>
+          <a:xfrm>
+            <a:off x="2418136" y="3569471"/>
+            <a:ext cx="7355728" cy="2600510"/>
+          </a:xfrm>
+          <a:prstGeom prst="rect">
+            <a:avLst/>
+          </a:prstGeom>
+        </p:spPr>
+      </p:pic>
+    </p:spTree>
+    <p:extLst>
+      <p:ext uri="{BB962C8B-B14F-4D97-AF65-F5344CB8AC3E}">
+        <p14:creationId xmlns:p14="http://schemas.microsoft.com/office/powerpoint/2010/main" val="179465145"/>
+      </p:ext>
+    </p:extLst>
+  </p:cSld>
+  <p:clrMapOvr>
+    <a:masterClrMapping/>
+  </p:clrMapOvr>
+</p:sld>
+</file>
+
+<file path=ppt/slides/slide33.xml><?xml version="1.0" encoding="utf-8"?>
+<p:sld xmlns:a="http://schemas.openxmlformats.org/drawingml/2006/main" xmlns:r="http://schemas.openxmlformats.org/officeDocument/2006/relationships" xmlns:p="http://schemas.openxmlformats.org/presentationml/2006/main">
+  <p:cSld>
+    <p:spTree>
+      <p:nvGrpSpPr>
+        <p:cNvPr id="1" name=""/>
+        <p:cNvGrpSpPr/>
+        <p:nvPr/>
+      </p:nvGrpSpPr>
+      <p:grpSpPr>
+        <a:xfrm>
+          <a:off x="0" y="0"/>
+          <a:ext cx="0" cy="0"/>
+          <a:chOff x="0" y="0"/>
+          <a:chExt cx="0" cy="0"/>
+        </a:xfrm>
+      </p:grpSpPr>
+      <p:sp>
+        <p:nvSpPr>
+          <p:cNvPr id="2" name="Title 1">
+            <a:extLst>
+              <a:ext uri="{FF2B5EF4-FFF2-40B4-BE49-F238E27FC236}">
+                <a16:creationId xmlns:a16="http://schemas.microsoft.com/office/drawing/2014/main" id="{14D7F595-0D8F-4FE6-A3EC-4557A1A457EB}"/>
+              </a:ext>
+            </a:extLst>
+          </p:cNvPr>
+          <p:cNvSpPr>
+            <a:spLocks noGrp="1"/>
+          </p:cNvSpPr>
+          <p:nvPr>
+            <p:ph type="title"/>
+          </p:nvPr>
+        </p:nvSpPr>
+        <p:spPr/>
+        <p:txBody>
+          <a:bodyPr/>
+          <a:lstStyle/>
+          <a:p>
+            <a:r>
+              <a:rPr lang="en-US">
+                <a:latin typeface="Arial" panose="020B0604020202020204" pitchFamily="34" charset="0"/>
+                <a:cs typeface="Arial" panose="020B0604020202020204" pitchFamily="34" charset="0"/>
+              </a:rPr>
+              <a:t>6.5. Actions</a:t>
+            </a:r>
+          </a:p>
+        </p:txBody>
+      </p:sp>
+      <p:sp>
+        <p:nvSpPr>
+          <p:cNvPr id="3" name="Content Placeholder 2">
+            <a:extLst>
+              <a:ext uri="{FF2B5EF4-FFF2-40B4-BE49-F238E27FC236}">
+                <a16:creationId xmlns:a16="http://schemas.microsoft.com/office/drawing/2014/main" id="{6337998B-3737-4D43-973D-24B118D723A2}"/>
+              </a:ext>
+            </a:extLst>
+          </p:cNvPr>
+          <p:cNvSpPr>
+            <a:spLocks noGrp="1"/>
+          </p:cNvSpPr>
+          <p:nvPr>
+            <p:ph idx="1"/>
+          </p:nvPr>
+        </p:nvSpPr>
+        <p:spPr>
+          <a:xfrm>
+            <a:off x="1103312" y="2183907"/>
+            <a:ext cx="9549892" cy="3986074"/>
+          </a:xfrm>
+        </p:spPr>
+        <p:txBody>
+          <a:bodyPr/>
+          <a:lstStyle/>
+          <a:p>
+            <a:r>
+              <a:rPr lang="en-US">
+                <a:latin typeface="Arial" panose="020B0604020202020204" pitchFamily="34" charset="0"/>
+                <a:cs typeface="Arial" panose="020B0604020202020204" pitchFamily="34" charset="0"/>
+              </a:rPr>
+              <a:t>Ví dụ về &lt;jsp:include&gt;</a:t>
+            </a:r>
+          </a:p>
+          <a:p>
+            <a:pPr lvl="1"/>
+            <a:r>
+              <a:rPr lang="en-US">
+                <a:latin typeface="Arial" panose="020B0604020202020204" pitchFamily="34" charset="0"/>
+                <a:cs typeface="Arial" panose="020B0604020202020204" pitchFamily="34" charset="0"/>
+              </a:rPr>
+              <a:t>index.jsp</a:t>
+            </a:r>
+          </a:p>
+        </p:txBody>
+      </p:sp>
+      <p:pic>
+        <p:nvPicPr>
+          <p:cNvPr id="6" name="Picture 5">
+            <a:extLst>
+              <a:ext uri="{FF2B5EF4-FFF2-40B4-BE49-F238E27FC236}">
+                <a16:creationId xmlns:a16="http://schemas.microsoft.com/office/drawing/2014/main" id="{3D41BAA4-5FFE-4185-B7AD-8C5A01750961}"/>
+              </a:ext>
+            </a:extLst>
+          </p:cNvPr>
+          <p:cNvPicPr>
+            <a:picLocks noChangeAspect="1"/>
+          </p:cNvPicPr>
+          <p:nvPr/>
+        </p:nvPicPr>
+        <p:blipFill>
+          <a:blip r:embed="rId2"/>
+          <a:stretch>
+            <a:fillRect/>
+          </a:stretch>
+        </p:blipFill>
+        <p:spPr>
+          <a:xfrm>
+            <a:off x="5036355" y="1915566"/>
+            <a:ext cx="6360441" cy="4254415"/>
+          </a:xfrm>
+          <a:prstGeom prst="rect">
+            <a:avLst/>
+          </a:prstGeom>
+        </p:spPr>
+      </p:pic>
+    </p:spTree>
+    <p:extLst>
+      <p:ext uri="{BB962C8B-B14F-4D97-AF65-F5344CB8AC3E}">
+        <p14:creationId xmlns:p14="http://schemas.microsoft.com/office/powerpoint/2010/main" val="4168623806"/>
+      </p:ext>
+    </p:extLst>
+  </p:cSld>
+  <p:clrMapOvr>
+    <a:masterClrMapping/>
+  </p:clrMapOvr>
+</p:sld>
+</file>
+
+<file path=ppt/slides/slide34.xml><?xml version="1.0" encoding="utf-8"?>
+<p:sld xmlns:a="http://schemas.openxmlformats.org/drawingml/2006/main" xmlns:r="http://schemas.openxmlformats.org/officeDocument/2006/relationships" xmlns:p="http://schemas.openxmlformats.org/presentationml/2006/main">
+  <p:cSld>
+    <p:spTree>
+      <p:nvGrpSpPr>
+        <p:cNvPr id="1" name=""/>
+        <p:cNvGrpSpPr/>
+        <p:nvPr/>
+      </p:nvGrpSpPr>
+      <p:grpSpPr>
+        <a:xfrm>
+          <a:off x="0" y="0"/>
+          <a:ext cx="0" cy="0"/>
+          <a:chOff x="0" y="0"/>
+          <a:chExt cx="0" cy="0"/>
+        </a:xfrm>
+      </p:grpSpPr>
+      <p:sp>
+        <p:nvSpPr>
+          <p:cNvPr id="2" name="Title 1">
+            <a:extLst>
+              <a:ext uri="{FF2B5EF4-FFF2-40B4-BE49-F238E27FC236}">
+                <a16:creationId xmlns:a16="http://schemas.microsoft.com/office/drawing/2014/main" id="{14D7F595-0D8F-4FE6-A3EC-4557A1A457EB}"/>
+              </a:ext>
+            </a:extLst>
+          </p:cNvPr>
+          <p:cNvSpPr>
+            <a:spLocks noGrp="1"/>
+          </p:cNvSpPr>
+          <p:nvPr>
+            <p:ph type="title"/>
+          </p:nvPr>
+        </p:nvSpPr>
+        <p:spPr/>
+        <p:txBody>
+          <a:bodyPr/>
+          <a:lstStyle/>
+          <a:p>
+            <a:r>
+              <a:rPr lang="en-US">
+                <a:latin typeface="Arial" panose="020B0604020202020204" pitchFamily="34" charset="0"/>
+                <a:cs typeface="Arial" panose="020B0604020202020204" pitchFamily="34" charset="0"/>
+              </a:rPr>
+              <a:t>6.5. Actions</a:t>
+            </a:r>
+          </a:p>
+        </p:txBody>
+      </p:sp>
+      <p:sp>
+        <p:nvSpPr>
+          <p:cNvPr id="3" name="Content Placeholder 2">
+            <a:extLst>
+              <a:ext uri="{FF2B5EF4-FFF2-40B4-BE49-F238E27FC236}">
+                <a16:creationId xmlns:a16="http://schemas.microsoft.com/office/drawing/2014/main" id="{6337998B-3737-4D43-973D-24B118D723A2}"/>
+              </a:ext>
+            </a:extLst>
+          </p:cNvPr>
+          <p:cNvSpPr>
+            <a:spLocks noGrp="1"/>
+          </p:cNvSpPr>
+          <p:nvPr>
+            <p:ph idx="1"/>
+          </p:nvPr>
+        </p:nvSpPr>
+        <p:spPr>
+          <a:xfrm>
+            <a:off x="1103312" y="2183907"/>
+            <a:ext cx="9549892" cy="3986074"/>
+          </a:xfrm>
+        </p:spPr>
+        <p:txBody>
+          <a:bodyPr/>
+          <a:lstStyle/>
+          <a:p>
+            <a:r>
+              <a:rPr lang="en-US">
+                <a:latin typeface="Arial" panose="020B0604020202020204" pitchFamily="34" charset="0"/>
+                <a:cs typeface="Arial" panose="020B0604020202020204" pitchFamily="34" charset="0"/>
+              </a:rPr>
+              <a:t>Ví dụ về &lt;jsp:include&gt;</a:t>
+            </a:r>
+          </a:p>
+          <a:p>
+            <a:pPr lvl="1"/>
+            <a:r>
+              <a:rPr lang="en-US">
+                <a:latin typeface="Arial" panose="020B0604020202020204" pitchFamily="34" charset="0"/>
+                <a:cs typeface="Arial" panose="020B0604020202020204" pitchFamily="34" charset="0"/>
+              </a:rPr>
+              <a:t>Truy cập vào index.jsp</a:t>
+            </a:r>
+          </a:p>
+        </p:txBody>
+      </p:sp>
+      <p:pic>
+        <p:nvPicPr>
+          <p:cNvPr id="5" name="Picture 4">
+            <a:extLst>
+              <a:ext uri="{FF2B5EF4-FFF2-40B4-BE49-F238E27FC236}">
+                <a16:creationId xmlns:a16="http://schemas.microsoft.com/office/drawing/2014/main" id="{62E92B11-135C-4FBB-938E-6A66C5818D59}"/>
+              </a:ext>
+            </a:extLst>
+          </p:cNvPr>
+          <p:cNvPicPr>
+            <a:picLocks noChangeAspect="1"/>
+          </p:cNvPicPr>
+          <p:nvPr/>
+        </p:nvPicPr>
+        <p:blipFill>
+          <a:blip r:embed="rId2"/>
+          <a:stretch>
+            <a:fillRect/>
+          </a:stretch>
+        </p:blipFill>
+        <p:spPr>
+          <a:xfrm>
+            <a:off x="4645074" y="2436901"/>
+            <a:ext cx="7182942" cy="3857367"/>
+          </a:xfrm>
+          <a:prstGeom prst="rect">
+            <a:avLst/>
+          </a:prstGeom>
+        </p:spPr>
+      </p:pic>
+    </p:spTree>
+    <p:extLst>
+      <p:ext uri="{BB962C8B-B14F-4D97-AF65-F5344CB8AC3E}">
+        <p14:creationId xmlns:p14="http://schemas.microsoft.com/office/powerpoint/2010/main" val="172001870"/>
+      </p:ext>
+    </p:extLst>
+  </p:cSld>
+  <p:clrMapOvr>
+    <a:masterClrMapping/>
+  </p:clrMapOvr>
+</p:sld>
+</file>
+
+<file path=ppt/slides/slide35.xml><?xml version="1.0" encoding="utf-8"?>
+<p:sld xmlns:a="http://schemas.openxmlformats.org/drawingml/2006/main" xmlns:r="http://schemas.openxmlformats.org/officeDocument/2006/relationships" xmlns:p="http://schemas.openxmlformats.org/presentationml/2006/main">
+  <p:cSld>
+    <p:spTree>
+      <p:nvGrpSpPr>
+        <p:cNvPr id="1" name=""/>
+        <p:cNvGrpSpPr/>
+        <p:nvPr/>
+      </p:nvGrpSpPr>
+      <p:grpSpPr>
+        <a:xfrm>
+          <a:off x="0" y="0"/>
+          <a:ext cx="0" cy="0"/>
+          <a:chOff x="0" y="0"/>
+          <a:chExt cx="0" cy="0"/>
+        </a:xfrm>
+      </p:grpSpPr>
+      <p:sp>
+        <p:nvSpPr>
+          <p:cNvPr id="2" name="Title 1">
+            <a:extLst>
+              <a:ext uri="{FF2B5EF4-FFF2-40B4-BE49-F238E27FC236}">
+                <a16:creationId xmlns:a16="http://schemas.microsoft.com/office/drawing/2014/main" id="{14D7F595-0D8F-4FE6-A3EC-4557A1A457EB}"/>
+              </a:ext>
+            </a:extLst>
+          </p:cNvPr>
+          <p:cNvSpPr>
+            <a:spLocks noGrp="1"/>
+          </p:cNvSpPr>
+          <p:nvPr>
+            <p:ph type="title"/>
+          </p:nvPr>
+        </p:nvSpPr>
+        <p:spPr/>
+        <p:txBody>
+          <a:bodyPr/>
+          <a:lstStyle/>
+          <a:p>
+            <a:r>
+              <a:rPr lang="en-US">
+                <a:latin typeface="Arial" panose="020B0604020202020204" pitchFamily="34" charset="0"/>
+                <a:cs typeface="Arial" panose="020B0604020202020204" pitchFamily="34" charset="0"/>
+              </a:rPr>
+              <a:t>6.5. Actions</a:t>
+            </a:r>
+          </a:p>
+        </p:txBody>
+      </p:sp>
+      <p:sp>
+        <p:nvSpPr>
+          <p:cNvPr id="3" name="Content Placeholder 2">
+            <a:extLst>
+              <a:ext uri="{FF2B5EF4-FFF2-40B4-BE49-F238E27FC236}">
+                <a16:creationId xmlns:a16="http://schemas.microsoft.com/office/drawing/2014/main" id="{6337998B-3737-4D43-973D-24B118D723A2}"/>
+              </a:ext>
+            </a:extLst>
+          </p:cNvPr>
+          <p:cNvSpPr>
+            <a:spLocks noGrp="1"/>
+          </p:cNvSpPr>
+          <p:nvPr>
+            <p:ph idx="1"/>
+          </p:nvPr>
+        </p:nvSpPr>
+        <p:spPr>
+          <a:xfrm>
+            <a:off x="1103312" y="2183907"/>
+            <a:ext cx="9549892" cy="3986074"/>
+          </a:xfrm>
+        </p:spPr>
+        <p:txBody>
+          <a:bodyPr/>
+          <a:lstStyle/>
+          <a:p>
+            <a:r>
+              <a:rPr lang="en-US">
+                <a:latin typeface="Arial" panose="020B0604020202020204" pitchFamily="34" charset="0"/>
+                <a:cs typeface="Arial" panose="020B0604020202020204" pitchFamily="34" charset="0"/>
+              </a:rPr>
+              <a:t>Ví dụ về &lt;jsp:forward&gt;</a:t>
+            </a:r>
+          </a:p>
+          <a:p>
+            <a:pPr lvl="1"/>
+            <a:r>
+              <a:rPr lang="en-US">
+                <a:latin typeface="Arial" panose="020B0604020202020204" pitchFamily="34" charset="0"/>
+                <a:cs typeface="Arial" panose="020B0604020202020204" pitchFamily="34" charset="0"/>
+              </a:rPr>
+              <a:t>index2.jsp</a:t>
+            </a:r>
+          </a:p>
+        </p:txBody>
+      </p:sp>
+      <p:pic>
+        <p:nvPicPr>
+          <p:cNvPr id="6" name="Picture 5">
+            <a:extLst>
+              <a:ext uri="{FF2B5EF4-FFF2-40B4-BE49-F238E27FC236}">
+                <a16:creationId xmlns:a16="http://schemas.microsoft.com/office/drawing/2014/main" id="{D10364F3-4B6D-4187-B55D-35B22DBC43B4}"/>
+              </a:ext>
+            </a:extLst>
+          </p:cNvPr>
+          <p:cNvPicPr>
+            <a:picLocks noChangeAspect="1"/>
+          </p:cNvPicPr>
+          <p:nvPr/>
+        </p:nvPicPr>
+        <p:blipFill>
+          <a:blip r:embed="rId2"/>
+          <a:stretch>
+            <a:fillRect/>
+          </a:stretch>
+        </p:blipFill>
+        <p:spPr>
+          <a:xfrm>
+            <a:off x="3043925" y="3266687"/>
+            <a:ext cx="6104149" cy="3414056"/>
+          </a:xfrm>
+          <a:prstGeom prst="rect">
+            <a:avLst/>
+          </a:prstGeom>
+        </p:spPr>
+      </p:pic>
+    </p:spTree>
+    <p:extLst>
+      <p:ext uri="{BB962C8B-B14F-4D97-AF65-F5344CB8AC3E}">
+        <p14:creationId xmlns:p14="http://schemas.microsoft.com/office/powerpoint/2010/main" val="3327803781"/>
+      </p:ext>
+    </p:extLst>
+  </p:cSld>
+  <p:clrMapOvr>
+    <a:masterClrMapping/>
+  </p:clrMapOvr>
+</p:sld>
+</file>
+
+<file path=ppt/slides/slide36.xml><?xml version="1.0" encoding="utf-8"?>
+<p:sld xmlns:a="http://schemas.openxmlformats.org/drawingml/2006/main" xmlns:r="http://schemas.openxmlformats.org/officeDocument/2006/relationships" xmlns:p="http://schemas.openxmlformats.org/presentationml/2006/main">
+  <p:cSld>
+    <p:spTree>
+      <p:nvGrpSpPr>
+        <p:cNvPr id="1" name=""/>
+        <p:cNvGrpSpPr/>
+        <p:nvPr/>
+      </p:nvGrpSpPr>
+      <p:grpSpPr>
+        <a:xfrm>
+          <a:off x="0" y="0"/>
+          <a:ext cx="0" cy="0"/>
+          <a:chOff x="0" y="0"/>
+          <a:chExt cx="0" cy="0"/>
+        </a:xfrm>
+      </p:grpSpPr>
+      <p:sp>
+        <p:nvSpPr>
+          <p:cNvPr id="2" name="Title 1">
+            <a:extLst>
+              <a:ext uri="{FF2B5EF4-FFF2-40B4-BE49-F238E27FC236}">
+                <a16:creationId xmlns:a16="http://schemas.microsoft.com/office/drawing/2014/main" id="{14D7F595-0D8F-4FE6-A3EC-4557A1A457EB}"/>
+              </a:ext>
+            </a:extLst>
+          </p:cNvPr>
+          <p:cNvSpPr>
+            <a:spLocks noGrp="1"/>
+          </p:cNvSpPr>
+          <p:nvPr>
+            <p:ph type="title"/>
+          </p:nvPr>
+        </p:nvSpPr>
+        <p:spPr/>
+        <p:txBody>
+          <a:bodyPr/>
+          <a:lstStyle/>
+          <a:p>
+            <a:r>
+              <a:rPr lang="en-US">
+                <a:latin typeface="Arial" panose="020B0604020202020204" pitchFamily="34" charset="0"/>
+                <a:cs typeface="Arial" panose="020B0604020202020204" pitchFamily="34" charset="0"/>
+              </a:rPr>
+              <a:t>6.5. Actions</a:t>
+            </a:r>
+          </a:p>
+        </p:txBody>
+      </p:sp>
+      <p:sp>
+        <p:nvSpPr>
+          <p:cNvPr id="3" name="Content Placeholder 2">
+            <a:extLst>
+              <a:ext uri="{FF2B5EF4-FFF2-40B4-BE49-F238E27FC236}">
+                <a16:creationId xmlns:a16="http://schemas.microsoft.com/office/drawing/2014/main" id="{6337998B-3737-4D43-973D-24B118D723A2}"/>
+              </a:ext>
+            </a:extLst>
+          </p:cNvPr>
+          <p:cNvSpPr>
+            <a:spLocks noGrp="1"/>
+          </p:cNvSpPr>
+          <p:nvPr>
+            <p:ph idx="1"/>
+          </p:nvPr>
+        </p:nvSpPr>
+        <p:spPr>
+          <a:xfrm>
+            <a:off x="1103312" y="2183907"/>
+            <a:ext cx="9549892" cy="3986074"/>
+          </a:xfrm>
+        </p:spPr>
+        <p:txBody>
+          <a:bodyPr/>
+          <a:lstStyle/>
+          <a:p>
+            <a:r>
+              <a:rPr lang="en-US">
+                <a:latin typeface="Arial" panose="020B0604020202020204" pitchFamily="34" charset="0"/>
+                <a:cs typeface="Arial" panose="020B0604020202020204" pitchFamily="34" charset="0"/>
+              </a:rPr>
+              <a:t>Ví dụ về &lt;jsp:forward&gt;</a:t>
+            </a:r>
+          </a:p>
+          <a:p>
+            <a:pPr lvl="1"/>
+            <a:r>
+              <a:rPr lang="en-US">
+                <a:latin typeface="Arial" panose="020B0604020202020204" pitchFamily="34" charset="0"/>
+                <a:cs typeface="Arial" panose="020B0604020202020204" pitchFamily="34" charset="0"/>
+              </a:rPr>
+              <a:t>index.jsp</a:t>
+            </a:r>
+          </a:p>
+        </p:txBody>
+      </p:sp>
+      <p:pic>
+        <p:nvPicPr>
+          <p:cNvPr id="5" name="Picture 4">
+            <a:extLst>
+              <a:ext uri="{FF2B5EF4-FFF2-40B4-BE49-F238E27FC236}">
+                <a16:creationId xmlns:a16="http://schemas.microsoft.com/office/drawing/2014/main" id="{BEB0E97C-1AFA-4980-AAFE-063EF6CBB443}"/>
+              </a:ext>
+            </a:extLst>
+          </p:cNvPr>
+          <p:cNvPicPr>
+            <a:picLocks noChangeAspect="1"/>
+          </p:cNvPicPr>
+          <p:nvPr/>
+        </p:nvPicPr>
+        <p:blipFill>
+          <a:blip r:embed="rId2"/>
+          <a:stretch>
+            <a:fillRect/>
+          </a:stretch>
+        </p:blipFill>
+        <p:spPr>
+          <a:xfrm>
+            <a:off x="4745963" y="2040537"/>
+            <a:ext cx="7041490" cy="4272813"/>
+          </a:xfrm>
+          <a:prstGeom prst="rect">
+            <a:avLst/>
+          </a:prstGeom>
+        </p:spPr>
+      </p:pic>
+    </p:spTree>
+    <p:extLst>
+      <p:ext uri="{BB962C8B-B14F-4D97-AF65-F5344CB8AC3E}">
+        <p14:creationId xmlns:p14="http://schemas.microsoft.com/office/powerpoint/2010/main" val="1076921922"/>
+      </p:ext>
+    </p:extLst>
+  </p:cSld>
+  <p:clrMapOvr>
+    <a:masterClrMapping/>
+  </p:clrMapOvr>
+</p:sld>
+</file>
+
+<file path=ppt/slides/slide37.xml><?xml version="1.0" encoding="utf-8"?>
+<p:sld xmlns:a="http://schemas.openxmlformats.org/drawingml/2006/main" xmlns:r="http://schemas.openxmlformats.org/officeDocument/2006/relationships" xmlns:p="http://schemas.openxmlformats.org/presentationml/2006/main">
+  <p:cSld>
+    <p:spTree>
+      <p:nvGrpSpPr>
+        <p:cNvPr id="1" name=""/>
+        <p:cNvGrpSpPr/>
+        <p:nvPr/>
+      </p:nvGrpSpPr>
+      <p:grpSpPr>
+        <a:xfrm>
+          <a:off x="0" y="0"/>
+          <a:ext cx="0" cy="0"/>
+          <a:chOff x="0" y="0"/>
+          <a:chExt cx="0" cy="0"/>
+        </a:xfrm>
+      </p:grpSpPr>
+      <p:sp>
+        <p:nvSpPr>
+          <p:cNvPr id="2" name="Title 1">
+            <a:extLst>
+              <a:ext uri="{FF2B5EF4-FFF2-40B4-BE49-F238E27FC236}">
+                <a16:creationId xmlns:a16="http://schemas.microsoft.com/office/drawing/2014/main" id="{14D7F595-0D8F-4FE6-A3EC-4557A1A457EB}"/>
+              </a:ext>
+            </a:extLst>
+          </p:cNvPr>
+          <p:cNvSpPr>
+            <a:spLocks noGrp="1"/>
+          </p:cNvSpPr>
+          <p:nvPr>
+            <p:ph type="title"/>
+          </p:nvPr>
+        </p:nvSpPr>
+        <p:spPr/>
+        <p:txBody>
+          <a:bodyPr/>
+          <a:lstStyle/>
+          <a:p>
+            <a:r>
+              <a:rPr lang="en-US">
+                <a:latin typeface="Arial" panose="020B0604020202020204" pitchFamily="34" charset="0"/>
+                <a:cs typeface="Arial" panose="020B0604020202020204" pitchFamily="34" charset="0"/>
+              </a:rPr>
+              <a:t>6.5. Actions</a:t>
+            </a:r>
+          </a:p>
+        </p:txBody>
+      </p:sp>
+      <p:sp>
+        <p:nvSpPr>
+          <p:cNvPr id="3" name="Content Placeholder 2">
+            <a:extLst>
+              <a:ext uri="{FF2B5EF4-FFF2-40B4-BE49-F238E27FC236}">
+                <a16:creationId xmlns:a16="http://schemas.microsoft.com/office/drawing/2014/main" id="{6337998B-3737-4D43-973D-24B118D723A2}"/>
+              </a:ext>
+            </a:extLst>
+          </p:cNvPr>
+          <p:cNvSpPr>
+            <a:spLocks noGrp="1"/>
+          </p:cNvSpPr>
+          <p:nvPr>
+            <p:ph idx="1"/>
+          </p:nvPr>
+        </p:nvSpPr>
+        <p:spPr>
+          <a:xfrm>
+            <a:off x="1103312" y="2183907"/>
+            <a:ext cx="9549892" cy="3986074"/>
+          </a:xfrm>
+        </p:spPr>
+        <p:txBody>
+          <a:bodyPr/>
+          <a:lstStyle/>
+          <a:p>
+            <a:r>
+              <a:rPr lang="en-US">
+                <a:latin typeface="Arial" panose="020B0604020202020204" pitchFamily="34" charset="0"/>
+                <a:cs typeface="Arial" panose="020B0604020202020204" pitchFamily="34" charset="0"/>
+              </a:rPr>
+              <a:t>Ví dụ về &lt;jsp:forward&gt;</a:t>
+            </a:r>
+          </a:p>
+          <a:p>
+            <a:pPr lvl="1"/>
+            <a:r>
+              <a:rPr lang="en-US">
+                <a:latin typeface="Arial" panose="020B0604020202020204" pitchFamily="34" charset="0"/>
+                <a:cs typeface="Arial" panose="020B0604020202020204" pitchFamily="34" charset="0"/>
+              </a:rPr>
+              <a:t>Truy cập vào index.jsp</a:t>
+            </a:r>
+          </a:p>
+        </p:txBody>
+      </p:sp>
+      <p:pic>
+        <p:nvPicPr>
+          <p:cNvPr id="6" name="Picture 5">
+            <a:extLst>
+              <a:ext uri="{FF2B5EF4-FFF2-40B4-BE49-F238E27FC236}">
+                <a16:creationId xmlns:a16="http://schemas.microsoft.com/office/drawing/2014/main" id="{844CF025-846D-4AC1-9F92-5178627021AC}"/>
+              </a:ext>
+            </a:extLst>
+          </p:cNvPr>
+          <p:cNvPicPr>
+            <a:picLocks noChangeAspect="1"/>
+          </p:cNvPicPr>
+          <p:nvPr/>
+        </p:nvPicPr>
+        <p:blipFill>
+          <a:blip r:embed="rId2"/>
+          <a:stretch>
+            <a:fillRect/>
+          </a:stretch>
+        </p:blipFill>
+        <p:spPr>
+          <a:xfrm>
+            <a:off x="5118349" y="2368581"/>
+            <a:ext cx="6273735" cy="3348639"/>
+          </a:xfrm>
+          <a:prstGeom prst="rect">
+            <a:avLst/>
+          </a:prstGeom>
+        </p:spPr>
+      </p:pic>
+    </p:spTree>
+    <p:extLst>
+      <p:ext uri="{BB962C8B-B14F-4D97-AF65-F5344CB8AC3E}">
+        <p14:creationId xmlns:p14="http://schemas.microsoft.com/office/powerpoint/2010/main" val="295295112"/>
+      </p:ext>
+    </p:extLst>
+  </p:cSld>
+  <p:clrMapOvr>
+    <a:masterClrMapping/>
+  </p:clrMapOvr>
+</p:sld>
+</file>
+
+<file path=ppt/slides/slide38.xml><?xml version="1.0" encoding="utf-8"?>
+<p:sld xmlns:a="http://schemas.openxmlformats.org/drawingml/2006/main" xmlns:r="http://schemas.openxmlformats.org/officeDocument/2006/relationships" xmlns:p="http://schemas.openxmlformats.org/presentationml/2006/main">
+  <p:cSld>
+    <p:spTree>
+      <p:nvGrpSpPr>
+        <p:cNvPr id="1" name=""/>
+        <p:cNvGrpSpPr/>
+        <p:nvPr/>
+      </p:nvGrpSpPr>
+      <p:grpSpPr>
+        <a:xfrm>
+          <a:off x="0" y="0"/>
+          <a:ext cx="0" cy="0"/>
+          <a:chOff x="0" y="0"/>
+          <a:chExt cx="0" cy="0"/>
+        </a:xfrm>
+      </p:grpSpPr>
+      <p:sp>
+        <p:nvSpPr>
+          <p:cNvPr id="2" name="Title 1">
+            <a:extLst>
+              <a:ext uri="{FF2B5EF4-FFF2-40B4-BE49-F238E27FC236}">
+                <a16:creationId xmlns:a16="http://schemas.microsoft.com/office/drawing/2014/main" id="{14D7F595-0D8F-4FE6-A3EC-4557A1A457EB}"/>
+              </a:ext>
+            </a:extLst>
+          </p:cNvPr>
+          <p:cNvSpPr>
+            <a:spLocks noGrp="1"/>
+          </p:cNvSpPr>
+          <p:nvPr>
+            <p:ph type="title"/>
+          </p:nvPr>
+        </p:nvSpPr>
+        <p:spPr/>
+        <p:txBody>
+          <a:bodyPr/>
+          <a:lstStyle/>
+          <a:p>
+            <a:r>
+              <a:rPr lang="en-US">
+                <a:latin typeface="Arial" panose="020B0604020202020204" pitchFamily="34" charset="0"/>
+                <a:cs typeface="Arial" panose="020B0604020202020204" pitchFamily="34" charset="0"/>
+              </a:rPr>
+              <a:t>6.6. EL</a:t>
+            </a:r>
+          </a:p>
+        </p:txBody>
+      </p:sp>
+      <p:sp>
+        <p:nvSpPr>
+          <p:cNvPr id="3" name="Content Placeholder 2">
+            <a:extLst>
+              <a:ext uri="{FF2B5EF4-FFF2-40B4-BE49-F238E27FC236}">
+                <a16:creationId xmlns:a16="http://schemas.microsoft.com/office/drawing/2014/main" id="{6337998B-3737-4D43-973D-24B118D723A2}"/>
+              </a:ext>
+            </a:extLst>
+          </p:cNvPr>
+          <p:cNvSpPr>
+            <a:spLocks noGrp="1"/>
+          </p:cNvSpPr>
+          <p:nvPr>
+            <p:ph idx="1"/>
+          </p:nvPr>
+        </p:nvSpPr>
+        <p:spPr>
+          <a:xfrm>
+            <a:off x="1103312" y="2183907"/>
+            <a:ext cx="9549892" cy="3986074"/>
+          </a:xfrm>
+        </p:spPr>
+        <p:txBody>
+          <a:bodyPr/>
+          <a:lstStyle/>
+          <a:p>
+            <a:r>
+              <a:rPr lang="en-US">
+                <a:latin typeface="Arial" panose="020B0604020202020204" pitchFamily="34" charset="0"/>
+                <a:cs typeface="Arial" panose="020B0604020202020204" pitchFamily="34" charset="0"/>
+              </a:rPr>
+              <a:t>EL (Expression Language) là một cú pháp giúp đơn giản hóa việc thao tác với các đối tượng Java trong JSP.</a:t>
+            </a:r>
+          </a:p>
+          <a:p>
+            <a:r>
+              <a:rPr lang="en-US">
+                <a:latin typeface="Arial" panose="020B0604020202020204" pitchFamily="34" charset="0"/>
+                <a:cs typeface="Arial" panose="020B0604020202020204" pitchFamily="34" charset="0"/>
+              </a:rPr>
+              <a:t>Nó giúp đơn giản hóa việc: Truy xuất thuộc tính, gọi phương thức của đối tượng Java.</a:t>
+            </a:r>
+          </a:p>
+          <a:p>
+            <a:r>
+              <a:rPr lang="en-US">
+                <a:latin typeface="Arial" panose="020B0604020202020204" pitchFamily="34" charset="0"/>
+                <a:cs typeface="Arial" panose="020B0604020202020204" pitchFamily="34" charset="0"/>
+              </a:rPr>
+              <a:t>Cú pháp của EL:</a:t>
+            </a:r>
+          </a:p>
+          <a:p>
+            <a:pPr lvl="1"/>
+            <a:r>
+              <a:rPr lang="en-US">
+                <a:latin typeface="Arial" panose="020B0604020202020204" pitchFamily="34" charset="0"/>
+                <a:cs typeface="Arial" panose="020B0604020202020204" pitchFamily="34" charset="0"/>
+              </a:rPr>
+              <a:t>${ [thao tác] }</a:t>
+            </a:r>
+          </a:p>
+          <a:p>
+            <a:r>
+              <a:rPr lang="en-US">
+                <a:latin typeface="Arial" panose="020B0604020202020204" pitchFamily="34" charset="0"/>
+                <a:cs typeface="Arial" panose="020B0604020202020204" pitchFamily="34" charset="0"/>
+              </a:rPr>
+              <a:t>Ví dụ: Truy xuất thuộc tính username của người dùng</a:t>
+            </a:r>
+          </a:p>
+          <a:p>
+            <a:pPr lvl="1"/>
+            <a:r>
+              <a:rPr lang="en-US">
+                <a:latin typeface="Arial" panose="020B0604020202020204" pitchFamily="34" charset="0"/>
+                <a:cs typeface="Arial" panose="020B0604020202020204" pitchFamily="34" charset="0"/>
+              </a:rPr>
+              <a:t>${user.username}</a:t>
+            </a:r>
+          </a:p>
+          <a:p>
+            <a:r>
+              <a:rPr lang="en-US">
+                <a:latin typeface="Arial" panose="020B0604020202020204" pitchFamily="34" charset="0"/>
+                <a:cs typeface="Arial" panose="020B0604020202020204" pitchFamily="34" charset="0"/>
+              </a:rPr>
+              <a:t>Ví dụ: Gọi phương thức login của người dùng</a:t>
+            </a:r>
+          </a:p>
+          <a:p>
+            <a:pPr lvl="1"/>
+            <a:r>
+              <a:rPr lang="en-US">
+                <a:latin typeface="Arial" panose="020B0604020202020204" pitchFamily="34" charset="0"/>
+                <a:cs typeface="Arial" panose="020B0604020202020204" pitchFamily="34" charset="0"/>
+              </a:rPr>
+              <a:t>${user.login()}</a:t>
+            </a:r>
+          </a:p>
+        </p:txBody>
+      </p:sp>
+    </p:spTree>
+    <p:extLst>
+      <p:ext uri="{BB962C8B-B14F-4D97-AF65-F5344CB8AC3E}">
+        <p14:creationId xmlns:p14="http://schemas.microsoft.com/office/powerpoint/2010/main" val="522777057"/>
+      </p:ext>
+    </p:extLst>
+  </p:cSld>
+  <p:clrMapOvr>
+    <a:masterClrMapping/>
+  </p:clrMapOvr>
+</p:sld>
+</file>
+
+<file path=ppt/slides/slide39.xml><?xml version="1.0" encoding="utf-8"?>
+<p:sld xmlns:a="http://schemas.openxmlformats.org/drawingml/2006/main" xmlns:r="http://schemas.openxmlformats.org/officeDocument/2006/relationships" xmlns:p="http://schemas.openxmlformats.org/presentationml/2006/main">
+  <p:cSld>
+    <p:spTree>
+      <p:nvGrpSpPr>
+        <p:cNvPr id="1" name=""/>
+        <p:cNvGrpSpPr/>
+        <p:nvPr/>
+      </p:nvGrpSpPr>
+      <p:grpSpPr>
+        <a:xfrm>
+          <a:off x="0" y="0"/>
+          <a:ext cx="0" cy="0"/>
+          <a:chOff x="0" y="0"/>
+          <a:chExt cx="0" cy="0"/>
+        </a:xfrm>
+      </p:grpSpPr>
+      <p:sp>
+        <p:nvSpPr>
+          <p:cNvPr id="2" name="Title 1">
+            <a:extLst>
+              <a:ext uri="{FF2B5EF4-FFF2-40B4-BE49-F238E27FC236}">
+                <a16:creationId xmlns:a16="http://schemas.microsoft.com/office/drawing/2014/main" id="{14D7F595-0D8F-4FE6-A3EC-4557A1A457EB}"/>
+              </a:ext>
+            </a:extLst>
+          </p:cNvPr>
+          <p:cNvSpPr>
+            <a:spLocks noGrp="1"/>
+          </p:cNvSpPr>
+          <p:nvPr>
+            <p:ph type="title"/>
+          </p:nvPr>
+        </p:nvSpPr>
+        <p:spPr/>
+        <p:txBody>
+          <a:bodyPr/>
+          <a:lstStyle/>
+          <a:p>
+            <a:r>
+              <a:rPr lang="en-US">
+                <a:latin typeface="Arial" panose="020B0604020202020204" pitchFamily="34" charset="0"/>
+                <a:cs typeface="Arial" panose="020B0604020202020204" pitchFamily="34" charset="0"/>
+              </a:rPr>
+              <a:t>6.6. EL</a:t>
+            </a:r>
+          </a:p>
+        </p:txBody>
+      </p:sp>
+      <p:sp>
+        <p:nvSpPr>
+          <p:cNvPr id="3" name="Content Placeholder 2">
+            <a:extLst>
+              <a:ext uri="{FF2B5EF4-FFF2-40B4-BE49-F238E27FC236}">
+                <a16:creationId xmlns:a16="http://schemas.microsoft.com/office/drawing/2014/main" id="{6337998B-3737-4D43-973D-24B118D723A2}"/>
+              </a:ext>
+            </a:extLst>
+          </p:cNvPr>
+          <p:cNvSpPr>
+            <a:spLocks noGrp="1"/>
+          </p:cNvSpPr>
+          <p:nvPr>
+            <p:ph idx="1"/>
+          </p:nvPr>
+        </p:nvSpPr>
+        <p:spPr>
+          <a:xfrm>
+            <a:off x="1103312" y="2183907"/>
+            <a:ext cx="9549892" cy="3986074"/>
+          </a:xfrm>
+        </p:spPr>
+        <p:txBody>
+          <a:bodyPr/>
+          <a:lstStyle/>
+          <a:p>
+            <a:r>
+              <a:rPr lang="en-US">
+                <a:latin typeface="Arial" panose="020B0604020202020204" pitchFamily="34" charset="0"/>
+                <a:cs typeface="Arial" panose="020B0604020202020204" pitchFamily="34" charset="0"/>
+              </a:rPr>
+              <a:t>Các đối tượng mặc định thường dùng trong EL:</a:t>
+            </a:r>
+          </a:p>
+          <a:p>
+            <a:pPr lvl="1"/>
+            <a:r>
+              <a:rPr lang="en-US">
+                <a:latin typeface="Arial" panose="020B0604020202020204" pitchFamily="34" charset="0"/>
+                <a:cs typeface="Arial" panose="020B0604020202020204" pitchFamily="34" charset="0"/>
+              </a:rPr>
+              <a:t>pageScope: Đối tượng lưu giữ biến cục bộ trong trang</a:t>
+            </a:r>
+          </a:p>
+          <a:p>
+            <a:pPr lvl="1"/>
+            <a:r>
+              <a:rPr lang="en-US">
+                <a:latin typeface="Arial" panose="020B0604020202020204" pitchFamily="34" charset="0"/>
+                <a:cs typeface="Arial" panose="020B0604020202020204" pitchFamily="34" charset="0"/>
+              </a:rPr>
+              <a:t>requestScope: Tương tự như đối tượng thuộc lớp HttpServletRequest trong phương thức doGet, doPost của lớp HttpServlet</a:t>
+            </a:r>
+          </a:p>
+          <a:p>
+            <a:pPr lvl="1"/>
+            <a:r>
+              <a:rPr lang="en-US">
+                <a:latin typeface="Arial" panose="020B0604020202020204" pitchFamily="34" charset="0"/>
+                <a:cs typeface="Arial" panose="020B0604020202020204" pitchFamily="34" charset="0"/>
+              </a:rPr>
+              <a:t>sessionScope: Tương tự như đối tượng HttpSession được sử dụng trong xử lý yêu cầu bằng các đối tượng thuộc lớp HttpServlet.</a:t>
+            </a:r>
+          </a:p>
+          <a:p>
+            <a:pPr lvl="1"/>
+            <a:r>
+              <a:rPr lang="en-US">
+                <a:latin typeface="Arial" panose="020B0604020202020204" pitchFamily="34" charset="0"/>
+                <a:cs typeface="Arial" panose="020B0604020202020204" pitchFamily="34" charset="0"/>
+              </a:rPr>
+              <a:t>param: Đối tượng này lưu giữ các tham số của yêu cầu HTTP.</a:t>
+            </a:r>
+          </a:p>
+        </p:txBody>
+      </p:sp>
+    </p:spTree>
+    <p:extLst>
+      <p:ext uri="{BB962C8B-B14F-4D97-AF65-F5344CB8AC3E}">
+        <p14:creationId xmlns:p14="http://schemas.microsoft.com/office/powerpoint/2010/main" val="149233634"/>
       </p:ext>
     </p:extLst>
   </p:cSld>
@@ -7562,21 +10625,61 @@
           </a:p>
         </p:txBody>
       </p:sp>
+      <p:sp>
+        <p:nvSpPr>
+          <p:cNvPr id="3" name="Content Placeholder 2">
+            <a:extLst>
+              <a:ext uri="{FF2B5EF4-FFF2-40B4-BE49-F238E27FC236}">
+                <a16:creationId xmlns:a16="http://schemas.microsoft.com/office/drawing/2014/main" id="{6337998B-3737-4D43-973D-24B118D723A2}"/>
+              </a:ext>
+            </a:extLst>
+          </p:cNvPr>
+          <p:cNvSpPr>
+            <a:spLocks noGrp="1"/>
+          </p:cNvSpPr>
+          <p:nvPr>
+            <p:ph idx="1"/>
+          </p:nvPr>
+        </p:nvSpPr>
+        <p:spPr>
+          <a:xfrm>
+            <a:off x="1103311" y="2183907"/>
+            <a:ext cx="9034987" cy="3986074"/>
+          </a:xfrm>
+        </p:spPr>
+        <p:txBody>
+          <a:bodyPr/>
+          <a:lstStyle/>
+          <a:p>
+            <a:r>
+              <a:rPr lang="en-US">
+                <a:latin typeface="Arial" panose="020B0604020202020204" pitchFamily="34" charset="0"/>
+                <a:cs typeface="Arial" panose="020B0604020202020204" pitchFamily="34" charset="0"/>
+              </a:rPr>
+              <a:t>Sự khởi tạo của các Servlet</a:t>
+            </a:r>
+          </a:p>
+          <a:p>
+            <a:endParaRPr lang="en-US">
+              <a:latin typeface="Arial" panose="020B0604020202020204" pitchFamily="34" charset="0"/>
+              <a:cs typeface="Arial" panose="020B0604020202020204" pitchFamily="34" charset="0"/>
+            </a:endParaRPr>
+          </a:p>
+        </p:txBody>
+      </p:sp>
       <p:pic>
         <p:nvPicPr>
-          <p:cNvPr id="5" name="Content Placeholder 4">
-            <a:extLst>
-              <a:ext uri="{FF2B5EF4-FFF2-40B4-BE49-F238E27FC236}">
-                <a16:creationId xmlns:a16="http://schemas.microsoft.com/office/drawing/2014/main" id="{FA3A2DA8-3409-4C7D-B300-07ED7C0DF90A}"/>
+          <p:cNvPr id="5" name="Picture 4">
+            <a:extLst>
+              <a:ext uri="{FF2B5EF4-FFF2-40B4-BE49-F238E27FC236}">
+                <a16:creationId xmlns:a16="http://schemas.microsoft.com/office/drawing/2014/main" id="{4C50E608-58AB-441D-835F-F9A4318746EF}"/>
               </a:ext>
             </a:extLst>
           </p:cNvPr>
           <p:cNvPicPr>
-            <a:picLocks noGrp="1" noChangeAspect="1"/>
+            <a:picLocks noChangeAspect="1"/>
           </p:cNvPicPr>
-          <p:nvPr>
-            <p:ph idx="1"/>
-          </p:nvPr>
+          <p:nvPr/>
         </p:nvPicPr>
         <p:blipFill>
           <a:blip r:embed="rId2"/>
@@ -7586,15 +10689,1487 @@
         </p:blipFill>
         <p:spPr>
           <a:xfrm>
-            <a:off x="2675487" y="1429990"/>
-            <a:ext cx="6841026" cy="4975292"/>
-          </a:xfrm>
+            <a:off x="2868650" y="3123858"/>
+            <a:ext cx="6454699" cy="2758679"/>
+          </a:xfrm>
+          <a:prstGeom prst="rect">
+            <a:avLst/>
+          </a:prstGeom>
         </p:spPr>
       </p:pic>
     </p:spTree>
     <p:extLst>
       <p:ext uri="{BB962C8B-B14F-4D97-AF65-F5344CB8AC3E}">
-        <p14:creationId xmlns:p14="http://schemas.microsoft.com/office/powerpoint/2010/main" val="2230019829"/>
+        <p14:creationId xmlns:p14="http://schemas.microsoft.com/office/powerpoint/2010/main" val="856569382"/>
+      </p:ext>
+    </p:extLst>
+  </p:cSld>
+  <p:clrMapOvr>
+    <a:masterClrMapping/>
+  </p:clrMapOvr>
+</p:sld>
+</file>
+
+<file path=ppt/slides/slide40.xml><?xml version="1.0" encoding="utf-8"?>
+<p:sld xmlns:a="http://schemas.openxmlformats.org/drawingml/2006/main" xmlns:r="http://schemas.openxmlformats.org/officeDocument/2006/relationships" xmlns:p="http://schemas.openxmlformats.org/presentationml/2006/main">
+  <p:cSld>
+    <p:spTree>
+      <p:nvGrpSpPr>
+        <p:cNvPr id="1" name=""/>
+        <p:cNvGrpSpPr/>
+        <p:nvPr/>
+      </p:nvGrpSpPr>
+      <p:grpSpPr>
+        <a:xfrm>
+          <a:off x="0" y="0"/>
+          <a:ext cx="0" cy="0"/>
+          <a:chOff x="0" y="0"/>
+          <a:chExt cx="0" cy="0"/>
+        </a:xfrm>
+      </p:grpSpPr>
+      <p:sp>
+        <p:nvSpPr>
+          <p:cNvPr id="2" name="Title 1">
+            <a:extLst>
+              <a:ext uri="{FF2B5EF4-FFF2-40B4-BE49-F238E27FC236}">
+                <a16:creationId xmlns:a16="http://schemas.microsoft.com/office/drawing/2014/main" id="{14D7F595-0D8F-4FE6-A3EC-4557A1A457EB}"/>
+              </a:ext>
+            </a:extLst>
+          </p:cNvPr>
+          <p:cNvSpPr>
+            <a:spLocks noGrp="1"/>
+          </p:cNvSpPr>
+          <p:nvPr>
+            <p:ph type="title"/>
+          </p:nvPr>
+        </p:nvSpPr>
+        <p:spPr/>
+        <p:txBody>
+          <a:bodyPr/>
+          <a:lstStyle/>
+          <a:p>
+            <a:r>
+              <a:rPr lang="en-US">
+                <a:latin typeface="Arial" panose="020B0604020202020204" pitchFamily="34" charset="0"/>
+                <a:cs typeface="Arial" panose="020B0604020202020204" pitchFamily="34" charset="0"/>
+              </a:rPr>
+              <a:t>6.6. EL</a:t>
+            </a:r>
+          </a:p>
+        </p:txBody>
+      </p:sp>
+      <p:sp>
+        <p:nvSpPr>
+          <p:cNvPr id="3" name="Content Placeholder 2">
+            <a:extLst>
+              <a:ext uri="{FF2B5EF4-FFF2-40B4-BE49-F238E27FC236}">
+                <a16:creationId xmlns:a16="http://schemas.microsoft.com/office/drawing/2014/main" id="{6337998B-3737-4D43-973D-24B118D723A2}"/>
+              </a:ext>
+            </a:extLst>
+          </p:cNvPr>
+          <p:cNvSpPr>
+            <a:spLocks noGrp="1"/>
+          </p:cNvSpPr>
+          <p:nvPr>
+            <p:ph idx="1"/>
+          </p:nvPr>
+        </p:nvSpPr>
+        <p:spPr>
+          <a:xfrm>
+            <a:off x="1103312" y="2183907"/>
+            <a:ext cx="9549892" cy="3986074"/>
+          </a:xfrm>
+        </p:spPr>
+        <p:txBody>
+          <a:bodyPr/>
+          <a:lstStyle/>
+          <a:p>
+            <a:r>
+              <a:rPr lang="en-US">
+                <a:latin typeface="Arial" panose="020B0604020202020204" pitchFamily="34" charset="0"/>
+                <a:cs typeface="Arial" panose="020B0604020202020204" pitchFamily="34" charset="0"/>
+              </a:rPr>
+              <a:t>Các toán tử (operators) trong EL:</a:t>
+            </a:r>
+          </a:p>
+          <a:p>
+            <a:pPr lvl="1"/>
+            <a:r>
+              <a:rPr lang="en-US">
+                <a:latin typeface="Arial" panose="020B0604020202020204" pitchFamily="34" charset="0"/>
+                <a:cs typeface="Arial" panose="020B0604020202020204" pitchFamily="34" charset="0"/>
+              </a:rPr>
+              <a:t>Các phép toán cơ bản:</a:t>
+            </a:r>
+          </a:p>
+          <a:p>
+            <a:pPr lvl="2"/>
+            <a:r>
+              <a:rPr lang="en-US">
+                <a:latin typeface="Arial" panose="020B0604020202020204" pitchFamily="34" charset="0"/>
+                <a:cs typeface="Arial" panose="020B0604020202020204" pitchFamily="34" charset="0"/>
+              </a:rPr>
+              <a:t>+ : Phép cộng</a:t>
+            </a:r>
+          </a:p>
+          <a:p>
+            <a:pPr lvl="2"/>
+            <a:r>
+              <a:rPr lang="en-US">
+                <a:latin typeface="Arial" panose="020B0604020202020204" pitchFamily="34" charset="0"/>
+                <a:cs typeface="Arial" panose="020B0604020202020204" pitchFamily="34" charset="0"/>
+              </a:rPr>
+              <a:t>- : Phép trừ</a:t>
+            </a:r>
+          </a:p>
+          <a:p>
+            <a:pPr lvl="2"/>
+            <a:r>
+              <a:rPr lang="en-US">
+                <a:latin typeface="Arial" panose="020B0604020202020204" pitchFamily="34" charset="0"/>
+                <a:cs typeface="Arial" panose="020B0604020202020204" pitchFamily="34" charset="0"/>
+              </a:rPr>
+              <a:t>* : Phép nhân</a:t>
+            </a:r>
+          </a:p>
+          <a:p>
+            <a:pPr lvl="2"/>
+            <a:r>
+              <a:rPr lang="en-US">
+                <a:latin typeface="Arial" panose="020B0604020202020204" pitchFamily="34" charset="0"/>
+                <a:cs typeface="Arial" panose="020B0604020202020204" pitchFamily="34" charset="0"/>
+              </a:rPr>
+              <a:t>/ : Phép chia</a:t>
+            </a:r>
+          </a:p>
+          <a:p>
+            <a:pPr lvl="2"/>
+            <a:r>
+              <a:rPr lang="en-US">
+                <a:latin typeface="Arial" panose="020B0604020202020204" pitchFamily="34" charset="0"/>
+                <a:cs typeface="Arial" panose="020B0604020202020204" pitchFamily="34" charset="0"/>
+              </a:rPr>
+              <a:t>% : Phép chia lấy dư (modulus)</a:t>
+            </a:r>
+          </a:p>
+        </p:txBody>
+      </p:sp>
+    </p:spTree>
+    <p:extLst>
+      <p:ext uri="{BB962C8B-B14F-4D97-AF65-F5344CB8AC3E}">
+        <p14:creationId xmlns:p14="http://schemas.microsoft.com/office/powerpoint/2010/main" val="1139571282"/>
+      </p:ext>
+    </p:extLst>
+  </p:cSld>
+  <p:clrMapOvr>
+    <a:masterClrMapping/>
+  </p:clrMapOvr>
+</p:sld>
+</file>
+
+<file path=ppt/slides/slide41.xml><?xml version="1.0" encoding="utf-8"?>
+<p:sld xmlns:a="http://schemas.openxmlformats.org/drawingml/2006/main" xmlns:r="http://schemas.openxmlformats.org/officeDocument/2006/relationships" xmlns:p="http://schemas.openxmlformats.org/presentationml/2006/main">
+  <p:cSld>
+    <p:spTree>
+      <p:nvGrpSpPr>
+        <p:cNvPr id="1" name=""/>
+        <p:cNvGrpSpPr/>
+        <p:nvPr/>
+      </p:nvGrpSpPr>
+      <p:grpSpPr>
+        <a:xfrm>
+          <a:off x="0" y="0"/>
+          <a:ext cx="0" cy="0"/>
+          <a:chOff x="0" y="0"/>
+          <a:chExt cx="0" cy="0"/>
+        </a:xfrm>
+      </p:grpSpPr>
+      <p:sp>
+        <p:nvSpPr>
+          <p:cNvPr id="2" name="Title 1">
+            <a:extLst>
+              <a:ext uri="{FF2B5EF4-FFF2-40B4-BE49-F238E27FC236}">
+                <a16:creationId xmlns:a16="http://schemas.microsoft.com/office/drawing/2014/main" id="{14D7F595-0D8F-4FE6-A3EC-4557A1A457EB}"/>
+              </a:ext>
+            </a:extLst>
+          </p:cNvPr>
+          <p:cNvSpPr>
+            <a:spLocks noGrp="1"/>
+          </p:cNvSpPr>
+          <p:nvPr>
+            <p:ph type="title"/>
+          </p:nvPr>
+        </p:nvSpPr>
+        <p:spPr/>
+        <p:txBody>
+          <a:bodyPr/>
+          <a:lstStyle/>
+          <a:p>
+            <a:r>
+              <a:rPr lang="en-US">
+                <a:latin typeface="Arial" panose="020B0604020202020204" pitchFamily="34" charset="0"/>
+                <a:cs typeface="Arial" panose="020B0604020202020204" pitchFamily="34" charset="0"/>
+              </a:rPr>
+              <a:t>6.6. EL</a:t>
+            </a:r>
+          </a:p>
+        </p:txBody>
+      </p:sp>
+      <p:sp>
+        <p:nvSpPr>
+          <p:cNvPr id="3" name="Content Placeholder 2">
+            <a:extLst>
+              <a:ext uri="{FF2B5EF4-FFF2-40B4-BE49-F238E27FC236}">
+                <a16:creationId xmlns:a16="http://schemas.microsoft.com/office/drawing/2014/main" id="{6337998B-3737-4D43-973D-24B118D723A2}"/>
+              </a:ext>
+            </a:extLst>
+          </p:cNvPr>
+          <p:cNvSpPr>
+            <a:spLocks noGrp="1"/>
+          </p:cNvSpPr>
+          <p:nvPr>
+            <p:ph idx="1"/>
+          </p:nvPr>
+        </p:nvSpPr>
+        <p:spPr>
+          <a:xfrm>
+            <a:off x="1103312" y="2183907"/>
+            <a:ext cx="9549892" cy="3986074"/>
+          </a:xfrm>
+        </p:spPr>
+        <p:txBody>
+          <a:bodyPr/>
+          <a:lstStyle/>
+          <a:p>
+            <a:r>
+              <a:rPr lang="en-US">
+                <a:latin typeface="Arial" panose="020B0604020202020204" pitchFamily="34" charset="0"/>
+                <a:cs typeface="Arial" panose="020B0604020202020204" pitchFamily="34" charset="0"/>
+              </a:rPr>
+              <a:t>Các toán tử (operators) trong EL:</a:t>
+            </a:r>
+          </a:p>
+          <a:p>
+            <a:pPr lvl="1"/>
+            <a:r>
+              <a:rPr lang="en-US">
+                <a:latin typeface="Arial" panose="020B0604020202020204" pitchFamily="34" charset="0"/>
+                <a:cs typeface="Arial" panose="020B0604020202020204" pitchFamily="34" charset="0"/>
+              </a:rPr>
+              <a:t>Các phép so sánh:</a:t>
+            </a:r>
+          </a:p>
+          <a:p>
+            <a:pPr lvl="2"/>
+            <a:r>
+              <a:rPr lang="en-US">
+                <a:latin typeface="Arial" panose="020B0604020202020204" pitchFamily="34" charset="0"/>
+                <a:cs typeface="Arial" panose="020B0604020202020204" pitchFamily="34" charset="0"/>
+              </a:rPr>
+              <a:t>== hay eq: So sánh bằng</a:t>
+            </a:r>
+          </a:p>
+          <a:p>
+            <a:pPr lvl="2"/>
+            <a:r>
+              <a:rPr lang="en-US">
+                <a:latin typeface="Arial" panose="020B0604020202020204" pitchFamily="34" charset="0"/>
+                <a:cs typeface="Arial" panose="020B0604020202020204" pitchFamily="34" charset="0"/>
+              </a:rPr>
+              <a:t>!= hay ne: So sánh khác</a:t>
+            </a:r>
+          </a:p>
+          <a:p>
+            <a:pPr lvl="2"/>
+            <a:r>
+              <a:rPr lang="en-US">
+                <a:latin typeface="Arial" panose="020B0604020202020204" pitchFamily="34" charset="0"/>
+                <a:cs typeface="Arial" panose="020B0604020202020204" pitchFamily="34" charset="0"/>
+              </a:rPr>
+              <a:t>&lt; hay lt: So sánh bé hơn</a:t>
+            </a:r>
+          </a:p>
+          <a:p>
+            <a:pPr lvl="2"/>
+            <a:r>
+              <a:rPr lang="en-US">
+                <a:latin typeface="Arial" panose="020B0604020202020204" pitchFamily="34" charset="0"/>
+                <a:cs typeface="Arial" panose="020B0604020202020204" pitchFamily="34" charset="0"/>
+              </a:rPr>
+              <a:t>&gt; hay gt: So sán lớn hơn</a:t>
+            </a:r>
+          </a:p>
+          <a:p>
+            <a:pPr lvl="2"/>
+            <a:r>
+              <a:rPr lang="en-US">
+                <a:latin typeface="Arial" panose="020B0604020202020204" pitchFamily="34" charset="0"/>
+                <a:cs typeface="Arial" panose="020B0604020202020204" pitchFamily="34" charset="0"/>
+              </a:rPr>
+              <a:t>&lt;= hay le: So sánh bé hơn hoặc bằng</a:t>
+            </a:r>
+          </a:p>
+          <a:p>
+            <a:pPr lvl="2"/>
+            <a:r>
+              <a:rPr lang="en-US">
+                <a:latin typeface="Arial" panose="020B0604020202020204" pitchFamily="34" charset="0"/>
+                <a:cs typeface="Arial" panose="020B0604020202020204" pitchFamily="34" charset="0"/>
+              </a:rPr>
+              <a:t>&gt;= hay ge: So sánh lớn hơn hoặc bằng</a:t>
+            </a:r>
+          </a:p>
+        </p:txBody>
+      </p:sp>
+    </p:spTree>
+    <p:extLst>
+      <p:ext uri="{BB962C8B-B14F-4D97-AF65-F5344CB8AC3E}">
+        <p14:creationId xmlns:p14="http://schemas.microsoft.com/office/powerpoint/2010/main" val="1587287062"/>
+      </p:ext>
+    </p:extLst>
+  </p:cSld>
+  <p:clrMapOvr>
+    <a:masterClrMapping/>
+  </p:clrMapOvr>
+</p:sld>
+</file>
+
+<file path=ppt/slides/slide42.xml><?xml version="1.0" encoding="utf-8"?>
+<p:sld xmlns:a="http://schemas.openxmlformats.org/drawingml/2006/main" xmlns:r="http://schemas.openxmlformats.org/officeDocument/2006/relationships" xmlns:p="http://schemas.openxmlformats.org/presentationml/2006/main">
+  <p:cSld>
+    <p:spTree>
+      <p:nvGrpSpPr>
+        <p:cNvPr id="1" name=""/>
+        <p:cNvGrpSpPr/>
+        <p:nvPr/>
+      </p:nvGrpSpPr>
+      <p:grpSpPr>
+        <a:xfrm>
+          <a:off x="0" y="0"/>
+          <a:ext cx="0" cy="0"/>
+          <a:chOff x="0" y="0"/>
+          <a:chExt cx="0" cy="0"/>
+        </a:xfrm>
+      </p:grpSpPr>
+      <p:sp>
+        <p:nvSpPr>
+          <p:cNvPr id="2" name="Title 1">
+            <a:extLst>
+              <a:ext uri="{FF2B5EF4-FFF2-40B4-BE49-F238E27FC236}">
+                <a16:creationId xmlns:a16="http://schemas.microsoft.com/office/drawing/2014/main" id="{14D7F595-0D8F-4FE6-A3EC-4557A1A457EB}"/>
+              </a:ext>
+            </a:extLst>
+          </p:cNvPr>
+          <p:cNvSpPr>
+            <a:spLocks noGrp="1"/>
+          </p:cNvSpPr>
+          <p:nvPr>
+            <p:ph type="title"/>
+          </p:nvPr>
+        </p:nvSpPr>
+        <p:spPr/>
+        <p:txBody>
+          <a:bodyPr/>
+          <a:lstStyle/>
+          <a:p>
+            <a:r>
+              <a:rPr lang="en-US">
+                <a:latin typeface="Arial" panose="020B0604020202020204" pitchFamily="34" charset="0"/>
+                <a:cs typeface="Arial" panose="020B0604020202020204" pitchFamily="34" charset="0"/>
+              </a:rPr>
+              <a:t>6.6. EL</a:t>
+            </a:r>
+          </a:p>
+        </p:txBody>
+      </p:sp>
+      <p:sp>
+        <p:nvSpPr>
+          <p:cNvPr id="3" name="Content Placeholder 2">
+            <a:extLst>
+              <a:ext uri="{FF2B5EF4-FFF2-40B4-BE49-F238E27FC236}">
+                <a16:creationId xmlns:a16="http://schemas.microsoft.com/office/drawing/2014/main" id="{6337998B-3737-4D43-973D-24B118D723A2}"/>
+              </a:ext>
+            </a:extLst>
+          </p:cNvPr>
+          <p:cNvSpPr>
+            <a:spLocks noGrp="1"/>
+          </p:cNvSpPr>
+          <p:nvPr>
+            <p:ph idx="1"/>
+          </p:nvPr>
+        </p:nvSpPr>
+        <p:spPr>
+          <a:xfrm>
+            <a:off x="1103312" y="2183907"/>
+            <a:ext cx="9549892" cy="3986074"/>
+          </a:xfrm>
+        </p:spPr>
+        <p:txBody>
+          <a:bodyPr/>
+          <a:lstStyle/>
+          <a:p>
+            <a:r>
+              <a:rPr lang="en-US">
+                <a:latin typeface="Arial" panose="020B0604020202020204" pitchFamily="34" charset="0"/>
+                <a:cs typeface="Arial" panose="020B0604020202020204" pitchFamily="34" charset="0"/>
+              </a:rPr>
+              <a:t>Các toán tử (operators) trong EL:</a:t>
+            </a:r>
+          </a:p>
+          <a:p>
+            <a:pPr lvl="1"/>
+            <a:r>
+              <a:rPr lang="en-US">
+                <a:latin typeface="Arial" panose="020B0604020202020204" pitchFamily="34" charset="0"/>
+                <a:cs typeface="Arial" panose="020B0604020202020204" pitchFamily="34" charset="0"/>
+              </a:rPr>
+              <a:t>Các toán tử logic:</a:t>
+            </a:r>
+          </a:p>
+          <a:p>
+            <a:pPr lvl="2"/>
+            <a:r>
+              <a:rPr lang="en-US">
+                <a:latin typeface="Arial" panose="020B0604020202020204" pitchFamily="34" charset="0"/>
+                <a:cs typeface="Arial" panose="020B0604020202020204" pitchFamily="34" charset="0"/>
+              </a:rPr>
+              <a:t>&amp;&amp; hay and: Phép và</a:t>
+            </a:r>
+          </a:p>
+          <a:p>
+            <a:pPr lvl="2"/>
+            <a:r>
+              <a:rPr lang="en-US">
+                <a:latin typeface="Arial" panose="020B0604020202020204" pitchFamily="34" charset="0"/>
+                <a:cs typeface="Arial" panose="020B0604020202020204" pitchFamily="34" charset="0"/>
+              </a:rPr>
+              <a:t>|| hay or: Phép hoặc</a:t>
+            </a:r>
+          </a:p>
+          <a:p>
+            <a:pPr lvl="2"/>
+            <a:r>
+              <a:rPr lang="en-US">
+                <a:latin typeface="Arial" panose="020B0604020202020204" pitchFamily="34" charset="0"/>
+                <a:cs typeface="Arial" panose="020B0604020202020204" pitchFamily="34" charset="0"/>
+              </a:rPr>
+              <a:t>! hay not: Phép phu định</a:t>
+            </a:r>
+          </a:p>
+          <a:p>
+            <a:pPr lvl="2"/>
+            <a:r>
+              <a:rPr lang="en-US">
+                <a:latin typeface="Arial" panose="020B0604020202020204" pitchFamily="34" charset="0"/>
+                <a:cs typeface="Arial" panose="020B0604020202020204" pitchFamily="34" charset="0"/>
+              </a:rPr>
+              <a:t>empty: Phép kiểm tra rỗng (tương tự: == null)</a:t>
+            </a:r>
+          </a:p>
+        </p:txBody>
+      </p:sp>
+    </p:spTree>
+    <p:extLst>
+      <p:ext uri="{BB962C8B-B14F-4D97-AF65-F5344CB8AC3E}">
+        <p14:creationId xmlns:p14="http://schemas.microsoft.com/office/powerpoint/2010/main" val="1651543695"/>
+      </p:ext>
+    </p:extLst>
+  </p:cSld>
+  <p:clrMapOvr>
+    <a:masterClrMapping/>
+  </p:clrMapOvr>
+</p:sld>
+</file>
+
+<file path=ppt/slides/slide43.xml><?xml version="1.0" encoding="utf-8"?>
+<p:sld xmlns:a="http://schemas.openxmlformats.org/drawingml/2006/main" xmlns:r="http://schemas.openxmlformats.org/officeDocument/2006/relationships" xmlns:p="http://schemas.openxmlformats.org/presentationml/2006/main">
+  <p:cSld>
+    <p:spTree>
+      <p:nvGrpSpPr>
+        <p:cNvPr id="1" name=""/>
+        <p:cNvGrpSpPr/>
+        <p:nvPr/>
+      </p:nvGrpSpPr>
+      <p:grpSpPr>
+        <a:xfrm>
+          <a:off x="0" y="0"/>
+          <a:ext cx="0" cy="0"/>
+          <a:chOff x="0" y="0"/>
+          <a:chExt cx="0" cy="0"/>
+        </a:xfrm>
+      </p:grpSpPr>
+      <p:sp>
+        <p:nvSpPr>
+          <p:cNvPr id="2" name="Title 1">
+            <a:extLst>
+              <a:ext uri="{FF2B5EF4-FFF2-40B4-BE49-F238E27FC236}">
+                <a16:creationId xmlns:a16="http://schemas.microsoft.com/office/drawing/2014/main" id="{14D7F595-0D8F-4FE6-A3EC-4557A1A457EB}"/>
+              </a:ext>
+            </a:extLst>
+          </p:cNvPr>
+          <p:cNvSpPr>
+            <a:spLocks noGrp="1"/>
+          </p:cNvSpPr>
+          <p:nvPr>
+            <p:ph type="title"/>
+          </p:nvPr>
+        </p:nvSpPr>
+        <p:spPr/>
+        <p:txBody>
+          <a:bodyPr/>
+          <a:lstStyle/>
+          <a:p>
+            <a:r>
+              <a:rPr lang="en-US">
+                <a:latin typeface="Arial" panose="020B0604020202020204" pitchFamily="34" charset="0"/>
+                <a:cs typeface="Arial" panose="020B0604020202020204" pitchFamily="34" charset="0"/>
+              </a:rPr>
+              <a:t>6.7. JSTL</a:t>
+            </a:r>
+          </a:p>
+        </p:txBody>
+      </p:sp>
+      <p:sp>
+        <p:nvSpPr>
+          <p:cNvPr id="3" name="Content Placeholder 2">
+            <a:extLst>
+              <a:ext uri="{FF2B5EF4-FFF2-40B4-BE49-F238E27FC236}">
+                <a16:creationId xmlns:a16="http://schemas.microsoft.com/office/drawing/2014/main" id="{6337998B-3737-4D43-973D-24B118D723A2}"/>
+              </a:ext>
+            </a:extLst>
+          </p:cNvPr>
+          <p:cNvSpPr>
+            <a:spLocks noGrp="1"/>
+          </p:cNvSpPr>
+          <p:nvPr>
+            <p:ph idx="1"/>
+          </p:nvPr>
+        </p:nvSpPr>
+        <p:spPr>
+          <a:xfrm>
+            <a:off x="1103312" y="1624614"/>
+            <a:ext cx="9549892" cy="4545367"/>
+          </a:xfrm>
+        </p:spPr>
+        <p:txBody>
+          <a:bodyPr/>
+          <a:lstStyle/>
+          <a:p>
+            <a:r>
+              <a:rPr lang="en-US">
+                <a:latin typeface="Arial" panose="020B0604020202020204" pitchFamily="34" charset="0"/>
+                <a:cs typeface="Arial" panose="020B0604020202020204" pitchFamily="34" charset="0"/>
+              </a:rPr>
+              <a:t>JSTL (Java Standard Tags Library) là một thư viện thẻ Java hỗ trợ mạnh mẽ cho JSP.</a:t>
+            </a:r>
+          </a:p>
+          <a:p>
+            <a:r>
+              <a:rPr lang="en-US">
+                <a:latin typeface="Arial" panose="020B0604020202020204" pitchFamily="34" charset="0"/>
+                <a:cs typeface="Arial" panose="020B0604020202020204" pitchFamily="34" charset="0"/>
+              </a:rPr>
+              <a:t>JSTL cung cấp những thẻ XML giúp việc tạo nội dung động trong JSP trở nên dễ dàng hơn, hiệu quả hơn và rút ngắn thời gian rất đáng kể.</a:t>
+            </a:r>
+          </a:p>
+          <a:p>
+            <a:r>
+              <a:rPr lang="en-US">
+                <a:latin typeface="Arial" panose="020B0604020202020204" pitchFamily="34" charset="0"/>
+                <a:cs typeface="Arial" panose="020B0604020202020204" pitchFamily="34" charset="0"/>
+              </a:rPr>
+              <a:t>JSTL giúp thực hiện các thao tác như:</a:t>
+            </a:r>
+          </a:p>
+          <a:p>
+            <a:pPr lvl="1"/>
+            <a:r>
+              <a:rPr lang="en-US">
+                <a:latin typeface="Arial" panose="020B0604020202020204" pitchFamily="34" charset="0"/>
+                <a:cs typeface="Arial" panose="020B0604020202020204" pitchFamily="34" charset="0"/>
+              </a:rPr>
+              <a:t>Tạo nội dung có điều kiện, có tính toán</a:t>
+            </a:r>
+          </a:p>
+          <a:p>
+            <a:pPr lvl="1"/>
+            <a:r>
+              <a:rPr lang="en-US">
+                <a:latin typeface="Arial" panose="020B0604020202020204" pitchFamily="34" charset="0"/>
+                <a:cs typeface="Arial" panose="020B0604020202020204" pitchFamily="34" charset="0"/>
+              </a:rPr>
+              <a:t>Thực hiện vòng lặp tạo nội dung</a:t>
+            </a:r>
+          </a:p>
+          <a:p>
+            <a:pPr lvl="1"/>
+            <a:r>
+              <a:rPr lang="en-US">
+                <a:latin typeface="Arial" panose="020B0604020202020204" pitchFamily="34" charset="0"/>
+                <a:cs typeface="Arial" panose="020B0604020202020204" pitchFamily="34" charset="0"/>
+              </a:rPr>
+              <a:t>Xuất nội dung từ thuộc tính của đối tượng Java</a:t>
+            </a:r>
+          </a:p>
+          <a:p>
+            <a:pPr lvl="1"/>
+            <a:r>
+              <a:rPr lang="en-US">
+                <a:latin typeface="Arial" panose="020B0604020202020204" pitchFamily="34" charset="0"/>
+                <a:cs typeface="Arial" panose="020B0604020202020204" pitchFamily="34" charset="0"/>
+              </a:rPr>
+              <a:t>...</a:t>
+            </a:r>
+          </a:p>
+          <a:p>
+            <a:r>
+              <a:rPr lang="en-US">
+                <a:latin typeface="Arial" panose="020B0604020202020204" pitchFamily="34" charset="0"/>
+                <a:cs typeface="Arial" panose="020B0604020202020204" pitchFamily="34" charset="0"/>
+              </a:rPr>
+              <a:t>JSTL thường được sử dụng kết hợp với EL. Là một bộ đôi cực kỳ mạnh mẽ trong lập trình web Java theo JavaEE framework.</a:t>
+            </a:r>
+          </a:p>
+        </p:txBody>
+      </p:sp>
+    </p:spTree>
+    <p:extLst>
+      <p:ext uri="{BB962C8B-B14F-4D97-AF65-F5344CB8AC3E}">
+        <p14:creationId xmlns:p14="http://schemas.microsoft.com/office/powerpoint/2010/main" val="2703506101"/>
+      </p:ext>
+    </p:extLst>
+  </p:cSld>
+  <p:clrMapOvr>
+    <a:masterClrMapping/>
+  </p:clrMapOvr>
+</p:sld>
+</file>
+
+<file path=ppt/slides/slide44.xml><?xml version="1.0" encoding="utf-8"?>
+<p:sld xmlns:a="http://schemas.openxmlformats.org/drawingml/2006/main" xmlns:r="http://schemas.openxmlformats.org/officeDocument/2006/relationships" xmlns:p="http://schemas.openxmlformats.org/presentationml/2006/main">
+  <p:cSld>
+    <p:spTree>
+      <p:nvGrpSpPr>
+        <p:cNvPr id="1" name=""/>
+        <p:cNvGrpSpPr/>
+        <p:nvPr/>
+      </p:nvGrpSpPr>
+      <p:grpSpPr>
+        <a:xfrm>
+          <a:off x="0" y="0"/>
+          <a:ext cx="0" cy="0"/>
+          <a:chOff x="0" y="0"/>
+          <a:chExt cx="0" cy="0"/>
+        </a:xfrm>
+      </p:grpSpPr>
+      <p:sp>
+        <p:nvSpPr>
+          <p:cNvPr id="2" name="Title 1">
+            <a:extLst>
+              <a:ext uri="{FF2B5EF4-FFF2-40B4-BE49-F238E27FC236}">
+                <a16:creationId xmlns:a16="http://schemas.microsoft.com/office/drawing/2014/main" id="{14D7F595-0D8F-4FE6-A3EC-4557A1A457EB}"/>
+              </a:ext>
+            </a:extLst>
+          </p:cNvPr>
+          <p:cNvSpPr>
+            <a:spLocks noGrp="1"/>
+          </p:cNvSpPr>
+          <p:nvPr>
+            <p:ph type="title"/>
+          </p:nvPr>
+        </p:nvSpPr>
+        <p:spPr/>
+        <p:txBody>
+          <a:bodyPr/>
+          <a:lstStyle/>
+          <a:p>
+            <a:r>
+              <a:rPr lang="en-US">
+                <a:latin typeface="Arial" panose="020B0604020202020204" pitchFamily="34" charset="0"/>
+                <a:cs typeface="Arial" panose="020B0604020202020204" pitchFamily="34" charset="0"/>
+              </a:rPr>
+              <a:t>6.7. JSTL</a:t>
+            </a:r>
+          </a:p>
+        </p:txBody>
+      </p:sp>
+      <p:sp>
+        <p:nvSpPr>
+          <p:cNvPr id="3" name="Content Placeholder 2">
+            <a:extLst>
+              <a:ext uri="{FF2B5EF4-FFF2-40B4-BE49-F238E27FC236}">
+                <a16:creationId xmlns:a16="http://schemas.microsoft.com/office/drawing/2014/main" id="{6337998B-3737-4D43-973D-24B118D723A2}"/>
+              </a:ext>
+            </a:extLst>
+          </p:cNvPr>
+          <p:cNvSpPr>
+            <a:spLocks noGrp="1"/>
+          </p:cNvSpPr>
+          <p:nvPr>
+            <p:ph idx="1"/>
+          </p:nvPr>
+        </p:nvSpPr>
+        <p:spPr>
+          <a:xfrm>
+            <a:off x="1103312" y="1624614"/>
+            <a:ext cx="9549892" cy="4545367"/>
+          </a:xfrm>
+        </p:spPr>
+        <p:txBody>
+          <a:bodyPr/>
+          <a:lstStyle/>
+          <a:p>
+            <a:r>
+              <a:rPr lang="en-US">
+                <a:latin typeface="Arial" panose="020B0604020202020204" pitchFamily="34" charset="0"/>
+                <a:cs typeface="Arial" panose="020B0604020202020204" pitchFamily="34" charset="0"/>
+              </a:rPr>
+              <a:t>Những thẻ JSTL thường dùng:</a:t>
+            </a:r>
+          </a:p>
+          <a:p>
+            <a:pPr lvl="1"/>
+            <a:r>
+              <a:rPr lang="en-US">
+                <a:latin typeface="Arial" panose="020B0604020202020204" pitchFamily="34" charset="0"/>
+                <a:cs typeface="Arial" panose="020B0604020202020204" pitchFamily="34" charset="0"/>
+              </a:rPr>
+              <a:t>&lt;c:out&gt;: Xuất nội dung từ thuộc tính đối tượng ra trang web</a:t>
+            </a:r>
+          </a:p>
+          <a:p>
+            <a:pPr lvl="1"/>
+            <a:r>
+              <a:rPr lang="en-US">
+                <a:latin typeface="Arial" panose="020B0604020202020204" pitchFamily="34" charset="0"/>
+                <a:cs typeface="Arial" panose="020B0604020202020204" pitchFamily="34" charset="0"/>
+              </a:rPr>
+              <a:t>&lt;c:if&gt;: Tạo nội dung có điều kiện, có tính toán, tương tự như cấu trúc if trong Java.</a:t>
+            </a:r>
+          </a:p>
+          <a:p>
+            <a:pPr lvl="1"/>
+            <a:r>
+              <a:rPr lang="en-US">
+                <a:latin typeface="Arial" panose="020B0604020202020204" pitchFamily="34" charset="0"/>
+                <a:cs typeface="Arial" panose="020B0604020202020204" pitchFamily="34" charset="0"/>
+              </a:rPr>
+              <a:t>&lt;c:forEach&gt;: Tạo nội dung bằng vòng lặp, thường dùng để tạo nội dung HTML cho những List trong Java.</a:t>
+            </a:r>
+          </a:p>
+          <a:p>
+            <a:pPr lvl="1"/>
+            <a:r>
+              <a:rPr lang="en-US">
+                <a:latin typeface="Arial" panose="020B0604020202020204" pitchFamily="34" charset="0"/>
+                <a:cs typeface="Arial" panose="020B0604020202020204" pitchFamily="34" charset="0"/>
+              </a:rPr>
+              <a:t>&lt;c:redirect&gt;: Chuyển hướng trang</a:t>
+            </a:r>
+          </a:p>
+          <a:p>
+            <a:pPr lvl="1"/>
+            <a:r>
+              <a:rPr lang="en-US">
+                <a:latin typeface="Arial" panose="020B0604020202020204" pitchFamily="34" charset="0"/>
+                <a:cs typeface="Arial" panose="020B0604020202020204" pitchFamily="34" charset="0"/>
+              </a:rPr>
+              <a:t>&lt;c:choose&gt; &amp; &lt;c:when&gt;: Tạo nội dung có điều kiện, có tính toán, tương tự như cấu trúc switch case trong Java.</a:t>
+            </a:r>
+          </a:p>
+          <a:p>
+            <a:pPr lvl="1"/>
+            <a:r>
+              <a:rPr lang="en-US">
+                <a:latin typeface="Arial" panose="020B0604020202020204" pitchFamily="34" charset="0"/>
+                <a:cs typeface="Arial" panose="020B0604020202020204" pitchFamily="34" charset="0"/>
+              </a:rPr>
+              <a:t>&lt;c:set&gt;: Khởi tạo biến cục bộ cho trang</a:t>
+            </a:r>
+          </a:p>
+          <a:p>
+            <a:pPr lvl="1"/>
+            <a:r>
+              <a:rPr lang="en-US">
+                <a:latin typeface="Arial" panose="020B0604020202020204" pitchFamily="34" charset="0"/>
+                <a:cs typeface="Arial" panose="020B0604020202020204" pitchFamily="34" charset="0"/>
+              </a:rPr>
+              <a:t>&lt;c:url&gt; + &lt;c:param&gt;: Tạo URL</a:t>
+            </a:r>
+          </a:p>
+          <a:p>
+            <a:pPr lvl="1"/>
+            <a:r>
+              <a:rPr lang="en-US">
+                <a:latin typeface="Arial" panose="020B0604020202020204" pitchFamily="34" charset="0"/>
+                <a:cs typeface="Arial" panose="020B0604020202020204" pitchFamily="34" charset="0"/>
+              </a:rPr>
+              <a:t>&lt;c:import&gt;: Tương tự như &lt;jsp:include&gt;</a:t>
+            </a:r>
+          </a:p>
+        </p:txBody>
+      </p:sp>
+    </p:spTree>
+    <p:extLst>
+      <p:ext uri="{BB962C8B-B14F-4D97-AF65-F5344CB8AC3E}">
+        <p14:creationId xmlns:p14="http://schemas.microsoft.com/office/powerpoint/2010/main" val="1866964755"/>
+      </p:ext>
+    </p:extLst>
+  </p:cSld>
+  <p:clrMapOvr>
+    <a:masterClrMapping/>
+  </p:clrMapOvr>
+</p:sld>
+</file>
+
+<file path=ppt/slides/slide45.xml><?xml version="1.0" encoding="utf-8"?>
+<p:sld xmlns:a="http://schemas.openxmlformats.org/drawingml/2006/main" xmlns:r="http://schemas.openxmlformats.org/officeDocument/2006/relationships" xmlns:p="http://schemas.openxmlformats.org/presentationml/2006/main">
+  <p:cSld>
+    <p:spTree>
+      <p:nvGrpSpPr>
+        <p:cNvPr id="1" name=""/>
+        <p:cNvGrpSpPr/>
+        <p:nvPr/>
+      </p:nvGrpSpPr>
+      <p:grpSpPr>
+        <a:xfrm>
+          <a:off x="0" y="0"/>
+          <a:ext cx="0" cy="0"/>
+          <a:chOff x="0" y="0"/>
+          <a:chExt cx="0" cy="0"/>
+        </a:xfrm>
+      </p:grpSpPr>
+      <p:sp>
+        <p:nvSpPr>
+          <p:cNvPr id="2" name="Title 1">
+            <a:extLst>
+              <a:ext uri="{FF2B5EF4-FFF2-40B4-BE49-F238E27FC236}">
+                <a16:creationId xmlns:a16="http://schemas.microsoft.com/office/drawing/2014/main" id="{14D7F595-0D8F-4FE6-A3EC-4557A1A457EB}"/>
+              </a:ext>
+            </a:extLst>
+          </p:cNvPr>
+          <p:cNvSpPr>
+            <a:spLocks noGrp="1"/>
+          </p:cNvSpPr>
+          <p:nvPr>
+            <p:ph type="title"/>
+          </p:nvPr>
+        </p:nvSpPr>
+        <p:spPr/>
+        <p:txBody>
+          <a:bodyPr/>
+          <a:lstStyle/>
+          <a:p>
+            <a:r>
+              <a:rPr lang="en-US">
+                <a:latin typeface="Arial" panose="020B0604020202020204" pitchFamily="34" charset="0"/>
+                <a:cs typeface="Arial" panose="020B0604020202020204" pitchFamily="34" charset="0"/>
+              </a:rPr>
+              <a:t>6.7. JSTL</a:t>
+            </a:r>
+          </a:p>
+        </p:txBody>
+      </p:sp>
+      <p:sp>
+        <p:nvSpPr>
+          <p:cNvPr id="3" name="Content Placeholder 2">
+            <a:extLst>
+              <a:ext uri="{FF2B5EF4-FFF2-40B4-BE49-F238E27FC236}">
+                <a16:creationId xmlns:a16="http://schemas.microsoft.com/office/drawing/2014/main" id="{6337998B-3737-4D43-973D-24B118D723A2}"/>
+              </a:ext>
+            </a:extLst>
+          </p:cNvPr>
+          <p:cNvSpPr>
+            <a:spLocks noGrp="1"/>
+          </p:cNvSpPr>
+          <p:nvPr>
+            <p:ph idx="1"/>
+          </p:nvPr>
+        </p:nvSpPr>
+        <p:spPr>
+          <a:xfrm>
+            <a:off x="1103312" y="1624614"/>
+            <a:ext cx="9549892" cy="4545367"/>
+          </a:xfrm>
+        </p:spPr>
+        <p:txBody>
+          <a:bodyPr/>
+          <a:lstStyle/>
+          <a:p>
+            <a:r>
+              <a:rPr lang="en-US">
+                <a:latin typeface="Arial" panose="020B0604020202020204" pitchFamily="34" charset="0"/>
+                <a:cs typeface="Arial" panose="020B0604020202020204" pitchFamily="34" charset="0"/>
+              </a:rPr>
+              <a:t>Để có thể sử dụng JSTL, cần cài đặt thư viện:</a:t>
+            </a:r>
+          </a:p>
+          <a:p>
+            <a:pPr marL="0" indent="0">
+              <a:buNone/>
+            </a:pPr>
+            <a:r>
+              <a:rPr lang="en-US">
+                <a:latin typeface="Arial" panose="020B0604020202020204" pitchFamily="34" charset="0"/>
+                <a:cs typeface="Arial" panose="020B0604020202020204" pitchFamily="34" charset="0"/>
+              </a:rPr>
+              <a:t>&lt;dependency&gt;</a:t>
+            </a:r>
+          </a:p>
+          <a:p>
+            <a:pPr marL="0" indent="0">
+              <a:buNone/>
+            </a:pPr>
+            <a:r>
+              <a:rPr lang="en-US">
+                <a:latin typeface="Arial" panose="020B0604020202020204" pitchFamily="34" charset="0"/>
+                <a:cs typeface="Arial" panose="020B0604020202020204" pitchFamily="34" charset="0"/>
+              </a:rPr>
+              <a:t>      &lt;groupId&gt;javax.servlet&lt;/groupId&gt;</a:t>
+            </a:r>
+          </a:p>
+          <a:p>
+            <a:pPr marL="0" indent="0">
+              <a:buNone/>
+            </a:pPr>
+            <a:r>
+              <a:rPr lang="en-US">
+                <a:latin typeface="Arial" panose="020B0604020202020204" pitchFamily="34" charset="0"/>
+                <a:cs typeface="Arial" panose="020B0604020202020204" pitchFamily="34" charset="0"/>
+              </a:rPr>
+              <a:t>      &lt;artifactId&gt;jstl&lt;/artifactId&gt;</a:t>
+            </a:r>
+          </a:p>
+          <a:p>
+            <a:pPr marL="0" indent="0">
+              <a:buNone/>
+            </a:pPr>
+            <a:r>
+              <a:rPr lang="en-US">
+                <a:latin typeface="Arial" panose="020B0604020202020204" pitchFamily="34" charset="0"/>
+                <a:cs typeface="Arial" panose="020B0604020202020204" pitchFamily="34" charset="0"/>
+              </a:rPr>
+              <a:t>      &lt;version&gt;1.2&lt;/version&gt;</a:t>
+            </a:r>
+          </a:p>
+          <a:p>
+            <a:pPr marL="0" indent="0">
+              <a:buNone/>
+            </a:pPr>
+            <a:r>
+              <a:rPr lang="en-US">
+                <a:latin typeface="Arial" panose="020B0604020202020204" pitchFamily="34" charset="0"/>
+                <a:cs typeface="Arial" panose="020B0604020202020204" pitchFamily="34" charset="0"/>
+              </a:rPr>
+              <a:t>&lt;/dependency&gt;</a:t>
+            </a:r>
+          </a:p>
+        </p:txBody>
+      </p:sp>
+    </p:spTree>
+    <p:extLst>
+      <p:ext uri="{BB962C8B-B14F-4D97-AF65-F5344CB8AC3E}">
+        <p14:creationId xmlns:p14="http://schemas.microsoft.com/office/powerpoint/2010/main" val="1121345224"/>
+      </p:ext>
+    </p:extLst>
+  </p:cSld>
+  <p:clrMapOvr>
+    <a:masterClrMapping/>
+  </p:clrMapOvr>
+</p:sld>
+</file>
+
+<file path=ppt/slides/slide46.xml><?xml version="1.0" encoding="utf-8"?>
+<p:sld xmlns:a="http://schemas.openxmlformats.org/drawingml/2006/main" xmlns:r="http://schemas.openxmlformats.org/officeDocument/2006/relationships" xmlns:p="http://schemas.openxmlformats.org/presentationml/2006/main">
+  <p:cSld>
+    <p:spTree>
+      <p:nvGrpSpPr>
+        <p:cNvPr id="1" name=""/>
+        <p:cNvGrpSpPr/>
+        <p:nvPr/>
+      </p:nvGrpSpPr>
+      <p:grpSpPr>
+        <a:xfrm>
+          <a:off x="0" y="0"/>
+          <a:ext cx="0" cy="0"/>
+          <a:chOff x="0" y="0"/>
+          <a:chExt cx="0" cy="0"/>
+        </a:xfrm>
+      </p:grpSpPr>
+      <p:sp>
+        <p:nvSpPr>
+          <p:cNvPr id="2" name="Title 1">
+            <a:extLst>
+              <a:ext uri="{FF2B5EF4-FFF2-40B4-BE49-F238E27FC236}">
+                <a16:creationId xmlns:a16="http://schemas.microsoft.com/office/drawing/2014/main" id="{14D7F595-0D8F-4FE6-A3EC-4557A1A457EB}"/>
+              </a:ext>
+            </a:extLst>
+          </p:cNvPr>
+          <p:cNvSpPr>
+            <a:spLocks noGrp="1"/>
+          </p:cNvSpPr>
+          <p:nvPr>
+            <p:ph type="title"/>
+          </p:nvPr>
+        </p:nvSpPr>
+        <p:spPr/>
+        <p:txBody>
+          <a:bodyPr/>
+          <a:lstStyle/>
+          <a:p>
+            <a:r>
+              <a:rPr lang="en-US">
+                <a:latin typeface="Arial" panose="020B0604020202020204" pitchFamily="34" charset="0"/>
+                <a:cs typeface="Arial" panose="020B0604020202020204" pitchFamily="34" charset="0"/>
+              </a:rPr>
+              <a:t>6.7. JSTL</a:t>
+            </a:r>
+          </a:p>
+        </p:txBody>
+      </p:sp>
+      <p:sp>
+        <p:nvSpPr>
+          <p:cNvPr id="3" name="Content Placeholder 2">
+            <a:extLst>
+              <a:ext uri="{FF2B5EF4-FFF2-40B4-BE49-F238E27FC236}">
+                <a16:creationId xmlns:a16="http://schemas.microsoft.com/office/drawing/2014/main" id="{6337998B-3737-4D43-973D-24B118D723A2}"/>
+              </a:ext>
+            </a:extLst>
+          </p:cNvPr>
+          <p:cNvSpPr>
+            <a:spLocks noGrp="1"/>
+          </p:cNvSpPr>
+          <p:nvPr>
+            <p:ph idx="1"/>
+          </p:nvPr>
+        </p:nvSpPr>
+        <p:spPr>
+          <a:xfrm>
+            <a:off x="1103312" y="1624614"/>
+            <a:ext cx="9549892" cy="4545367"/>
+          </a:xfrm>
+        </p:spPr>
+        <p:txBody>
+          <a:bodyPr/>
+          <a:lstStyle/>
+          <a:p>
+            <a:r>
+              <a:rPr lang="en-US">
+                <a:latin typeface="Arial" panose="020B0604020202020204" pitchFamily="34" charset="0"/>
+                <a:cs typeface="Arial" panose="020B0604020202020204" pitchFamily="34" charset="0"/>
+              </a:rPr>
+              <a:t>Import thư viện thẻ JSTL vào trang JSP:</a:t>
+            </a:r>
+          </a:p>
+          <a:p>
+            <a:pPr marL="0" indent="0">
+              <a:buNone/>
+            </a:pPr>
+            <a:r>
+              <a:rPr lang="it-IT">
+                <a:latin typeface="Arial" panose="020B0604020202020204" pitchFamily="34" charset="0"/>
+                <a:cs typeface="Arial" panose="020B0604020202020204" pitchFamily="34" charset="0"/>
+              </a:rPr>
+              <a:t>	&lt;%@ taglib uri="http://java.sun.com/jsp/jstl/core" prefix="c" %&gt;</a:t>
+            </a:r>
+            <a:endParaRPr lang="en-US">
+              <a:latin typeface="Arial" panose="020B0604020202020204" pitchFamily="34" charset="0"/>
+              <a:cs typeface="Arial" panose="020B0604020202020204" pitchFamily="34" charset="0"/>
+            </a:endParaRPr>
+          </a:p>
+          <a:p>
+            <a:endParaRPr lang="en-US">
+              <a:latin typeface="Arial" panose="020B0604020202020204" pitchFamily="34" charset="0"/>
+              <a:cs typeface="Arial" panose="020B0604020202020204" pitchFamily="34" charset="0"/>
+            </a:endParaRPr>
+          </a:p>
+        </p:txBody>
+      </p:sp>
+    </p:spTree>
+    <p:extLst>
+      <p:ext uri="{BB962C8B-B14F-4D97-AF65-F5344CB8AC3E}">
+        <p14:creationId xmlns:p14="http://schemas.microsoft.com/office/powerpoint/2010/main" val="1819526467"/>
+      </p:ext>
+    </p:extLst>
+  </p:cSld>
+  <p:clrMapOvr>
+    <a:masterClrMapping/>
+  </p:clrMapOvr>
+</p:sld>
+</file>
+
+<file path=ppt/slides/slide47.xml><?xml version="1.0" encoding="utf-8"?>
+<p:sld xmlns:a="http://schemas.openxmlformats.org/drawingml/2006/main" xmlns:r="http://schemas.openxmlformats.org/officeDocument/2006/relationships" xmlns:p="http://schemas.openxmlformats.org/presentationml/2006/main">
+  <p:cSld>
+    <p:spTree>
+      <p:nvGrpSpPr>
+        <p:cNvPr id="1" name=""/>
+        <p:cNvGrpSpPr/>
+        <p:nvPr/>
+      </p:nvGrpSpPr>
+      <p:grpSpPr>
+        <a:xfrm>
+          <a:off x="0" y="0"/>
+          <a:ext cx="0" cy="0"/>
+          <a:chOff x="0" y="0"/>
+          <a:chExt cx="0" cy="0"/>
+        </a:xfrm>
+      </p:grpSpPr>
+      <p:sp>
+        <p:nvSpPr>
+          <p:cNvPr id="2" name="Title 1">
+            <a:extLst>
+              <a:ext uri="{FF2B5EF4-FFF2-40B4-BE49-F238E27FC236}">
+                <a16:creationId xmlns:a16="http://schemas.microsoft.com/office/drawing/2014/main" id="{14D7F595-0D8F-4FE6-A3EC-4557A1A457EB}"/>
+              </a:ext>
+            </a:extLst>
+          </p:cNvPr>
+          <p:cNvSpPr>
+            <a:spLocks noGrp="1"/>
+          </p:cNvSpPr>
+          <p:nvPr>
+            <p:ph type="title"/>
+          </p:nvPr>
+        </p:nvSpPr>
+        <p:spPr/>
+        <p:txBody>
+          <a:bodyPr/>
+          <a:lstStyle/>
+          <a:p>
+            <a:r>
+              <a:rPr lang="en-US">
+                <a:latin typeface="Arial" panose="020B0604020202020204" pitchFamily="34" charset="0"/>
+                <a:cs typeface="Arial" panose="020B0604020202020204" pitchFamily="34" charset="0"/>
+              </a:rPr>
+              <a:t>6.7. JSTL</a:t>
+            </a:r>
+          </a:p>
+        </p:txBody>
+      </p:sp>
+      <p:sp>
+        <p:nvSpPr>
+          <p:cNvPr id="3" name="Content Placeholder 2">
+            <a:extLst>
+              <a:ext uri="{FF2B5EF4-FFF2-40B4-BE49-F238E27FC236}">
+                <a16:creationId xmlns:a16="http://schemas.microsoft.com/office/drawing/2014/main" id="{6337998B-3737-4D43-973D-24B118D723A2}"/>
+              </a:ext>
+            </a:extLst>
+          </p:cNvPr>
+          <p:cNvSpPr>
+            <a:spLocks noGrp="1"/>
+          </p:cNvSpPr>
+          <p:nvPr>
+            <p:ph idx="1"/>
+          </p:nvPr>
+        </p:nvSpPr>
+        <p:spPr>
+          <a:xfrm>
+            <a:off x="1103312" y="1988598"/>
+            <a:ext cx="9549892" cy="4181383"/>
+          </a:xfrm>
+        </p:spPr>
+        <p:txBody>
+          <a:bodyPr/>
+          <a:lstStyle/>
+          <a:p>
+            <a:r>
+              <a:rPr lang="en-US">
+                <a:latin typeface="Arial" panose="020B0604020202020204" pitchFamily="34" charset="0"/>
+                <a:cs typeface="Arial" panose="020B0604020202020204" pitchFamily="34" charset="0"/>
+              </a:rPr>
+              <a:t>Ví dụ thẻ &lt;c:out&gt;</a:t>
+            </a:r>
+          </a:p>
+        </p:txBody>
+      </p:sp>
+      <p:pic>
+        <p:nvPicPr>
+          <p:cNvPr id="5" name="Picture 4">
+            <a:extLst>
+              <a:ext uri="{FF2B5EF4-FFF2-40B4-BE49-F238E27FC236}">
+                <a16:creationId xmlns:a16="http://schemas.microsoft.com/office/drawing/2014/main" id="{801F13DA-ECD2-42C2-935F-C3AFE0A38FF7}"/>
+              </a:ext>
+            </a:extLst>
+          </p:cNvPr>
+          <p:cNvPicPr>
+            <a:picLocks noChangeAspect="1"/>
+          </p:cNvPicPr>
+          <p:nvPr/>
+        </p:nvPicPr>
+        <p:blipFill>
+          <a:blip r:embed="rId2"/>
+          <a:stretch>
+            <a:fillRect/>
+          </a:stretch>
+        </p:blipFill>
+        <p:spPr>
+          <a:xfrm>
+            <a:off x="3082930" y="2544845"/>
+            <a:ext cx="6026140" cy="4002436"/>
+          </a:xfrm>
+          <a:prstGeom prst="rect">
+            <a:avLst/>
+          </a:prstGeom>
+        </p:spPr>
+      </p:pic>
+    </p:spTree>
+    <p:extLst>
+      <p:ext uri="{BB962C8B-B14F-4D97-AF65-F5344CB8AC3E}">
+        <p14:creationId xmlns:p14="http://schemas.microsoft.com/office/powerpoint/2010/main" val="2581570713"/>
+      </p:ext>
+    </p:extLst>
+  </p:cSld>
+  <p:clrMapOvr>
+    <a:masterClrMapping/>
+  </p:clrMapOvr>
+</p:sld>
+</file>
+
+<file path=ppt/slides/slide48.xml><?xml version="1.0" encoding="utf-8"?>
+<p:sld xmlns:a="http://schemas.openxmlformats.org/drawingml/2006/main" xmlns:r="http://schemas.openxmlformats.org/officeDocument/2006/relationships" xmlns:p="http://schemas.openxmlformats.org/presentationml/2006/main">
+  <p:cSld>
+    <p:spTree>
+      <p:nvGrpSpPr>
+        <p:cNvPr id="1" name=""/>
+        <p:cNvGrpSpPr/>
+        <p:nvPr/>
+      </p:nvGrpSpPr>
+      <p:grpSpPr>
+        <a:xfrm>
+          <a:off x="0" y="0"/>
+          <a:ext cx="0" cy="0"/>
+          <a:chOff x="0" y="0"/>
+          <a:chExt cx="0" cy="0"/>
+        </a:xfrm>
+      </p:grpSpPr>
+      <p:sp>
+        <p:nvSpPr>
+          <p:cNvPr id="2" name="Title 1">
+            <a:extLst>
+              <a:ext uri="{FF2B5EF4-FFF2-40B4-BE49-F238E27FC236}">
+                <a16:creationId xmlns:a16="http://schemas.microsoft.com/office/drawing/2014/main" id="{14D7F595-0D8F-4FE6-A3EC-4557A1A457EB}"/>
+              </a:ext>
+            </a:extLst>
+          </p:cNvPr>
+          <p:cNvSpPr>
+            <a:spLocks noGrp="1"/>
+          </p:cNvSpPr>
+          <p:nvPr>
+            <p:ph type="title"/>
+          </p:nvPr>
+        </p:nvSpPr>
+        <p:spPr/>
+        <p:txBody>
+          <a:bodyPr/>
+          <a:lstStyle/>
+          <a:p>
+            <a:r>
+              <a:rPr lang="en-US">
+                <a:latin typeface="Arial" panose="020B0604020202020204" pitchFamily="34" charset="0"/>
+                <a:cs typeface="Arial" panose="020B0604020202020204" pitchFamily="34" charset="0"/>
+              </a:rPr>
+              <a:t>6.7. JSTL</a:t>
+            </a:r>
+          </a:p>
+        </p:txBody>
+      </p:sp>
+      <p:sp>
+        <p:nvSpPr>
+          <p:cNvPr id="3" name="Content Placeholder 2">
+            <a:extLst>
+              <a:ext uri="{FF2B5EF4-FFF2-40B4-BE49-F238E27FC236}">
+                <a16:creationId xmlns:a16="http://schemas.microsoft.com/office/drawing/2014/main" id="{6337998B-3737-4D43-973D-24B118D723A2}"/>
+              </a:ext>
+            </a:extLst>
+          </p:cNvPr>
+          <p:cNvSpPr>
+            <a:spLocks noGrp="1"/>
+          </p:cNvSpPr>
+          <p:nvPr>
+            <p:ph idx="1"/>
+          </p:nvPr>
+        </p:nvSpPr>
+        <p:spPr>
+          <a:xfrm>
+            <a:off x="1103312" y="1988598"/>
+            <a:ext cx="9549892" cy="4181383"/>
+          </a:xfrm>
+        </p:spPr>
+        <p:txBody>
+          <a:bodyPr/>
+          <a:lstStyle/>
+          <a:p>
+            <a:r>
+              <a:rPr lang="en-US">
+                <a:latin typeface="Arial" panose="020B0604020202020204" pitchFamily="34" charset="0"/>
+                <a:cs typeface="Arial" panose="020B0604020202020204" pitchFamily="34" charset="0"/>
+              </a:rPr>
+              <a:t>Ví dụ thẻ &lt;c:out&gt;</a:t>
+            </a:r>
+          </a:p>
+        </p:txBody>
+      </p:sp>
+      <p:pic>
+        <p:nvPicPr>
+          <p:cNvPr id="6" name="Picture 5">
+            <a:extLst>
+              <a:ext uri="{FF2B5EF4-FFF2-40B4-BE49-F238E27FC236}">
+                <a16:creationId xmlns:a16="http://schemas.microsoft.com/office/drawing/2014/main" id="{8D1A987A-1558-4D13-9ADA-C1FD18016695}"/>
+              </a:ext>
+            </a:extLst>
+          </p:cNvPr>
+          <p:cNvPicPr>
+            <a:picLocks noChangeAspect="1"/>
+          </p:cNvPicPr>
+          <p:nvPr/>
+        </p:nvPicPr>
+        <p:blipFill>
+          <a:blip r:embed="rId2"/>
+          <a:stretch>
+            <a:fillRect/>
+          </a:stretch>
+        </p:blipFill>
+        <p:spPr>
+          <a:xfrm>
+            <a:off x="2231978" y="2987332"/>
+            <a:ext cx="7728043" cy="3417950"/>
+          </a:xfrm>
+          <a:prstGeom prst="rect">
+            <a:avLst/>
+          </a:prstGeom>
+        </p:spPr>
+      </p:pic>
+    </p:spTree>
+    <p:extLst>
+      <p:ext uri="{BB962C8B-B14F-4D97-AF65-F5344CB8AC3E}">
+        <p14:creationId xmlns:p14="http://schemas.microsoft.com/office/powerpoint/2010/main" val="1362443213"/>
+      </p:ext>
+    </p:extLst>
+  </p:cSld>
+  <p:clrMapOvr>
+    <a:masterClrMapping/>
+  </p:clrMapOvr>
+</p:sld>
+</file>
+
+<file path=ppt/slides/slide49.xml><?xml version="1.0" encoding="utf-8"?>
+<p:sld xmlns:a="http://schemas.openxmlformats.org/drawingml/2006/main" xmlns:r="http://schemas.openxmlformats.org/officeDocument/2006/relationships" xmlns:p="http://schemas.openxmlformats.org/presentationml/2006/main">
+  <p:cSld>
+    <p:spTree>
+      <p:nvGrpSpPr>
+        <p:cNvPr id="1" name=""/>
+        <p:cNvGrpSpPr/>
+        <p:nvPr/>
+      </p:nvGrpSpPr>
+      <p:grpSpPr>
+        <a:xfrm>
+          <a:off x="0" y="0"/>
+          <a:ext cx="0" cy="0"/>
+          <a:chOff x="0" y="0"/>
+          <a:chExt cx="0" cy="0"/>
+        </a:xfrm>
+      </p:grpSpPr>
+      <p:sp>
+        <p:nvSpPr>
+          <p:cNvPr id="2" name="Title 1">
+            <a:extLst>
+              <a:ext uri="{FF2B5EF4-FFF2-40B4-BE49-F238E27FC236}">
+                <a16:creationId xmlns:a16="http://schemas.microsoft.com/office/drawing/2014/main" id="{14D7F595-0D8F-4FE6-A3EC-4557A1A457EB}"/>
+              </a:ext>
+            </a:extLst>
+          </p:cNvPr>
+          <p:cNvSpPr>
+            <a:spLocks noGrp="1"/>
+          </p:cNvSpPr>
+          <p:nvPr>
+            <p:ph type="title"/>
+          </p:nvPr>
+        </p:nvSpPr>
+        <p:spPr/>
+        <p:txBody>
+          <a:bodyPr/>
+          <a:lstStyle/>
+          <a:p>
+            <a:r>
+              <a:rPr lang="en-US">
+                <a:latin typeface="Arial" panose="020B0604020202020204" pitchFamily="34" charset="0"/>
+                <a:cs typeface="Arial" panose="020B0604020202020204" pitchFamily="34" charset="0"/>
+              </a:rPr>
+              <a:t>6.7. JSTL</a:t>
+            </a:r>
+          </a:p>
+        </p:txBody>
+      </p:sp>
+      <p:sp>
+        <p:nvSpPr>
+          <p:cNvPr id="3" name="Content Placeholder 2">
+            <a:extLst>
+              <a:ext uri="{FF2B5EF4-FFF2-40B4-BE49-F238E27FC236}">
+                <a16:creationId xmlns:a16="http://schemas.microsoft.com/office/drawing/2014/main" id="{6337998B-3737-4D43-973D-24B118D723A2}"/>
+              </a:ext>
+            </a:extLst>
+          </p:cNvPr>
+          <p:cNvSpPr>
+            <a:spLocks noGrp="1"/>
+          </p:cNvSpPr>
+          <p:nvPr>
+            <p:ph idx="1"/>
+          </p:nvPr>
+        </p:nvSpPr>
+        <p:spPr>
+          <a:xfrm>
+            <a:off x="1103312" y="1988598"/>
+            <a:ext cx="9549892" cy="4181383"/>
+          </a:xfrm>
+        </p:spPr>
+        <p:txBody>
+          <a:bodyPr/>
+          <a:lstStyle/>
+          <a:p>
+            <a:r>
+              <a:rPr lang="en-US">
+                <a:latin typeface="Arial" panose="020B0604020202020204" pitchFamily="34" charset="0"/>
+                <a:cs typeface="Arial" panose="020B0604020202020204" pitchFamily="34" charset="0"/>
+              </a:rPr>
+              <a:t>Ví dụ thẻ &lt;c:if&gt;</a:t>
+            </a:r>
+          </a:p>
+        </p:txBody>
+      </p:sp>
+      <p:pic>
+        <p:nvPicPr>
+          <p:cNvPr id="5" name="Picture 4">
+            <a:extLst>
+              <a:ext uri="{FF2B5EF4-FFF2-40B4-BE49-F238E27FC236}">
+                <a16:creationId xmlns:a16="http://schemas.microsoft.com/office/drawing/2014/main" id="{B32B6C60-2A17-43AF-92D7-57279A60DBCC}"/>
+              </a:ext>
+            </a:extLst>
+          </p:cNvPr>
+          <p:cNvPicPr>
+            <a:picLocks noChangeAspect="1"/>
+          </p:cNvPicPr>
+          <p:nvPr/>
+        </p:nvPicPr>
+        <p:blipFill>
+          <a:blip r:embed="rId2"/>
+          <a:stretch>
+            <a:fillRect/>
+          </a:stretch>
+        </p:blipFill>
+        <p:spPr>
+          <a:xfrm>
+            <a:off x="3085204" y="2499200"/>
+            <a:ext cx="6021591" cy="4060142"/>
+          </a:xfrm>
+          <a:prstGeom prst="rect">
+            <a:avLst/>
+          </a:prstGeom>
+        </p:spPr>
+      </p:pic>
+    </p:spTree>
+    <p:extLst>
+      <p:ext uri="{BB962C8B-B14F-4D97-AF65-F5344CB8AC3E}">
+        <p14:creationId xmlns:p14="http://schemas.microsoft.com/office/powerpoint/2010/main" val="1711046740"/>
       </p:ext>
     </p:extLst>
   </p:cSld>
@@ -7647,7 +12222,7 @@
                 <a:latin typeface="Arial" panose="020B0604020202020204" pitchFamily="34" charset="0"/>
                 <a:cs typeface="Arial" panose="020B0604020202020204" pitchFamily="34" charset="0"/>
               </a:rPr>
-              <a:t>5.2. Lớp HttpServlet</a:t>
+              <a:t>5.1. Giới thiệu về Servlet</a:t>
             </a:r>
           </a:p>
         </p:txBody>
@@ -7683,24 +12258,1037 @@
                 <a:latin typeface="Arial" panose="020B0604020202020204" pitchFamily="34" charset="0"/>
                 <a:cs typeface="Arial" panose="020B0604020202020204" pitchFamily="34" charset="0"/>
               </a:rPr>
-              <a:t>Lớp HttpServlet là một chuẩn Servlet được thiết kê đặc biệt để xử lý những yêu cầu HTTP.</a:t>
-            </a:r>
-          </a:p>
-          <a:p>
-            <a:r>
-              <a:rPr lang="en-US">
-                <a:latin typeface="Arial" panose="020B0604020202020204" pitchFamily="34" charset="0"/>
-                <a:cs typeface="Arial" panose="020B0604020202020204" pitchFamily="34" charset="0"/>
-              </a:rPr>
-              <a:t>Chi tiết hơn, khi một yêu cầu HTTP được gửi từ phía trình duyệt web, máy chủ web sẽ chuyển tiếp yêu cầu HTTP này cho JavaEE Container và JavaEE Container sẽ gọi đến HttpServlet tương ứng để xử lý yêu cầu và tạo nội dung phản hồi.</a:t>
-            </a:r>
-          </a:p>
-        </p:txBody>
-      </p:sp>
+              <a:t>Kết thúc vòng đời của các Servlet</a:t>
+            </a:r>
+          </a:p>
+          <a:p>
+            <a:endParaRPr lang="en-US">
+              <a:latin typeface="Arial" panose="020B0604020202020204" pitchFamily="34" charset="0"/>
+              <a:cs typeface="Arial" panose="020B0604020202020204" pitchFamily="34" charset="0"/>
+            </a:endParaRPr>
+          </a:p>
+        </p:txBody>
+      </p:sp>
+      <p:pic>
+        <p:nvPicPr>
+          <p:cNvPr id="6" name="Picture 5">
+            <a:extLst>
+              <a:ext uri="{FF2B5EF4-FFF2-40B4-BE49-F238E27FC236}">
+                <a16:creationId xmlns:a16="http://schemas.microsoft.com/office/drawing/2014/main" id="{E3780FB9-257D-4F2A-9CED-E3B3BC7E0FA1}"/>
+              </a:ext>
+            </a:extLst>
+          </p:cNvPr>
+          <p:cNvPicPr>
+            <a:picLocks noChangeAspect="1"/>
+          </p:cNvPicPr>
+          <p:nvPr/>
+        </p:nvPicPr>
+        <p:blipFill>
+          <a:blip r:embed="rId2"/>
+          <a:stretch>
+            <a:fillRect/>
+          </a:stretch>
+        </p:blipFill>
+        <p:spPr>
+          <a:xfrm>
+            <a:off x="2933426" y="3411302"/>
+            <a:ext cx="6325148" cy="2758679"/>
+          </a:xfrm>
+          <a:prstGeom prst="rect">
+            <a:avLst/>
+          </a:prstGeom>
+        </p:spPr>
+      </p:pic>
     </p:spTree>
     <p:extLst>
       <p:ext uri="{BB962C8B-B14F-4D97-AF65-F5344CB8AC3E}">
-        <p14:creationId xmlns:p14="http://schemas.microsoft.com/office/powerpoint/2010/main" val="3094888584"/>
+        <p14:creationId xmlns:p14="http://schemas.microsoft.com/office/powerpoint/2010/main" val="2702190556"/>
+      </p:ext>
+    </p:extLst>
+  </p:cSld>
+  <p:clrMapOvr>
+    <a:masterClrMapping/>
+  </p:clrMapOvr>
+</p:sld>
+</file>
+
+<file path=ppt/slides/slide50.xml><?xml version="1.0" encoding="utf-8"?>
+<p:sld xmlns:a="http://schemas.openxmlformats.org/drawingml/2006/main" xmlns:r="http://schemas.openxmlformats.org/officeDocument/2006/relationships" xmlns:p="http://schemas.openxmlformats.org/presentationml/2006/main">
+  <p:cSld>
+    <p:spTree>
+      <p:nvGrpSpPr>
+        <p:cNvPr id="1" name=""/>
+        <p:cNvGrpSpPr/>
+        <p:nvPr/>
+      </p:nvGrpSpPr>
+      <p:grpSpPr>
+        <a:xfrm>
+          <a:off x="0" y="0"/>
+          <a:ext cx="0" cy="0"/>
+          <a:chOff x="0" y="0"/>
+          <a:chExt cx="0" cy="0"/>
+        </a:xfrm>
+      </p:grpSpPr>
+      <p:sp>
+        <p:nvSpPr>
+          <p:cNvPr id="2" name="Title 1">
+            <a:extLst>
+              <a:ext uri="{FF2B5EF4-FFF2-40B4-BE49-F238E27FC236}">
+                <a16:creationId xmlns:a16="http://schemas.microsoft.com/office/drawing/2014/main" id="{14D7F595-0D8F-4FE6-A3EC-4557A1A457EB}"/>
+              </a:ext>
+            </a:extLst>
+          </p:cNvPr>
+          <p:cNvSpPr>
+            <a:spLocks noGrp="1"/>
+          </p:cNvSpPr>
+          <p:nvPr>
+            <p:ph type="title"/>
+          </p:nvPr>
+        </p:nvSpPr>
+        <p:spPr/>
+        <p:txBody>
+          <a:bodyPr/>
+          <a:lstStyle/>
+          <a:p>
+            <a:r>
+              <a:rPr lang="en-US">
+                <a:latin typeface="Arial" panose="020B0604020202020204" pitchFamily="34" charset="0"/>
+                <a:cs typeface="Arial" panose="020B0604020202020204" pitchFamily="34" charset="0"/>
+              </a:rPr>
+              <a:t>6.7. JSTL</a:t>
+            </a:r>
+          </a:p>
+        </p:txBody>
+      </p:sp>
+      <p:sp>
+        <p:nvSpPr>
+          <p:cNvPr id="3" name="Content Placeholder 2">
+            <a:extLst>
+              <a:ext uri="{FF2B5EF4-FFF2-40B4-BE49-F238E27FC236}">
+                <a16:creationId xmlns:a16="http://schemas.microsoft.com/office/drawing/2014/main" id="{6337998B-3737-4D43-973D-24B118D723A2}"/>
+              </a:ext>
+            </a:extLst>
+          </p:cNvPr>
+          <p:cNvSpPr>
+            <a:spLocks noGrp="1"/>
+          </p:cNvSpPr>
+          <p:nvPr>
+            <p:ph idx="1"/>
+          </p:nvPr>
+        </p:nvSpPr>
+        <p:spPr>
+          <a:xfrm>
+            <a:off x="1103312" y="1988598"/>
+            <a:ext cx="9549892" cy="4181383"/>
+          </a:xfrm>
+        </p:spPr>
+        <p:txBody>
+          <a:bodyPr/>
+          <a:lstStyle/>
+          <a:p>
+            <a:r>
+              <a:rPr lang="en-US">
+                <a:latin typeface="Arial" panose="020B0604020202020204" pitchFamily="34" charset="0"/>
+                <a:cs typeface="Arial" panose="020B0604020202020204" pitchFamily="34" charset="0"/>
+              </a:rPr>
+              <a:t>Ví dụ thẻ &lt;c:if&gt;</a:t>
+            </a:r>
+          </a:p>
+        </p:txBody>
+      </p:sp>
+      <p:pic>
+        <p:nvPicPr>
+          <p:cNvPr id="6" name="Picture 5">
+            <a:extLst>
+              <a:ext uri="{FF2B5EF4-FFF2-40B4-BE49-F238E27FC236}">
+                <a16:creationId xmlns:a16="http://schemas.microsoft.com/office/drawing/2014/main" id="{B90404CE-C145-41A8-9860-EDA76CA5797F}"/>
+              </a:ext>
+            </a:extLst>
+          </p:cNvPr>
+          <p:cNvPicPr>
+            <a:picLocks noChangeAspect="1"/>
+          </p:cNvPicPr>
+          <p:nvPr/>
+        </p:nvPicPr>
+        <p:blipFill>
+          <a:blip r:embed="rId2"/>
+          <a:stretch>
+            <a:fillRect/>
+          </a:stretch>
+        </p:blipFill>
+        <p:spPr>
+          <a:xfrm>
+            <a:off x="2400687" y="3087441"/>
+            <a:ext cx="7390625" cy="3040371"/>
+          </a:xfrm>
+          <a:prstGeom prst="rect">
+            <a:avLst/>
+          </a:prstGeom>
+        </p:spPr>
+      </p:pic>
+    </p:spTree>
+    <p:extLst>
+      <p:ext uri="{BB962C8B-B14F-4D97-AF65-F5344CB8AC3E}">
+        <p14:creationId xmlns:p14="http://schemas.microsoft.com/office/powerpoint/2010/main" val="94477674"/>
+      </p:ext>
+    </p:extLst>
+  </p:cSld>
+  <p:clrMapOvr>
+    <a:masterClrMapping/>
+  </p:clrMapOvr>
+</p:sld>
+</file>
+
+<file path=ppt/slides/slide51.xml><?xml version="1.0" encoding="utf-8"?>
+<p:sld xmlns:a="http://schemas.openxmlformats.org/drawingml/2006/main" xmlns:r="http://schemas.openxmlformats.org/officeDocument/2006/relationships" xmlns:p="http://schemas.openxmlformats.org/presentationml/2006/main">
+  <p:cSld>
+    <p:spTree>
+      <p:nvGrpSpPr>
+        <p:cNvPr id="1" name=""/>
+        <p:cNvGrpSpPr/>
+        <p:nvPr/>
+      </p:nvGrpSpPr>
+      <p:grpSpPr>
+        <a:xfrm>
+          <a:off x="0" y="0"/>
+          <a:ext cx="0" cy="0"/>
+          <a:chOff x="0" y="0"/>
+          <a:chExt cx="0" cy="0"/>
+        </a:xfrm>
+      </p:grpSpPr>
+      <p:sp>
+        <p:nvSpPr>
+          <p:cNvPr id="2" name="Title 1">
+            <a:extLst>
+              <a:ext uri="{FF2B5EF4-FFF2-40B4-BE49-F238E27FC236}">
+                <a16:creationId xmlns:a16="http://schemas.microsoft.com/office/drawing/2014/main" id="{14D7F595-0D8F-4FE6-A3EC-4557A1A457EB}"/>
+              </a:ext>
+            </a:extLst>
+          </p:cNvPr>
+          <p:cNvSpPr>
+            <a:spLocks noGrp="1"/>
+          </p:cNvSpPr>
+          <p:nvPr>
+            <p:ph type="title"/>
+          </p:nvPr>
+        </p:nvSpPr>
+        <p:spPr/>
+        <p:txBody>
+          <a:bodyPr/>
+          <a:lstStyle/>
+          <a:p>
+            <a:r>
+              <a:rPr lang="en-US">
+                <a:latin typeface="Arial" panose="020B0604020202020204" pitchFamily="34" charset="0"/>
+                <a:cs typeface="Arial" panose="020B0604020202020204" pitchFamily="34" charset="0"/>
+              </a:rPr>
+              <a:t>6.7. JSTL</a:t>
+            </a:r>
+          </a:p>
+        </p:txBody>
+      </p:sp>
+      <p:sp>
+        <p:nvSpPr>
+          <p:cNvPr id="3" name="Content Placeholder 2">
+            <a:extLst>
+              <a:ext uri="{FF2B5EF4-FFF2-40B4-BE49-F238E27FC236}">
+                <a16:creationId xmlns:a16="http://schemas.microsoft.com/office/drawing/2014/main" id="{6337998B-3737-4D43-973D-24B118D723A2}"/>
+              </a:ext>
+            </a:extLst>
+          </p:cNvPr>
+          <p:cNvSpPr>
+            <a:spLocks noGrp="1"/>
+          </p:cNvSpPr>
+          <p:nvPr>
+            <p:ph idx="1"/>
+          </p:nvPr>
+        </p:nvSpPr>
+        <p:spPr>
+          <a:xfrm>
+            <a:off x="1103312" y="1988598"/>
+            <a:ext cx="3069193" cy="4181383"/>
+          </a:xfrm>
+        </p:spPr>
+        <p:txBody>
+          <a:bodyPr/>
+          <a:lstStyle/>
+          <a:p>
+            <a:r>
+              <a:rPr lang="en-US">
+                <a:latin typeface="Arial" panose="020B0604020202020204" pitchFamily="34" charset="0"/>
+                <a:cs typeface="Arial" panose="020B0604020202020204" pitchFamily="34" charset="0"/>
+              </a:rPr>
+              <a:t>Ví dụ thẻ &lt;c:forEach&gt; lặp qua List</a:t>
+            </a:r>
+          </a:p>
+        </p:txBody>
+      </p:sp>
+      <p:pic>
+        <p:nvPicPr>
+          <p:cNvPr id="5" name="Picture 4">
+            <a:extLst>
+              <a:ext uri="{FF2B5EF4-FFF2-40B4-BE49-F238E27FC236}">
+                <a16:creationId xmlns:a16="http://schemas.microsoft.com/office/drawing/2014/main" id="{49AF5716-75AB-4EBA-8500-B0204B1653C2}"/>
+              </a:ext>
+            </a:extLst>
+          </p:cNvPr>
+          <p:cNvPicPr>
+            <a:picLocks noChangeAspect="1"/>
+          </p:cNvPicPr>
+          <p:nvPr/>
+        </p:nvPicPr>
+        <p:blipFill>
+          <a:blip r:embed="rId2"/>
+          <a:stretch>
+            <a:fillRect/>
+          </a:stretch>
+        </p:blipFill>
+        <p:spPr>
+          <a:xfrm>
+            <a:off x="4468720" y="1711943"/>
+            <a:ext cx="7352377" cy="4734692"/>
+          </a:xfrm>
+          <a:prstGeom prst="rect">
+            <a:avLst/>
+          </a:prstGeom>
+        </p:spPr>
+      </p:pic>
+    </p:spTree>
+    <p:extLst>
+      <p:ext uri="{BB962C8B-B14F-4D97-AF65-F5344CB8AC3E}">
+        <p14:creationId xmlns:p14="http://schemas.microsoft.com/office/powerpoint/2010/main" val="1807268547"/>
+      </p:ext>
+    </p:extLst>
+  </p:cSld>
+  <p:clrMapOvr>
+    <a:masterClrMapping/>
+  </p:clrMapOvr>
+</p:sld>
+</file>
+
+<file path=ppt/slides/slide52.xml><?xml version="1.0" encoding="utf-8"?>
+<p:sld xmlns:a="http://schemas.openxmlformats.org/drawingml/2006/main" xmlns:r="http://schemas.openxmlformats.org/officeDocument/2006/relationships" xmlns:p="http://schemas.openxmlformats.org/presentationml/2006/main">
+  <p:cSld>
+    <p:spTree>
+      <p:nvGrpSpPr>
+        <p:cNvPr id="1" name=""/>
+        <p:cNvGrpSpPr/>
+        <p:nvPr/>
+      </p:nvGrpSpPr>
+      <p:grpSpPr>
+        <a:xfrm>
+          <a:off x="0" y="0"/>
+          <a:ext cx="0" cy="0"/>
+          <a:chOff x="0" y="0"/>
+          <a:chExt cx="0" cy="0"/>
+        </a:xfrm>
+      </p:grpSpPr>
+      <p:sp>
+        <p:nvSpPr>
+          <p:cNvPr id="2" name="Title 1">
+            <a:extLst>
+              <a:ext uri="{FF2B5EF4-FFF2-40B4-BE49-F238E27FC236}">
+                <a16:creationId xmlns:a16="http://schemas.microsoft.com/office/drawing/2014/main" id="{14D7F595-0D8F-4FE6-A3EC-4557A1A457EB}"/>
+              </a:ext>
+            </a:extLst>
+          </p:cNvPr>
+          <p:cNvSpPr>
+            <a:spLocks noGrp="1"/>
+          </p:cNvSpPr>
+          <p:nvPr>
+            <p:ph type="title"/>
+          </p:nvPr>
+        </p:nvSpPr>
+        <p:spPr/>
+        <p:txBody>
+          <a:bodyPr/>
+          <a:lstStyle/>
+          <a:p>
+            <a:r>
+              <a:rPr lang="en-US">
+                <a:latin typeface="Arial" panose="020B0604020202020204" pitchFamily="34" charset="0"/>
+                <a:cs typeface="Arial" panose="020B0604020202020204" pitchFamily="34" charset="0"/>
+              </a:rPr>
+              <a:t>6.7. JSTL</a:t>
+            </a:r>
+          </a:p>
+        </p:txBody>
+      </p:sp>
+      <p:sp>
+        <p:nvSpPr>
+          <p:cNvPr id="3" name="Content Placeholder 2">
+            <a:extLst>
+              <a:ext uri="{FF2B5EF4-FFF2-40B4-BE49-F238E27FC236}">
+                <a16:creationId xmlns:a16="http://schemas.microsoft.com/office/drawing/2014/main" id="{6337998B-3737-4D43-973D-24B118D723A2}"/>
+              </a:ext>
+            </a:extLst>
+          </p:cNvPr>
+          <p:cNvSpPr>
+            <a:spLocks noGrp="1"/>
+          </p:cNvSpPr>
+          <p:nvPr>
+            <p:ph idx="1"/>
+          </p:nvPr>
+        </p:nvSpPr>
+        <p:spPr>
+          <a:xfrm>
+            <a:off x="1103312" y="1988598"/>
+            <a:ext cx="9993775" cy="4181383"/>
+          </a:xfrm>
+        </p:spPr>
+        <p:txBody>
+          <a:bodyPr/>
+          <a:lstStyle/>
+          <a:p>
+            <a:r>
+              <a:rPr lang="en-US">
+                <a:latin typeface="Arial" panose="020B0604020202020204" pitchFamily="34" charset="0"/>
+                <a:cs typeface="Arial" panose="020B0604020202020204" pitchFamily="34" charset="0"/>
+              </a:rPr>
+              <a:t>Ví dụ thẻ &lt;c:forEach&gt; lặp qua List</a:t>
+            </a:r>
+          </a:p>
+        </p:txBody>
+      </p:sp>
+      <p:pic>
+        <p:nvPicPr>
+          <p:cNvPr id="6" name="Picture 5">
+            <a:extLst>
+              <a:ext uri="{FF2B5EF4-FFF2-40B4-BE49-F238E27FC236}">
+                <a16:creationId xmlns:a16="http://schemas.microsoft.com/office/drawing/2014/main" id="{1C2A63AD-218C-4893-BD46-FE38F2B8389E}"/>
+              </a:ext>
+            </a:extLst>
+          </p:cNvPr>
+          <p:cNvPicPr>
+            <a:picLocks noChangeAspect="1"/>
+          </p:cNvPicPr>
+          <p:nvPr/>
+        </p:nvPicPr>
+        <p:blipFill>
+          <a:blip r:embed="rId2"/>
+          <a:stretch>
+            <a:fillRect/>
+          </a:stretch>
+        </p:blipFill>
+        <p:spPr>
+          <a:xfrm>
+            <a:off x="2443162" y="2949374"/>
+            <a:ext cx="7305675" cy="3533775"/>
+          </a:xfrm>
+          <a:prstGeom prst="rect">
+            <a:avLst/>
+          </a:prstGeom>
+        </p:spPr>
+      </p:pic>
+    </p:spTree>
+    <p:extLst>
+      <p:ext uri="{BB962C8B-B14F-4D97-AF65-F5344CB8AC3E}">
+        <p14:creationId xmlns:p14="http://schemas.microsoft.com/office/powerpoint/2010/main" val="1634423736"/>
+      </p:ext>
+    </p:extLst>
+  </p:cSld>
+  <p:clrMapOvr>
+    <a:masterClrMapping/>
+  </p:clrMapOvr>
+</p:sld>
+</file>
+
+<file path=ppt/slides/slide53.xml><?xml version="1.0" encoding="utf-8"?>
+<p:sld xmlns:a="http://schemas.openxmlformats.org/drawingml/2006/main" xmlns:r="http://schemas.openxmlformats.org/officeDocument/2006/relationships" xmlns:p="http://schemas.openxmlformats.org/presentationml/2006/main">
+  <p:cSld>
+    <p:spTree>
+      <p:nvGrpSpPr>
+        <p:cNvPr id="1" name=""/>
+        <p:cNvGrpSpPr/>
+        <p:nvPr/>
+      </p:nvGrpSpPr>
+      <p:grpSpPr>
+        <a:xfrm>
+          <a:off x="0" y="0"/>
+          <a:ext cx="0" cy="0"/>
+          <a:chOff x="0" y="0"/>
+          <a:chExt cx="0" cy="0"/>
+        </a:xfrm>
+      </p:grpSpPr>
+      <p:sp>
+        <p:nvSpPr>
+          <p:cNvPr id="2" name="Title 1">
+            <a:extLst>
+              <a:ext uri="{FF2B5EF4-FFF2-40B4-BE49-F238E27FC236}">
+                <a16:creationId xmlns:a16="http://schemas.microsoft.com/office/drawing/2014/main" id="{14D7F595-0D8F-4FE6-A3EC-4557A1A457EB}"/>
+              </a:ext>
+            </a:extLst>
+          </p:cNvPr>
+          <p:cNvSpPr>
+            <a:spLocks noGrp="1"/>
+          </p:cNvSpPr>
+          <p:nvPr>
+            <p:ph type="title"/>
+          </p:nvPr>
+        </p:nvSpPr>
+        <p:spPr/>
+        <p:txBody>
+          <a:bodyPr/>
+          <a:lstStyle/>
+          <a:p>
+            <a:r>
+              <a:rPr lang="en-US">
+                <a:latin typeface="Arial" panose="020B0604020202020204" pitchFamily="34" charset="0"/>
+                <a:cs typeface="Arial" panose="020B0604020202020204" pitchFamily="34" charset="0"/>
+              </a:rPr>
+              <a:t>6.7. JSTL</a:t>
+            </a:r>
+          </a:p>
+        </p:txBody>
+      </p:sp>
+      <p:sp>
+        <p:nvSpPr>
+          <p:cNvPr id="3" name="Content Placeholder 2">
+            <a:extLst>
+              <a:ext uri="{FF2B5EF4-FFF2-40B4-BE49-F238E27FC236}">
+                <a16:creationId xmlns:a16="http://schemas.microsoft.com/office/drawing/2014/main" id="{6337998B-3737-4D43-973D-24B118D723A2}"/>
+              </a:ext>
+            </a:extLst>
+          </p:cNvPr>
+          <p:cNvSpPr>
+            <a:spLocks noGrp="1"/>
+          </p:cNvSpPr>
+          <p:nvPr>
+            <p:ph idx="1"/>
+          </p:nvPr>
+        </p:nvSpPr>
+        <p:spPr>
+          <a:xfrm>
+            <a:off x="1103313" y="1988598"/>
+            <a:ext cx="3894816" cy="4181383"/>
+          </a:xfrm>
+        </p:spPr>
+        <p:txBody>
+          <a:bodyPr/>
+          <a:lstStyle/>
+          <a:p>
+            <a:r>
+              <a:rPr lang="en-US">
+                <a:latin typeface="Arial" panose="020B0604020202020204" pitchFamily="34" charset="0"/>
+                <a:cs typeface="Arial" panose="020B0604020202020204" pitchFamily="34" charset="0"/>
+              </a:rPr>
+              <a:t>Ví dụ thẻ &lt;c:forEach&gt; lặp trong khoảng và thẻ &lt;c:set&gt;</a:t>
+            </a:r>
+          </a:p>
+        </p:txBody>
+      </p:sp>
+      <p:pic>
+        <p:nvPicPr>
+          <p:cNvPr id="5" name="Picture 4">
+            <a:extLst>
+              <a:ext uri="{FF2B5EF4-FFF2-40B4-BE49-F238E27FC236}">
+                <a16:creationId xmlns:a16="http://schemas.microsoft.com/office/drawing/2014/main" id="{9F2AB41B-B049-4393-A15D-5D856A94FA7D}"/>
+              </a:ext>
+            </a:extLst>
+          </p:cNvPr>
+          <p:cNvPicPr>
+            <a:picLocks noChangeAspect="1"/>
+          </p:cNvPicPr>
+          <p:nvPr/>
+        </p:nvPicPr>
+        <p:blipFill>
+          <a:blip r:embed="rId2"/>
+          <a:stretch>
+            <a:fillRect/>
+          </a:stretch>
+        </p:blipFill>
+        <p:spPr>
+          <a:xfrm>
+            <a:off x="5562473" y="1434192"/>
+            <a:ext cx="5843136" cy="4860075"/>
+          </a:xfrm>
+          <a:prstGeom prst="rect">
+            <a:avLst/>
+          </a:prstGeom>
+        </p:spPr>
+      </p:pic>
+    </p:spTree>
+    <p:extLst>
+      <p:ext uri="{BB962C8B-B14F-4D97-AF65-F5344CB8AC3E}">
+        <p14:creationId xmlns:p14="http://schemas.microsoft.com/office/powerpoint/2010/main" val="2565420820"/>
+      </p:ext>
+    </p:extLst>
+  </p:cSld>
+  <p:clrMapOvr>
+    <a:masterClrMapping/>
+  </p:clrMapOvr>
+</p:sld>
+</file>
+
+<file path=ppt/slides/slide54.xml><?xml version="1.0" encoding="utf-8"?>
+<p:sld xmlns:a="http://schemas.openxmlformats.org/drawingml/2006/main" xmlns:r="http://schemas.openxmlformats.org/officeDocument/2006/relationships" xmlns:p="http://schemas.openxmlformats.org/presentationml/2006/main">
+  <p:cSld>
+    <p:spTree>
+      <p:nvGrpSpPr>
+        <p:cNvPr id="1" name=""/>
+        <p:cNvGrpSpPr/>
+        <p:nvPr/>
+      </p:nvGrpSpPr>
+      <p:grpSpPr>
+        <a:xfrm>
+          <a:off x="0" y="0"/>
+          <a:ext cx="0" cy="0"/>
+          <a:chOff x="0" y="0"/>
+          <a:chExt cx="0" cy="0"/>
+        </a:xfrm>
+      </p:grpSpPr>
+      <p:sp>
+        <p:nvSpPr>
+          <p:cNvPr id="2" name="Title 1">
+            <a:extLst>
+              <a:ext uri="{FF2B5EF4-FFF2-40B4-BE49-F238E27FC236}">
+                <a16:creationId xmlns:a16="http://schemas.microsoft.com/office/drawing/2014/main" id="{14D7F595-0D8F-4FE6-A3EC-4557A1A457EB}"/>
+              </a:ext>
+            </a:extLst>
+          </p:cNvPr>
+          <p:cNvSpPr>
+            <a:spLocks noGrp="1"/>
+          </p:cNvSpPr>
+          <p:nvPr>
+            <p:ph type="title"/>
+          </p:nvPr>
+        </p:nvSpPr>
+        <p:spPr/>
+        <p:txBody>
+          <a:bodyPr/>
+          <a:lstStyle/>
+          <a:p>
+            <a:r>
+              <a:rPr lang="en-US">
+                <a:latin typeface="Arial" panose="020B0604020202020204" pitchFamily="34" charset="0"/>
+                <a:cs typeface="Arial" panose="020B0604020202020204" pitchFamily="34" charset="0"/>
+              </a:rPr>
+              <a:t>6.7. JSTL</a:t>
+            </a:r>
+          </a:p>
+        </p:txBody>
+      </p:sp>
+      <p:sp>
+        <p:nvSpPr>
+          <p:cNvPr id="3" name="Content Placeholder 2">
+            <a:extLst>
+              <a:ext uri="{FF2B5EF4-FFF2-40B4-BE49-F238E27FC236}">
+                <a16:creationId xmlns:a16="http://schemas.microsoft.com/office/drawing/2014/main" id="{6337998B-3737-4D43-973D-24B118D723A2}"/>
+              </a:ext>
+            </a:extLst>
+          </p:cNvPr>
+          <p:cNvSpPr>
+            <a:spLocks noGrp="1"/>
+          </p:cNvSpPr>
+          <p:nvPr>
+            <p:ph idx="1"/>
+          </p:nvPr>
+        </p:nvSpPr>
+        <p:spPr>
+          <a:xfrm>
+            <a:off x="1103313" y="1988598"/>
+            <a:ext cx="9842854" cy="4181383"/>
+          </a:xfrm>
+        </p:spPr>
+        <p:txBody>
+          <a:bodyPr/>
+          <a:lstStyle/>
+          <a:p>
+            <a:r>
+              <a:rPr lang="en-US">
+                <a:latin typeface="Arial" panose="020B0604020202020204" pitchFamily="34" charset="0"/>
+                <a:cs typeface="Arial" panose="020B0604020202020204" pitchFamily="34" charset="0"/>
+              </a:rPr>
+              <a:t>Ví dụ thẻ &lt;c:forEach&gt; lặp trong khoảng và thẻ &lt;c:set&gt;</a:t>
+            </a:r>
+          </a:p>
+        </p:txBody>
+      </p:sp>
+      <p:pic>
+        <p:nvPicPr>
+          <p:cNvPr id="6" name="Picture 5">
+            <a:extLst>
+              <a:ext uri="{FF2B5EF4-FFF2-40B4-BE49-F238E27FC236}">
+                <a16:creationId xmlns:a16="http://schemas.microsoft.com/office/drawing/2014/main" id="{934F586B-81C5-4BEA-AC1F-8F868448EEAD}"/>
+              </a:ext>
+            </a:extLst>
+          </p:cNvPr>
+          <p:cNvPicPr>
+            <a:picLocks noChangeAspect="1"/>
+          </p:cNvPicPr>
+          <p:nvPr/>
+        </p:nvPicPr>
+        <p:blipFill>
+          <a:blip r:embed="rId2"/>
+          <a:stretch>
+            <a:fillRect/>
+          </a:stretch>
+        </p:blipFill>
+        <p:spPr>
+          <a:xfrm>
+            <a:off x="3352492" y="2707088"/>
+            <a:ext cx="5344496" cy="3947875"/>
+          </a:xfrm>
+          <a:prstGeom prst="rect">
+            <a:avLst/>
+          </a:prstGeom>
+        </p:spPr>
+      </p:pic>
+    </p:spTree>
+    <p:extLst>
+      <p:ext uri="{BB962C8B-B14F-4D97-AF65-F5344CB8AC3E}">
+        <p14:creationId xmlns:p14="http://schemas.microsoft.com/office/powerpoint/2010/main" val="2055489275"/>
+      </p:ext>
+    </p:extLst>
+  </p:cSld>
+  <p:clrMapOvr>
+    <a:masterClrMapping/>
+  </p:clrMapOvr>
+</p:sld>
+</file>
+
+<file path=ppt/slides/slide55.xml><?xml version="1.0" encoding="utf-8"?>
+<p:sld xmlns:a="http://schemas.openxmlformats.org/drawingml/2006/main" xmlns:r="http://schemas.openxmlformats.org/officeDocument/2006/relationships" xmlns:p="http://schemas.openxmlformats.org/presentationml/2006/main">
+  <p:cSld>
+    <p:spTree>
+      <p:nvGrpSpPr>
+        <p:cNvPr id="1" name=""/>
+        <p:cNvGrpSpPr/>
+        <p:nvPr/>
+      </p:nvGrpSpPr>
+      <p:grpSpPr>
+        <a:xfrm>
+          <a:off x="0" y="0"/>
+          <a:ext cx="0" cy="0"/>
+          <a:chOff x="0" y="0"/>
+          <a:chExt cx="0" cy="0"/>
+        </a:xfrm>
+      </p:grpSpPr>
+      <p:sp>
+        <p:nvSpPr>
+          <p:cNvPr id="2" name="Title 1">
+            <a:extLst>
+              <a:ext uri="{FF2B5EF4-FFF2-40B4-BE49-F238E27FC236}">
+                <a16:creationId xmlns:a16="http://schemas.microsoft.com/office/drawing/2014/main" id="{14D7F595-0D8F-4FE6-A3EC-4557A1A457EB}"/>
+              </a:ext>
+            </a:extLst>
+          </p:cNvPr>
+          <p:cNvSpPr>
+            <a:spLocks noGrp="1"/>
+          </p:cNvSpPr>
+          <p:nvPr>
+            <p:ph type="title"/>
+          </p:nvPr>
+        </p:nvSpPr>
+        <p:spPr/>
+        <p:txBody>
+          <a:bodyPr/>
+          <a:lstStyle/>
+          <a:p>
+            <a:r>
+              <a:rPr lang="en-US">
+                <a:latin typeface="Arial" panose="020B0604020202020204" pitchFamily="34" charset="0"/>
+                <a:cs typeface="Arial" panose="020B0604020202020204" pitchFamily="34" charset="0"/>
+              </a:rPr>
+              <a:t>7. Kiến trúc MVC trong JavaEE</a:t>
+            </a:r>
+          </a:p>
+        </p:txBody>
+      </p:sp>
+      <p:sp>
+        <p:nvSpPr>
+          <p:cNvPr id="3" name="Content Placeholder 2">
+            <a:extLst>
+              <a:ext uri="{FF2B5EF4-FFF2-40B4-BE49-F238E27FC236}">
+                <a16:creationId xmlns:a16="http://schemas.microsoft.com/office/drawing/2014/main" id="{6337998B-3737-4D43-973D-24B118D723A2}"/>
+              </a:ext>
+            </a:extLst>
+          </p:cNvPr>
+          <p:cNvSpPr>
+            <a:spLocks noGrp="1"/>
+          </p:cNvSpPr>
+          <p:nvPr>
+            <p:ph idx="1"/>
+          </p:nvPr>
+        </p:nvSpPr>
+        <p:spPr>
+          <a:xfrm>
+            <a:off x="1103312" y="2183907"/>
+            <a:ext cx="9549892" cy="3986074"/>
+          </a:xfrm>
+        </p:spPr>
+        <p:txBody>
+          <a:bodyPr/>
+          <a:lstStyle/>
+          <a:p>
+            <a:r>
+              <a:rPr lang="en-US">
+                <a:latin typeface="Arial" panose="020B0604020202020204" pitchFamily="34" charset="0"/>
+                <a:cs typeface="Arial" panose="020B0604020202020204" pitchFamily="34" charset="0"/>
+              </a:rPr>
+              <a:t>Kiến trúc MVC (Model - View - Controller) là một kiến trúc lập trình phần mềm phổ biến, được sử dụng rộng rãi, trong đó các thành phần ứng dụng được phân thành 3 nhóm:</a:t>
+            </a:r>
+          </a:p>
+          <a:p>
+            <a:pPr lvl="1"/>
+            <a:r>
+              <a:rPr lang="en-US">
+                <a:latin typeface="Arial" panose="020B0604020202020204" pitchFamily="34" charset="0"/>
+                <a:cs typeface="Arial" panose="020B0604020202020204" pitchFamily="34" charset="0"/>
+              </a:rPr>
+              <a:t>Model: Là những đối tượng mô hình dữ liệu, hay nói cách khác là những lớp chứa dữ liệu chương trình. Như: Task, User, ... Chúng chịu trách nhiệm: Lưu trữ dữ liệu chương trình và thực hiện các thao tác trên dữ liệu chúng lưu giữ.</a:t>
+            </a:r>
+          </a:p>
+          <a:p>
+            <a:pPr lvl="1"/>
+            <a:r>
+              <a:rPr lang="en-US">
+                <a:latin typeface="Arial" panose="020B0604020202020204" pitchFamily="34" charset="0"/>
+                <a:cs typeface="Arial" panose="020B0604020202020204" pitchFamily="34" charset="0"/>
+              </a:rPr>
+              <a:t>Controller: Là những đối tượng trung gian giữa Model và View. Chúng chịu trách nhiệm: Điều hướng luồng xử lý, cung cấp dữ liệu cho View và quyết định những gì View sẽ hiển thị.</a:t>
+            </a:r>
+          </a:p>
+          <a:p>
+            <a:pPr lvl="1"/>
+            <a:r>
+              <a:rPr lang="en-US">
+                <a:latin typeface="Arial" panose="020B0604020202020204" pitchFamily="34" charset="0"/>
+                <a:cs typeface="Arial" panose="020B0604020202020204" pitchFamily="34" charset="0"/>
+              </a:rPr>
+              <a:t>View: Là những giao diện người dùng của ứng dụng, hay các trang web. Chúng chịu trách nhiệm: Hiển thị dữ liệu từ những dữ liệu được cung cấp bởi Controller.</a:t>
+            </a:r>
+          </a:p>
+        </p:txBody>
+      </p:sp>
+    </p:spTree>
+    <p:extLst>
+      <p:ext uri="{BB962C8B-B14F-4D97-AF65-F5344CB8AC3E}">
+        <p14:creationId xmlns:p14="http://schemas.microsoft.com/office/powerpoint/2010/main" val="1643882429"/>
+      </p:ext>
+    </p:extLst>
+  </p:cSld>
+  <p:clrMapOvr>
+    <a:masterClrMapping/>
+  </p:clrMapOvr>
+</p:sld>
+</file>
+
+<file path=ppt/slides/slide56.xml><?xml version="1.0" encoding="utf-8"?>
+<p:sld xmlns:a="http://schemas.openxmlformats.org/drawingml/2006/main" xmlns:r="http://schemas.openxmlformats.org/officeDocument/2006/relationships" xmlns:p="http://schemas.openxmlformats.org/presentationml/2006/main">
+  <p:cSld>
+    <p:spTree>
+      <p:nvGrpSpPr>
+        <p:cNvPr id="1" name=""/>
+        <p:cNvGrpSpPr/>
+        <p:nvPr/>
+      </p:nvGrpSpPr>
+      <p:grpSpPr>
+        <a:xfrm>
+          <a:off x="0" y="0"/>
+          <a:ext cx="0" cy="0"/>
+          <a:chOff x="0" y="0"/>
+          <a:chExt cx="0" cy="0"/>
+        </a:xfrm>
+      </p:grpSpPr>
+      <p:sp>
+        <p:nvSpPr>
+          <p:cNvPr id="2" name="Title 1">
+            <a:extLst>
+              <a:ext uri="{FF2B5EF4-FFF2-40B4-BE49-F238E27FC236}">
+                <a16:creationId xmlns:a16="http://schemas.microsoft.com/office/drawing/2014/main" id="{14D7F595-0D8F-4FE6-A3EC-4557A1A457EB}"/>
+              </a:ext>
+            </a:extLst>
+          </p:cNvPr>
+          <p:cNvSpPr>
+            <a:spLocks noGrp="1"/>
+          </p:cNvSpPr>
+          <p:nvPr>
+            <p:ph type="title"/>
+          </p:nvPr>
+        </p:nvSpPr>
+        <p:spPr/>
+        <p:txBody>
+          <a:bodyPr/>
+          <a:lstStyle/>
+          <a:p>
+            <a:r>
+              <a:rPr lang="en-US">
+                <a:latin typeface="Arial" panose="020B0604020202020204" pitchFamily="34" charset="0"/>
+                <a:cs typeface="Arial" panose="020B0604020202020204" pitchFamily="34" charset="0"/>
+              </a:rPr>
+              <a:t>7. Kiến trúc MVC trong JavaEE</a:t>
+            </a:r>
+          </a:p>
+        </p:txBody>
+      </p:sp>
+      <p:sp>
+        <p:nvSpPr>
+          <p:cNvPr id="3" name="Content Placeholder 2">
+            <a:extLst>
+              <a:ext uri="{FF2B5EF4-FFF2-40B4-BE49-F238E27FC236}">
+                <a16:creationId xmlns:a16="http://schemas.microsoft.com/office/drawing/2014/main" id="{6337998B-3737-4D43-973D-24B118D723A2}"/>
+              </a:ext>
+            </a:extLst>
+          </p:cNvPr>
+          <p:cNvSpPr>
+            <a:spLocks noGrp="1"/>
+          </p:cNvSpPr>
+          <p:nvPr>
+            <p:ph idx="1"/>
+          </p:nvPr>
+        </p:nvSpPr>
+        <p:spPr>
+          <a:xfrm>
+            <a:off x="1103312" y="2183907"/>
+            <a:ext cx="9549892" cy="3986074"/>
+          </a:xfrm>
+        </p:spPr>
+        <p:txBody>
+          <a:bodyPr/>
+          <a:lstStyle/>
+          <a:p>
+            <a:r>
+              <a:rPr lang="en-US">
+                <a:latin typeface="Arial" panose="020B0604020202020204" pitchFamily="34" charset="0"/>
+                <a:cs typeface="Arial" panose="020B0604020202020204" pitchFamily="34" charset="0"/>
+              </a:rPr>
+              <a:t>Trong lập trình web với JavaEE, kiến trúc MVC được triển khai như sau:</a:t>
+            </a:r>
+          </a:p>
+          <a:p>
+            <a:pPr lvl="1"/>
+            <a:r>
+              <a:rPr lang="en-US">
+                <a:latin typeface="Arial" panose="020B0604020202020204" pitchFamily="34" charset="0"/>
+                <a:cs typeface="Arial" panose="020B0604020202020204" pitchFamily="34" charset="0"/>
+              </a:rPr>
+              <a:t>Model: Là những lớp dữ liệu mô hình của chương trình (Ví dụ: Task, User, ...)</a:t>
+            </a:r>
+          </a:p>
+          <a:p>
+            <a:pPr lvl="1"/>
+            <a:r>
+              <a:rPr lang="en-US">
+                <a:latin typeface="Arial" panose="020B0604020202020204" pitchFamily="34" charset="0"/>
+                <a:cs typeface="Arial" panose="020B0604020202020204" pitchFamily="34" charset="0"/>
+              </a:rPr>
+              <a:t>Controller: Là những lớp kế thừa từ lớp HttpServlet. </a:t>
+            </a:r>
+          </a:p>
+          <a:p>
+            <a:pPr lvl="1"/>
+            <a:r>
+              <a:rPr lang="en-US">
+                <a:latin typeface="Arial" panose="020B0604020202020204" pitchFamily="34" charset="0"/>
+                <a:cs typeface="Arial" panose="020B0604020202020204" pitchFamily="34" charset="0"/>
+              </a:rPr>
+              <a:t>View: Là những trang JSP</a:t>
+            </a:r>
+          </a:p>
+        </p:txBody>
+      </p:sp>
+    </p:spTree>
+    <p:extLst>
+      <p:ext uri="{BB962C8B-B14F-4D97-AF65-F5344CB8AC3E}">
+        <p14:creationId xmlns:p14="http://schemas.microsoft.com/office/powerpoint/2010/main" val="1251989471"/>
+      </p:ext>
+    </p:extLst>
+  </p:cSld>
+  <p:clrMapOvr>
+    <a:masterClrMapping/>
+  </p:clrMapOvr>
+</p:sld>
+</file>
+
+<file path=ppt/slides/slide57.xml><?xml version="1.0" encoding="utf-8"?>
+<p:sld xmlns:a="http://schemas.openxmlformats.org/drawingml/2006/main" xmlns:r="http://schemas.openxmlformats.org/officeDocument/2006/relationships" xmlns:p="http://schemas.openxmlformats.org/presentationml/2006/main">
+  <p:cSld>
+    <p:spTree>
+      <p:nvGrpSpPr>
+        <p:cNvPr id="1" name=""/>
+        <p:cNvGrpSpPr/>
+        <p:nvPr/>
+      </p:nvGrpSpPr>
+      <p:grpSpPr>
+        <a:xfrm>
+          <a:off x="0" y="0"/>
+          <a:ext cx="0" cy="0"/>
+          <a:chOff x="0" y="0"/>
+          <a:chExt cx="0" cy="0"/>
+        </a:xfrm>
+      </p:grpSpPr>
+      <p:sp>
+        <p:nvSpPr>
+          <p:cNvPr id="2" name="Title 1">
+            <a:extLst>
+              <a:ext uri="{FF2B5EF4-FFF2-40B4-BE49-F238E27FC236}">
+                <a16:creationId xmlns:a16="http://schemas.microsoft.com/office/drawing/2014/main" id="{14D7F595-0D8F-4FE6-A3EC-4557A1A457EB}"/>
+              </a:ext>
+            </a:extLst>
+          </p:cNvPr>
+          <p:cNvSpPr>
+            <a:spLocks noGrp="1"/>
+          </p:cNvSpPr>
+          <p:nvPr>
+            <p:ph type="title"/>
+          </p:nvPr>
+        </p:nvSpPr>
+        <p:spPr/>
+        <p:txBody>
+          <a:bodyPr/>
+          <a:lstStyle/>
+          <a:p>
+            <a:r>
+              <a:rPr lang="en-US">
+                <a:latin typeface="Arial" panose="020B0604020202020204" pitchFamily="34" charset="0"/>
+                <a:cs typeface="Arial" panose="020B0604020202020204" pitchFamily="34" charset="0"/>
+              </a:rPr>
+              <a:t>Bài tập đồ án</a:t>
+            </a:r>
+          </a:p>
+        </p:txBody>
+      </p:sp>
+      <p:sp>
+        <p:nvSpPr>
+          <p:cNvPr id="3" name="Content Placeholder 2">
+            <a:extLst>
+              <a:ext uri="{FF2B5EF4-FFF2-40B4-BE49-F238E27FC236}">
+                <a16:creationId xmlns:a16="http://schemas.microsoft.com/office/drawing/2014/main" id="{6337998B-3737-4D43-973D-24B118D723A2}"/>
+              </a:ext>
+            </a:extLst>
+          </p:cNvPr>
+          <p:cNvSpPr>
+            <a:spLocks noGrp="1"/>
+          </p:cNvSpPr>
+          <p:nvPr>
+            <p:ph idx="1"/>
+          </p:nvPr>
+        </p:nvSpPr>
+        <p:spPr>
+          <a:xfrm>
+            <a:off x="1103312" y="2183907"/>
+            <a:ext cx="9549892" cy="3986074"/>
+          </a:xfrm>
+        </p:spPr>
+        <p:txBody>
+          <a:bodyPr/>
+          <a:lstStyle/>
+          <a:p>
+            <a:r>
+              <a:rPr lang="en-US">
+                <a:latin typeface="Arial" panose="020B0604020202020204" pitchFamily="34" charset="0"/>
+                <a:cs typeface="Arial" panose="020B0604020202020204" pitchFamily="34" charset="0"/>
+              </a:rPr>
+              <a:t>Dựa trên những kiến thức đã học được ngày hôm nay, hãy tiến hành triển khai bài tập đồ án dựa trên yêu cầu đồ án đã được giao.</a:t>
+            </a:r>
+          </a:p>
+        </p:txBody>
+      </p:sp>
+    </p:spTree>
+    <p:extLst>
+      <p:ext uri="{BB962C8B-B14F-4D97-AF65-F5344CB8AC3E}">
+        <p14:creationId xmlns:p14="http://schemas.microsoft.com/office/powerpoint/2010/main" val="4199905202"/>
       </p:ext>
     </p:extLst>
   </p:cSld>
@@ -7753,26 +13341,55 @@
                 <a:latin typeface="Arial" panose="020B0604020202020204" pitchFamily="34" charset="0"/>
                 <a:cs typeface="Arial" panose="020B0604020202020204" pitchFamily="34" charset="0"/>
               </a:rPr>
-              <a:t>5.2. Lớp HttpServlet</a:t>
+              <a:t>5.1. Giới thiệu về Servlet</a:t>
+            </a:r>
+          </a:p>
+        </p:txBody>
+      </p:sp>
+      <p:sp>
+        <p:nvSpPr>
+          <p:cNvPr id="4" name="Content Placeholder 3">
+            <a:extLst>
+              <a:ext uri="{FF2B5EF4-FFF2-40B4-BE49-F238E27FC236}">
+                <a16:creationId xmlns:a16="http://schemas.microsoft.com/office/drawing/2014/main" id="{7DE4D285-689A-4274-B853-3F14FF7384E2}"/>
+              </a:ext>
+            </a:extLst>
+          </p:cNvPr>
+          <p:cNvSpPr>
+            <a:spLocks noGrp="1"/>
+          </p:cNvSpPr>
+          <p:nvPr>
+            <p:ph idx="1"/>
+          </p:nvPr>
+        </p:nvSpPr>
+        <p:spPr/>
+        <p:txBody>
+          <a:bodyPr/>
+          <a:lstStyle/>
+          <a:p>
+            <a:r>
+              <a:rPr lang="en-US">
+                <a:latin typeface="Arial" panose="020B0604020202020204" pitchFamily="34" charset="0"/>
+                <a:cs typeface="Arial" panose="020B0604020202020204" pitchFamily="34" charset="0"/>
+              </a:rPr>
+              <a:t>Cơ chế hoạt động của Servlet</a:t>
             </a:r>
           </a:p>
         </p:txBody>
       </p:sp>
       <p:pic>
         <p:nvPicPr>
-          <p:cNvPr id="5" name="Content Placeholder 4">
-            <a:extLst>
-              <a:ext uri="{FF2B5EF4-FFF2-40B4-BE49-F238E27FC236}">
-                <a16:creationId xmlns:a16="http://schemas.microsoft.com/office/drawing/2014/main" id="{5D337AB2-F41E-42FE-8978-11C6D3252ECE}"/>
+          <p:cNvPr id="6" name="Picture 5">
+            <a:extLst>
+              <a:ext uri="{FF2B5EF4-FFF2-40B4-BE49-F238E27FC236}">
+                <a16:creationId xmlns:a16="http://schemas.microsoft.com/office/drawing/2014/main" id="{9A479EFA-7BFA-4906-9695-01711BF8E86C}"/>
               </a:ext>
             </a:extLst>
           </p:cNvPr>
           <p:cNvPicPr>
-            <a:picLocks noGrp="1" noChangeAspect="1"/>
+            <a:picLocks noChangeAspect="1"/>
           </p:cNvPicPr>
-          <p:nvPr>
-            <p:ph idx="1"/>
-          </p:nvPr>
+          <p:nvPr/>
         </p:nvPicPr>
         <p:blipFill>
           <a:blip r:embed="rId2"/>
@@ -7782,15 +13399,18 @@
         </p:blipFill>
         <p:spPr>
           <a:xfrm>
-            <a:off x="2284898" y="1741321"/>
-            <a:ext cx="7622204" cy="4530796"/>
-          </a:xfrm>
+            <a:off x="3394309" y="2683180"/>
+            <a:ext cx="5403381" cy="3926157"/>
+          </a:xfrm>
+          <a:prstGeom prst="rect">
+            <a:avLst/>
+          </a:prstGeom>
         </p:spPr>
       </p:pic>
     </p:spTree>
     <p:extLst>
       <p:ext uri="{BB962C8B-B14F-4D97-AF65-F5344CB8AC3E}">
-        <p14:creationId xmlns:p14="http://schemas.microsoft.com/office/powerpoint/2010/main" val="1524225499"/>
+        <p14:creationId xmlns:p14="http://schemas.microsoft.com/office/powerpoint/2010/main" val="2230019829"/>
       </p:ext>
     </p:extLst>
   </p:cSld>
@@ -7843,7 +13463,7 @@
                 <a:latin typeface="Arial" panose="020B0604020202020204" pitchFamily="34" charset="0"/>
                 <a:cs typeface="Arial" panose="020B0604020202020204" pitchFamily="34" charset="0"/>
               </a:rPr>
-              <a:t>5.3. Annotation @WebServlet</a:t>
+              <a:t>5.2. Lớp HttpServlet</a:t>
             </a:r>
           </a:p>
         </p:txBody>
@@ -7879,36 +13499,16 @@
                 <a:latin typeface="Arial" panose="020B0604020202020204" pitchFamily="34" charset="0"/>
                 <a:cs typeface="Arial" panose="020B0604020202020204" pitchFamily="34" charset="0"/>
               </a:rPr>
-              <a:t>Annotation @WebServlet được gán trước các lớp HttpServlet để chỉ định đường dẫn của lớp HttpServlet này.</a:t>
-            </a:r>
-          </a:p>
-          <a:p>
-            <a:r>
-              <a:rPr lang="en-US">
-                <a:latin typeface="Arial" panose="020B0604020202020204" pitchFamily="34" charset="0"/>
-                <a:cs typeface="Arial" panose="020B0604020202020204" pitchFamily="34" charset="0"/>
-              </a:rPr>
-              <a:t>Ví dụ:</a:t>
-            </a:r>
-          </a:p>
-          <a:p>
-            <a:pPr lvl="1"/>
-            <a:r>
-              <a:rPr lang="en-US">
-                <a:latin typeface="Arial" panose="020B0604020202020204" pitchFamily="34" charset="0"/>
-                <a:cs typeface="Arial" panose="020B0604020202020204" pitchFamily="34" charset="0"/>
-              </a:rPr>
-              <a:t>Annoation: @WebServlet("/login") được gán trước lớp LoginServlet</a:t>
-            </a:r>
-          </a:p>
-          <a:p>
-            <a:pPr lvl="1"/>
-            <a:r>
-              <a:rPr lang="en-US">
-                <a:latin typeface="Arial" panose="020B0604020202020204" pitchFamily="34" charset="0"/>
-                <a:cs typeface="Arial" panose="020B0604020202020204" pitchFamily="34" charset="0"/>
-              </a:rPr>
-              <a:t>Các yêu cầu HTTP có đường dẫn phía sau là /login (Ví dụ: http://localhost:8080/login) sẽ được xử lý bởi lớp LoginServlet.</a:t>
+              <a:t>Lớp HttpServlet là một chuẩn Servlet được thiết kế đặc biệt để xử lý những yêu cầu HTTP.</a:t>
+            </a:r>
+          </a:p>
+          <a:p>
+            <a:r>
+              <a:rPr lang="en-US">
+                <a:latin typeface="Arial" panose="020B0604020202020204" pitchFamily="34" charset="0"/>
+                <a:cs typeface="Arial" panose="020B0604020202020204" pitchFamily="34" charset="0"/>
+              </a:rPr>
+              <a:t>Chi tiết hơn, khi một yêu cầu HTTP được gửi từ phía trình duyệt web, máy chủ web sẽ chuyển tiếp yêu cầu HTTP này cho JavaEE Container và JavaEE Container sẽ gọi đến HttpServlet tương ứng để xử lý yêu cầu và tạo nội dung phản hồi.</a:t>
             </a:r>
           </a:p>
         </p:txBody>
@@ -7916,7 +13516,7 @@
     </p:spTree>
     <p:extLst>
       <p:ext uri="{BB962C8B-B14F-4D97-AF65-F5344CB8AC3E}">
-        <p14:creationId xmlns:p14="http://schemas.microsoft.com/office/powerpoint/2010/main" val="1919184121"/>
+        <p14:creationId xmlns:p14="http://schemas.microsoft.com/office/powerpoint/2010/main" val="3094888584"/>
       </p:ext>
     </p:extLst>
   </p:cSld>
@@ -7969,69 +13569,44 @@
                 <a:latin typeface="Arial" panose="020B0604020202020204" pitchFamily="34" charset="0"/>
                 <a:cs typeface="Arial" panose="020B0604020202020204" pitchFamily="34" charset="0"/>
               </a:rPr>
-              <a:t>5.4. Lớp HttpServletRequest</a:t>
-            </a:r>
-          </a:p>
-        </p:txBody>
-      </p:sp>
-      <p:sp>
-        <p:nvSpPr>
-          <p:cNvPr id="3" name="Content Placeholder 2">
-            <a:extLst>
-              <a:ext uri="{FF2B5EF4-FFF2-40B4-BE49-F238E27FC236}">
-                <a16:creationId xmlns:a16="http://schemas.microsoft.com/office/drawing/2014/main" id="{6337998B-3737-4D43-973D-24B118D723A2}"/>
-              </a:ext>
-            </a:extLst>
-          </p:cNvPr>
-          <p:cNvSpPr>
-            <a:spLocks noGrp="1"/>
-          </p:cNvSpPr>
+              <a:t>5.2. Lớp HttpServlet</a:t>
+            </a:r>
+          </a:p>
+        </p:txBody>
+      </p:sp>
+      <p:pic>
+        <p:nvPicPr>
+          <p:cNvPr id="5" name="Content Placeholder 4">
+            <a:extLst>
+              <a:ext uri="{FF2B5EF4-FFF2-40B4-BE49-F238E27FC236}">
+                <a16:creationId xmlns:a16="http://schemas.microsoft.com/office/drawing/2014/main" id="{5D337AB2-F41E-42FE-8978-11C6D3252ECE}"/>
+              </a:ext>
+            </a:extLst>
+          </p:cNvPr>
+          <p:cNvPicPr>
+            <a:picLocks noGrp="1" noChangeAspect="1"/>
+          </p:cNvPicPr>
           <p:nvPr>
             <p:ph idx="1"/>
           </p:nvPr>
-        </p:nvSpPr>
-        <p:spPr>
-          <a:xfrm>
-            <a:off x="1103311" y="2183907"/>
-            <a:ext cx="9034987" cy="3986074"/>
-          </a:xfrm>
-        </p:spPr>
-        <p:txBody>
-          <a:bodyPr/>
-          <a:lstStyle/>
-          <a:p>
-            <a:r>
-              <a:rPr lang="en-US">
-                <a:latin typeface="Arial" panose="020B0604020202020204" pitchFamily="34" charset="0"/>
-                <a:cs typeface="Arial" panose="020B0604020202020204" pitchFamily="34" charset="0"/>
-              </a:rPr>
-              <a:t>Những đối tượng thuộc lớp HttpServletRequest là những đối tượng chứa thông tin của yêu cầu HTTP.</a:t>
-            </a:r>
-          </a:p>
-          <a:p>
-            <a:r>
-              <a:rPr lang="en-US">
-                <a:latin typeface="Arial" panose="020B0604020202020204" pitchFamily="34" charset="0"/>
-                <a:cs typeface="Arial" panose="020B0604020202020204" pitchFamily="34" charset="0"/>
-              </a:rPr>
-              <a:t>Những đối tượng thuộc lớp này thường được tạo ra bởi JavaEE Container và truyền vào làm đối số gọi phương thức doGet, doPost của các Servlet.</a:t>
-            </a:r>
-          </a:p>
-          <a:p>
-            <a:r>
-              <a:rPr lang="en-US">
-                <a:latin typeface="Arial" panose="020B0604020202020204" pitchFamily="34" charset="0"/>
-                <a:cs typeface="Arial" panose="020B0604020202020204" pitchFamily="34" charset="0"/>
-              </a:rPr>
-              <a:t>Những đối tượng thuộc lớp này được JavaEE Container tạo dựa trên những thông tin được cung cấp bởi yêu cầu HTTP được gửi từ phía trình duyệt web.</a:t>
-            </a:r>
-          </a:p>
-        </p:txBody>
-      </p:sp>
+        </p:nvPicPr>
+        <p:blipFill>
+          <a:blip r:embed="rId2"/>
+          <a:stretch>
+            <a:fillRect/>
+          </a:stretch>
+        </p:blipFill>
+        <p:spPr>
+          <a:xfrm>
+            <a:off x="2284898" y="1741321"/>
+            <a:ext cx="7622204" cy="4530796"/>
+          </a:xfrm>
+        </p:spPr>
+      </p:pic>
     </p:spTree>
     <p:extLst>
       <p:ext uri="{BB962C8B-B14F-4D97-AF65-F5344CB8AC3E}">
-        <p14:creationId xmlns:p14="http://schemas.microsoft.com/office/powerpoint/2010/main" val="1871336901"/>
+        <p14:creationId xmlns:p14="http://schemas.microsoft.com/office/powerpoint/2010/main" val="1524225499"/>
       </p:ext>
     </p:extLst>
   </p:cSld>
@@ -8084,7 +13659,7 @@
                 <a:latin typeface="Arial" panose="020B0604020202020204" pitchFamily="34" charset="0"/>
                 <a:cs typeface="Arial" panose="020B0604020202020204" pitchFamily="34" charset="0"/>
               </a:rPr>
-              <a:t>5.4. Lớp HttpServletRequest</a:t>
+              <a:t>5.3. Annotation @WebServlet</a:t>
             </a:r>
           </a:p>
         </p:txBody>
@@ -8120,7 +13695,16 @@
                 <a:latin typeface="Arial" panose="020B0604020202020204" pitchFamily="34" charset="0"/>
                 <a:cs typeface="Arial" panose="020B0604020202020204" pitchFamily="34" charset="0"/>
               </a:rPr>
-              <a:t>Những công việc chính mà các đối tượng thuộc lớp HttpServletRequest thường thực hiện:</a:t>
+              <a:t>Annotation @WebServlet được gán trước các lớp kế thừa lớp HttpServlet để chỉ định đường dẫn của Servlet này.</a:t>
+            </a:r>
+          </a:p>
+          <a:p>
+            <a:r>
+              <a:rPr lang="en-US">
+                <a:latin typeface="Arial" panose="020B0604020202020204" pitchFamily="34" charset="0"/>
+                <a:cs typeface="Arial" panose="020B0604020202020204" pitchFamily="34" charset="0"/>
+              </a:rPr>
+              <a:t>Ví dụ:</a:t>
             </a:r>
           </a:p>
           <a:p>
@@ -8130,7 +13714,7 @@
                 <a:latin typeface="Arial" panose="020B0604020202020204" pitchFamily="34" charset="0"/>
                 <a:cs typeface="Arial" panose="020B0604020202020204" pitchFamily="34" charset="0"/>
               </a:rPr>
-              <a:t>Chuyển tiếp yêu cầu: Chuyển tiếp yêu cầu từ HttpServlet này sang HttpServlet khác. (Ví dụ: từ /login đến /home)</a:t>
+              <a:t>Annoation: @WebServlet("/login") được gán trước lớp LoginServlet</a:t>
             </a:r>
           </a:p>
           <a:p>
@@ -8140,27 +13724,7 @@
                 <a:latin typeface="Arial" panose="020B0604020202020204" pitchFamily="34" charset="0"/>
                 <a:cs typeface="Arial" panose="020B0604020202020204" pitchFamily="34" charset="0"/>
               </a:rPr>
-              <a:t>Truy xuất tham số từ yêu cầu HTTP: Khi HttpServlet xử lý yêu cầu HTTP, sẽ thường xuyên cần truy xuất tham số từ yêu cầu HTTP để xử lý gì đó.</a:t>
-            </a:r>
-          </a:p>
-          <a:p>
-            <a:pPr lvl="1"/>
-            <a:r>
-              <a:rPr lang="en-US">
-                <a:latin typeface="Arial" panose="020B0604020202020204" pitchFamily="34" charset="0"/>
-                <a:cs typeface="Arial" panose="020B0604020202020204" pitchFamily="34" charset="0"/>
-              </a:rPr>
-              <a:t>Tạo / truy xuất phiên làm việc (Session): Tạo phiên làm việc hoặc truy xuất phiên làm việc nếu đã có, để lưu trữ trạng thái của người dùng trong khoảng thời gian dài.</a:t>
-            </a:r>
-          </a:p>
-          <a:p>
-            <a:pPr lvl="1"/>
-            <a:r>
-              <a:rPr lang="en-US">
-                <a:latin typeface="Arial" panose="020B0604020202020204" pitchFamily="34" charset="0"/>
-                <a:cs typeface="Arial" panose="020B0604020202020204" pitchFamily="34" charset="0"/>
-              </a:rPr>
-              <a:t>Lưu trữ lớp đối tượng mô hình dữ liệu: Mang đến khả năng hiển thị dữ liệu hệ thống cho giao diện.</a:t>
+              <a:t>Các yêu cầu HTTP có đường dẫn phía sau là /login (Ví dụ: http://localhost:8080/login) sẽ được xử lý bởi lớp LoginServlet.</a:t>
             </a:r>
           </a:p>
         </p:txBody>
@@ -8168,7 +13732,7 @@
     </p:spTree>
     <p:extLst>
       <p:ext uri="{BB962C8B-B14F-4D97-AF65-F5344CB8AC3E}">
-        <p14:creationId xmlns:p14="http://schemas.microsoft.com/office/powerpoint/2010/main" val="2934881679"/>
+        <p14:creationId xmlns:p14="http://schemas.microsoft.com/office/powerpoint/2010/main" val="1919184121"/>
       </p:ext>
     </p:extLst>
   </p:cSld>

--- a/Slides/Day_7_2.pptx
+++ b/Slides/Day_7_2.pptx
@@ -8496,7 +8496,7 @@
                 <a:latin typeface="Arial" panose="020B0604020202020204" pitchFamily="34" charset="0"/>
                 <a:cs typeface="Arial" panose="020B0604020202020204" pitchFamily="34" charset="0"/>
               </a:rPr>
-              <a:t>taglib: Nhập thư viện thẻ cho JSP</a:t>
+              <a:t>taglib (thường dùng): Nhập thư viện thẻ cho JSP</a:t>
             </a:r>
           </a:p>
         </p:txBody>
@@ -13056,7 +13056,7 @@
                 <a:latin typeface="Arial" panose="020B0604020202020204" pitchFamily="34" charset="0"/>
                 <a:cs typeface="Arial" panose="020B0604020202020204" pitchFamily="34" charset="0"/>
               </a:rPr>
-              <a:t>View: Là những giao diện người dùng của ứng dụng, hay các trang web. Chúng chịu trách nhiệm: Hiển thị dữ liệu từ những dữ liệu được cung cấp bởi Controller.</a:t>
+              <a:t>View: Là những giao diện người dùng của ứng dụng, hay các trang web. Chúng chịu trách nhiệm: Hiển thị dữ liệu từ những dữ liệu được cung cấp bởi Controller, tiếp nhận tương tác của người dùng.</a:t>
             </a:r>
           </a:p>
         </p:txBody>
